--- a/MeetingInfo/OpenCommGroup_2011.09.22.pptx
+++ b/MeetingInfo/OpenCommGroup_2011.09.22.pptx
@@ -5,17 +5,19 @@
     <p:sldMasterId id="2147483672" r:id="rId1"/>
   </p:sldMasterIdLst>
   <p:notesMasterIdLst>
-    <p:notesMasterId r:id="rId10"/>
+    <p:notesMasterId r:id="rId12"/>
   </p:notesMasterIdLst>
   <p:sldIdLst>
     <p:sldId id="256" r:id="rId2"/>
     <p:sldId id="257" r:id="rId3"/>
     <p:sldId id="258" r:id="rId4"/>
     <p:sldId id="259" r:id="rId5"/>
-    <p:sldId id="260" r:id="rId6"/>
-    <p:sldId id="261" r:id="rId7"/>
-    <p:sldId id="262" r:id="rId8"/>
-    <p:sldId id="263" r:id="rId9"/>
+    <p:sldId id="266" r:id="rId6"/>
+    <p:sldId id="262" r:id="rId7"/>
+    <p:sldId id="264" r:id="rId8"/>
+    <p:sldId id="260" r:id="rId9"/>
+    <p:sldId id="261" r:id="rId10"/>
+    <p:sldId id="263" r:id="rId11"/>
   </p:sldIdLst>
   <p:sldSz cx="9144000" cy="6858000" type="screen4x3"/>
   <p:notesSz cx="6858000" cy="9144000"/>
@@ -115,6 +117,3412 @@
     </a:lvl9pPr>
   </p:defaultTextStyle>
 </p:presentation>
+</file>
+
+<file path=ppt/diagrams/colors1.xml><?xml version="1.0" encoding="utf-8"?>
+<dgm:colorsDef xmlns:dgm="http://schemas.openxmlformats.org/drawingml/2006/diagram" xmlns:a="http://schemas.openxmlformats.org/drawingml/2006/main" uniqueId="urn:microsoft.com/office/officeart/2005/8/colors/colorful1">
+  <dgm:title val=""/>
+  <dgm:desc val=""/>
+  <dgm:catLst>
+    <dgm:cat type="colorful" pri="10100"/>
+  </dgm:catLst>
+  <dgm:styleLbl name="node0">
+    <dgm:fillClrLst meth="repeat">
+      <a:schemeClr val="accent1"/>
+    </dgm:fillClrLst>
+    <dgm:linClrLst meth="repeat">
+      <a:schemeClr val="lt1"/>
+    </dgm:linClrLst>
+    <dgm:effectClrLst/>
+    <dgm:txLinClrLst/>
+    <dgm:txFillClrLst/>
+    <dgm:txEffectClrLst/>
+  </dgm:styleLbl>
+  <dgm:styleLbl name="node1">
+    <dgm:fillClrLst meth="repeat">
+      <a:schemeClr val="accent2"/>
+      <a:schemeClr val="accent3"/>
+      <a:schemeClr val="accent4"/>
+      <a:schemeClr val="accent5"/>
+      <a:schemeClr val="accent6"/>
+    </dgm:fillClrLst>
+    <dgm:linClrLst meth="repeat">
+      <a:schemeClr val="lt1"/>
+    </dgm:linClrLst>
+    <dgm:effectClrLst/>
+    <dgm:txLinClrLst/>
+    <dgm:txFillClrLst/>
+    <dgm:txEffectClrLst/>
+  </dgm:styleLbl>
+  <dgm:styleLbl name="alignNode1">
+    <dgm:fillClrLst meth="repeat">
+      <a:schemeClr val="accent2"/>
+      <a:schemeClr val="accent3"/>
+      <a:schemeClr val="accent4"/>
+      <a:schemeClr val="accent5"/>
+      <a:schemeClr val="accent6"/>
+    </dgm:fillClrLst>
+    <dgm:linClrLst meth="repeat">
+      <a:schemeClr val="accent2"/>
+      <a:schemeClr val="accent3"/>
+      <a:schemeClr val="accent4"/>
+      <a:schemeClr val="accent5"/>
+      <a:schemeClr val="accent6"/>
+    </dgm:linClrLst>
+    <dgm:effectClrLst/>
+    <dgm:txLinClrLst/>
+    <dgm:txFillClrLst/>
+    <dgm:txEffectClrLst/>
+  </dgm:styleLbl>
+  <dgm:styleLbl name="lnNode1">
+    <dgm:fillClrLst meth="repeat">
+      <a:schemeClr val="accent2"/>
+      <a:schemeClr val="accent3"/>
+      <a:schemeClr val="accent4"/>
+      <a:schemeClr val="accent5"/>
+      <a:schemeClr val="accent6"/>
+    </dgm:fillClrLst>
+    <dgm:linClrLst meth="repeat">
+      <a:schemeClr val="lt1"/>
+    </dgm:linClrLst>
+    <dgm:effectClrLst/>
+    <dgm:txLinClrLst/>
+    <dgm:txFillClrLst/>
+    <dgm:txEffectClrLst/>
+  </dgm:styleLbl>
+  <dgm:styleLbl name="vennNode1">
+    <dgm:fillClrLst meth="repeat">
+      <a:schemeClr val="accent2">
+        <a:alpha val="50000"/>
+      </a:schemeClr>
+      <a:schemeClr val="accent3">
+        <a:alpha val="50000"/>
+      </a:schemeClr>
+      <a:schemeClr val="accent4">
+        <a:alpha val="50000"/>
+      </a:schemeClr>
+      <a:schemeClr val="accent5">
+        <a:alpha val="50000"/>
+      </a:schemeClr>
+      <a:schemeClr val="accent6">
+        <a:alpha val="50000"/>
+      </a:schemeClr>
+    </dgm:fillClrLst>
+    <dgm:linClrLst meth="repeat">
+      <a:schemeClr val="lt1"/>
+    </dgm:linClrLst>
+    <dgm:effectClrLst/>
+    <dgm:txLinClrLst/>
+    <dgm:txFillClrLst/>
+    <dgm:txEffectClrLst/>
+  </dgm:styleLbl>
+  <dgm:styleLbl name="node2">
+    <dgm:fillClrLst>
+      <a:schemeClr val="accent2"/>
+    </dgm:fillClrLst>
+    <dgm:linClrLst meth="repeat">
+      <a:schemeClr val="lt1"/>
+    </dgm:linClrLst>
+    <dgm:effectClrLst/>
+    <dgm:txLinClrLst/>
+    <dgm:txFillClrLst/>
+    <dgm:txEffectClrLst/>
+  </dgm:styleLbl>
+  <dgm:styleLbl name="node3">
+    <dgm:fillClrLst>
+      <a:schemeClr val="accent3"/>
+    </dgm:fillClrLst>
+    <dgm:linClrLst meth="repeat">
+      <a:schemeClr val="lt1"/>
+    </dgm:linClrLst>
+    <dgm:effectClrLst/>
+    <dgm:txLinClrLst/>
+    <dgm:txFillClrLst/>
+    <dgm:txEffectClrLst/>
+  </dgm:styleLbl>
+  <dgm:styleLbl name="node4">
+    <dgm:fillClrLst>
+      <a:schemeClr val="accent4"/>
+    </dgm:fillClrLst>
+    <dgm:linClrLst meth="repeat">
+      <a:schemeClr val="lt1"/>
+    </dgm:linClrLst>
+    <dgm:effectClrLst/>
+    <dgm:txLinClrLst/>
+    <dgm:txFillClrLst/>
+    <dgm:txEffectClrLst/>
+  </dgm:styleLbl>
+  <dgm:styleLbl name="fgImgPlace1">
+    <dgm:fillClrLst meth="repeat">
+      <a:schemeClr val="accent2">
+        <a:tint val="50000"/>
+      </a:schemeClr>
+      <a:schemeClr val="accent3">
+        <a:tint val="50000"/>
+      </a:schemeClr>
+      <a:schemeClr val="accent4">
+        <a:tint val="50000"/>
+      </a:schemeClr>
+      <a:schemeClr val="accent5">
+        <a:tint val="50000"/>
+      </a:schemeClr>
+      <a:schemeClr val="accent6">
+        <a:tint val="50000"/>
+      </a:schemeClr>
+    </dgm:fillClrLst>
+    <dgm:linClrLst meth="repeat">
+      <a:schemeClr val="lt1"/>
+    </dgm:linClrLst>
+    <dgm:effectClrLst/>
+    <dgm:txLinClrLst/>
+    <dgm:txFillClrLst meth="repeat">
+      <a:schemeClr val="lt1"/>
+    </dgm:txFillClrLst>
+    <dgm:txEffectClrLst/>
+  </dgm:styleLbl>
+  <dgm:styleLbl name="alignImgPlace1">
+    <dgm:fillClrLst>
+      <a:schemeClr val="accent1">
+        <a:tint val="50000"/>
+      </a:schemeClr>
+      <a:schemeClr val="accent2">
+        <a:tint val="20000"/>
+      </a:schemeClr>
+    </dgm:fillClrLst>
+    <dgm:linClrLst meth="repeat">
+      <a:schemeClr val="lt1"/>
+    </dgm:linClrLst>
+    <dgm:effectClrLst/>
+    <dgm:txLinClrLst/>
+    <dgm:txFillClrLst meth="repeat">
+      <a:schemeClr val="lt1"/>
+    </dgm:txFillClrLst>
+    <dgm:txEffectClrLst/>
+  </dgm:styleLbl>
+  <dgm:styleLbl name="bgImgPlace1">
+    <dgm:fillClrLst>
+      <a:schemeClr val="accent1">
+        <a:tint val="50000"/>
+      </a:schemeClr>
+      <a:schemeClr val="accent2">
+        <a:tint val="20000"/>
+      </a:schemeClr>
+    </dgm:fillClrLst>
+    <dgm:linClrLst meth="repeat">
+      <a:schemeClr val="lt1"/>
+    </dgm:linClrLst>
+    <dgm:effectClrLst/>
+    <dgm:txLinClrLst/>
+    <dgm:txFillClrLst meth="repeat">
+      <a:schemeClr val="lt1"/>
+    </dgm:txFillClrLst>
+    <dgm:txEffectClrLst/>
+  </dgm:styleLbl>
+  <dgm:styleLbl name="sibTrans2D1">
+    <dgm:fillClrLst meth="repeat">
+      <a:schemeClr val="accent2"/>
+      <a:schemeClr val="accent3"/>
+      <a:schemeClr val="accent4"/>
+      <a:schemeClr val="accent5"/>
+      <a:schemeClr val="accent6"/>
+    </dgm:fillClrLst>
+    <dgm:linClrLst meth="cycle">
+      <a:schemeClr val="lt1"/>
+    </dgm:linClrLst>
+    <dgm:effectClrLst/>
+    <dgm:txLinClrLst/>
+    <dgm:txFillClrLst/>
+    <dgm:txEffectClrLst/>
+  </dgm:styleLbl>
+  <dgm:styleLbl name="fgSibTrans2D1">
+    <dgm:fillClrLst meth="repeat">
+      <a:schemeClr val="accent2"/>
+      <a:schemeClr val="accent3"/>
+      <a:schemeClr val="accent4"/>
+      <a:schemeClr val="accent5"/>
+      <a:schemeClr val="accent6"/>
+    </dgm:fillClrLst>
+    <dgm:linClrLst meth="cycle">
+      <a:schemeClr val="lt1"/>
+    </dgm:linClrLst>
+    <dgm:effectClrLst/>
+    <dgm:txLinClrLst/>
+    <dgm:txFillClrLst meth="repeat">
+      <a:schemeClr val="lt1"/>
+    </dgm:txFillClrLst>
+    <dgm:txEffectClrLst/>
+  </dgm:styleLbl>
+  <dgm:styleLbl name="bgSibTrans2D1">
+    <dgm:fillClrLst meth="repeat">
+      <a:schemeClr val="accent2"/>
+      <a:schemeClr val="accent3"/>
+      <a:schemeClr val="accent4"/>
+      <a:schemeClr val="accent5"/>
+      <a:schemeClr val="accent6"/>
+    </dgm:fillClrLst>
+    <dgm:linClrLst meth="cycle">
+      <a:schemeClr val="lt1"/>
+    </dgm:linClrLst>
+    <dgm:effectClrLst/>
+    <dgm:txLinClrLst/>
+    <dgm:txFillClrLst meth="repeat">
+      <a:schemeClr val="lt1"/>
+    </dgm:txFillClrLst>
+    <dgm:txEffectClrLst/>
+  </dgm:styleLbl>
+  <dgm:styleLbl name="sibTrans1D1">
+    <dgm:fillClrLst meth="repeat">
+      <a:schemeClr val="accent2"/>
+      <a:schemeClr val="accent3"/>
+      <a:schemeClr val="accent4"/>
+      <a:schemeClr val="accent5"/>
+      <a:schemeClr val="accent6"/>
+    </dgm:fillClrLst>
+    <dgm:linClrLst meth="repeat">
+      <a:schemeClr val="accent2"/>
+      <a:schemeClr val="accent3"/>
+      <a:schemeClr val="accent4"/>
+      <a:schemeClr val="accent5"/>
+      <a:schemeClr val="accent6"/>
+    </dgm:linClrLst>
+    <dgm:effectClrLst/>
+    <dgm:txLinClrLst/>
+    <dgm:txFillClrLst meth="repeat">
+      <a:schemeClr val="tx1"/>
+    </dgm:txFillClrLst>
+    <dgm:txEffectClrLst/>
+  </dgm:styleLbl>
+  <dgm:styleLbl name="callout">
+    <dgm:fillClrLst meth="repeat">
+      <a:schemeClr val="accent2"/>
+    </dgm:fillClrLst>
+    <dgm:linClrLst meth="repeat">
+      <a:schemeClr val="accent2">
+        <a:tint val="50000"/>
+      </a:schemeClr>
+    </dgm:linClrLst>
+    <dgm:effectClrLst/>
+    <dgm:txLinClrLst/>
+    <dgm:txFillClrLst meth="repeat">
+      <a:schemeClr val="tx1"/>
+    </dgm:txFillClrLst>
+    <dgm:txEffectClrLst/>
+  </dgm:styleLbl>
+  <dgm:styleLbl name="asst0">
+    <dgm:fillClrLst meth="repeat">
+      <a:schemeClr val="accent1"/>
+    </dgm:fillClrLst>
+    <dgm:linClrLst meth="repeat">
+      <a:schemeClr val="lt1"/>
+    </dgm:linClrLst>
+    <dgm:effectClrLst/>
+    <dgm:txLinClrLst/>
+    <dgm:txFillClrLst/>
+    <dgm:txEffectClrLst/>
+  </dgm:styleLbl>
+  <dgm:styleLbl name="asst1">
+    <dgm:fillClrLst meth="repeat">
+      <a:schemeClr val="accent2"/>
+    </dgm:fillClrLst>
+    <dgm:linClrLst meth="repeat">
+      <a:schemeClr val="lt1"/>
+    </dgm:linClrLst>
+    <dgm:effectClrLst/>
+    <dgm:txLinClrLst/>
+    <dgm:txFillClrLst/>
+    <dgm:txEffectClrLst/>
+  </dgm:styleLbl>
+  <dgm:styleLbl name="asst2">
+    <dgm:fillClrLst>
+      <a:schemeClr val="accent3"/>
+    </dgm:fillClrLst>
+    <dgm:linClrLst meth="repeat">
+      <a:schemeClr val="lt1"/>
+    </dgm:linClrLst>
+    <dgm:effectClrLst/>
+    <dgm:txLinClrLst/>
+    <dgm:txFillClrLst/>
+    <dgm:txEffectClrLst/>
+  </dgm:styleLbl>
+  <dgm:styleLbl name="asst3">
+    <dgm:fillClrLst>
+      <a:schemeClr val="accent4"/>
+    </dgm:fillClrLst>
+    <dgm:linClrLst meth="repeat">
+      <a:schemeClr val="lt1"/>
+    </dgm:linClrLst>
+    <dgm:effectClrLst/>
+    <dgm:txLinClrLst/>
+    <dgm:txFillClrLst/>
+    <dgm:txEffectClrLst/>
+  </dgm:styleLbl>
+  <dgm:styleLbl name="asst4">
+    <dgm:fillClrLst>
+      <a:schemeClr val="accent5"/>
+    </dgm:fillClrLst>
+    <dgm:linClrLst meth="repeat">
+      <a:schemeClr val="lt1"/>
+    </dgm:linClrLst>
+    <dgm:effectClrLst/>
+    <dgm:txLinClrLst/>
+    <dgm:txFillClrLst/>
+    <dgm:txEffectClrLst/>
+  </dgm:styleLbl>
+  <dgm:styleLbl name="parChTrans2D1">
+    <dgm:fillClrLst meth="repeat">
+      <a:schemeClr val="accent2"/>
+    </dgm:fillClrLst>
+    <dgm:linClrLst meth="repeat">
+      <a:schemeClr val="lt1"/>
+    </dgm:linClrLst>
+    <dgm:effectClrLst/>
+    <dgm:txLinClrLst/>
+    <dgm:txFillClrLst meth="repeat">
+      <a:schemeClr val="lt1"/>
+    </dgm:txFillClrLst>
+    <dgm:txEffectClrLst/>
+  </dgm:styleLbl>
+  <dgm:styleLbl name="parChTrans2D2">
+    <dgm:fillClrLst meth="repeat">
+      <a:schemeClr val="accent3"/>
+    </dgm:fillClrLst>
+    <dgm:linClrLst meth="repeat">
+      <a:schemeClr val="lt1"/>
+    </dgm:linClrLst>
+    <dgm:effectClrLst/>
+    <dgm:txLinClrLst/>
+    <dgm:txFillClrLst/>
+    <dgm:txEffectClrLst/>
+  </dgm:styleLbl>
+  <dgm:styleLbl name="parChTrans2D3">
+    <dgm:fillClrLst meth="repeat">
+      <a:schemeClr val="accent4"/>
+    </dgm:fillClrLst>
+    <dgm:linClrLst meth="repeat">
+      <a:schemeClr val="lt1"/>
+    </dgm:linClrLst>
+    <dgm:effectClrLst/>
+    <dgm:txLinClrLst/>
+    <dgm:txFillClrLst/>
+    <dgm:txEffectClrLst/>
+  </dgm:styleLbl>
+  <dgm:styleLbl name="parChTrans2D4">
+    <dgm:fillClrLst meth="repeat">
+      <a:schemeClr val="accent5"/>
+    </dgm:fillClrLst>
+    <dgm:linClrLst meth="repeat">
+      <a:schemeClr val="lt1"/>
+    </dgm:linClrLst>
+    <dgm:effectClrLst/>
+    <dgm:txLinClrLst/>
+    <dgm:txFillClrLst meth="repeat">
+      <a:schemeClr val="lt1"/>
+    </dgm:txFillClrLst>
+    <dgm:txEffectClrLst/>
+  </dgm:styleLbl>
+  <dgm:styleLbl name="parChTrans1D1">
+    <dgm:fillClrLst meth="repeat">
+      <a:schemeClr val="accent2"/>
+    </dgm:fillClrLst>
+    <dgm:linClrLst meth="repeat">
+      <a:schemeClr val="accent1"/>
+    </dgm:linClrLst>
+    <dgm:effectClrLst/>
+    <dgm:txLinClrLst/>
+    <dgm:txFillClrLst meth="repeat">
+      <a:schemeClr val="tx1"/>
+    </dgm:txFillClrLst>
+    <dgm:txEffectClrLst/>
+  </dgm:styleLbl>
+  <dgm:styleLbl name="parChTrans1D2">
+    <dgm:fillClrLst meth="repeat">
+      <a:schemeClr val="accent3">
+        <a:tint val="90000"/>
+      </a:schemeClr>
+    </dgm:fillClrLst>
+    <dgm:linClrLst meth="repeat">
+      <a:schemeClr val="accent2"/>
+    </dgm:linClrLst>
+    <dgm:effectClrLst/>
+    <dgm:txLinClrLst/>
+    <dgm:txFillClrLst meth="repeat">
+      <a:schemeClr val="tx1"/>
+    </dgm:txFillClrLst>
+    <dgm:txEffectClrLst/>
+  </dgm:styleLbl>
+  <dgm:styleLbl name="parChTrans1D3">
+    <dgm:fillClrLst meth="repeat">
+      <a:schemeClr val="accent4">
+        <a:tint val="70000"/>
+      </a:schemeClr>
+    </dgm:fillClrLst>
+    <dgm:linClrLst meth="repeat">
+      <a:schemeClr val="accent3"/>
+    </dgm:linClrLst>
+    <dgm:effectClrLst/>
+    <dgm:txLinClrLst/>
+    <dgm:txFillClrLst meth="repeat">
+      <a:schemeClr val="tx1"/>
+    </dgm:txFillClrLst>
+    <dgm:txEffectClrLst/>
+  </dgm:styleLbl>
+  <dgm:styleLbl name="parChTrans1D4">
+    <dgm:fillClrLst meth="repeat">
+      <a:schemeClr val="accent5">
+        <a:tint val="50000"/>
+      </a:schemeClr>
+    </dgm:fillClrLst>
+    <dgm:linClrLst meth="repeat">
+      <a:schemeClr val="accent4"/>
+    </dgm:linClrLst>
+    <dgm:effectClrLst/>
+    <dgm:txLinClrLst/>
+    <dgm:txFillClrLst meth="repeat">
+      <a:schemeClr val="tx1"/>
+    </dgm:txFillClrLst>
+    <dgm:txEffectClrLst/>
+  </dgm:styleLbl>
+  <dgm:styleLbl name="fgAcc1">
+    <dgm:fillClrLst meth="repeat">
+      <a:schemeClr val="lt1">
+        <a:alpha val="90000"/>
+      </a:schemeClr>
+    </dgm:fillClrLst>
+    <dgm:linClrLst meth="repeat">
+      <a:schemeClr val="accent2"/>
+      <a:schemeClr val="accent3"/>
+      <a:schemeClr val="accent4"/>
+      <a:schemeClr val="accent5"/>
+      <a:schemeClr val="accent6"/>
+    </dgm:linClrLst>
+    <dgm:effectClrLst/>
+    <dgm:txLinClrLst/>
+    <dgm:txFillClrLst meth="repeat">
+      <a:schemeClr val="dk1"/>
+    </dgm:txFillClrLst>
+    <dgm:txEffectClrLst/>
+  </dgm:styleLbl>
+  <dgm:styleLbl name="conFgAcc1">
+    <dgm:fillClrLst meth="repeat">
+      <a:schemeClr val="lt1">
+        <a:alpha val="90000"/>
+      </a:schemeClr>
+    </dgm:fillClrLst>
+    <dgm:linClrLst meth="repeat">
+      <a:schemeClr val="accent2"/>
+      <a:schemeClr val="accent3"/>
+      <a:schemeClr val="accent4"/>
+      <a:schemeClr val="accent5"/>
+      <a:schemeClr val="accent6"/>
+    </dgm:linClrLst>
+    <dgm:effectClrLst/>
+    <dgm:txLinClrLst/>
+    <dgm:txFillClrLst meth="repeat">
+      <a:schemeClr val="dk1"/>
+    </dgm:txFillClrLst>
+    <dgm:txEffectClrLst/>
+  </dgm:styleLbl>
+  <dgm:styleLbl name="alignAcc1">
+    <dgm:fillClrLst meth="repeat">
+      <a:schemeClr val="lt1">
+        <a:alpha val="90000"/>
+      </a:schemeClr>
+    </dgm:fillClrLst>
+    <dgm:linClrLst meth="repeat">
+      <a:schemeClr val="accent2"/>
+      <a:schemeClr val="accent3"/>
+      <a:schemeClr val="accent4"/>
+      <a:schemeClr val="accent5"/>
+      <a:schemeClr val="accent6"/>
+    </dgm:linClrLst>
+    <dgm:effectClrLst/>
+    <dgm:txLinClrLst/>
+    <dgm:txFillClrLst meth="repeat">
+      <a:schemeClr val="dk1"/>
+    </dgm:txFillClrLst>
+    <dgm:txEffectClrLst/>
+  </dgm:styleLbl>
+  <dgm:styleLbl name="trAlignAcc1">
+    <dgm:fillClrLst meth="repeat">
+      <a:schemeClr val="lt1">
+        <a:alpha val="40000"/>
+      </a:schemeClr>
+    </dgm:fillClrLst>
+    <dgm:linClrLst meth="repeat">
+      <a:schemeClr val="accent1"/>
+    </dgm:linClrLst>
+    <dgm:effectClrLst/>
+    <dgm:txLinClrLst/>
+    <dgm:txFillClrLst meth="repeat">
+      <a:schemeClr val="dk1"/>
+    </dgm:txFillClrLst>
+    <dgm:txEffectClrLst/>
+  </dgm:styleLbl>
+  <dgm:styleLbl name="bgAcc1">
+    <dgm:fillClrLst meth="repeat">
+      <a:schemeClr val="lt1">
+        <a:alpha val="90000"/>
+      </a:schemeClr>
+    </dgm:fillClrLst>
+    <dgm:linClrLst meth="repeat">
+      <a:schemeClr val="accent2"/>
+      <a:schemeClr val="accent3"/>
+      <a:schemeClr val="accent4"/>
+      <a:schemeClr val="accent5"/>
+      <a:schemeClr val="accent6"/>
+    </dgm:linClrLst>
+    <dgm:effectClrLst/>
+    <dgm:txLinClrLst/>
+    <dgm:txFillClrLst meth="repeat">
+      <a:schemeClr val="dk1"/>
+    </dgm:txFillClrLst>
+    <dgm:txEffectClrLst/>
+  </dgm:styleLbl>
+  <dgm:styleLbl name="solidFgAcc1">
+    <dgm:fillClrLst meth="repeat">
+      <a:schemeClr val="lt1"/>
+    </dgm:fillClrLst>
+    <dgm:linClrLst meth="repeat">
+      <a:schemeClr val="accent2"/>
+      <a:schemeClr val="accent3"/>
+      <a:schemeClr val="accent4"/>
+      <a:schemeClr val="accent5"/>
+      <a:schemeClr val="accent6"/>
+    </dgm:linClrLst>
+    <dgm:effectClrLst/>
+    <dgm:txLinClrLst/>
+    <dgm:txFillClrLst meth="repeat">
+      <a:schemeClr val="dk1"/>
+    </dgm:txFillClrLst>
+    <dgm:txEffectClrLst/>
+  </dgm:styleLbl>
+  <dgm:styleLbl name="solidAlignAcc1">
+    <dgm:fillClrLst meth="repeat">
+      <a:schemeClr val="lt1"/>
+    </dgm:fillClrLst>
+    <dgm:linClrLst meth="repeat">
+      <a:schemeClr val="accent2"/>
+      <a:schemeClr val="accent3"/>
+      <a:schemeClr val="accent4"/>
+      <a:schemeClr val="accent5"/>
+      <a:schemeClr val="accent6"/>
+    </dgm:linClrLst>
+    <dgm:effectClrLst/>
+    <dgm:txLinClrLst/>
+    <dgm:txFillClrLst meth="repeat">
+      <a:schemeClr val="dk1"/>
+    </dgm:txFillClrLst>
+    <dgm:txEffectClrLst/>
+  </dgm:styleLbl>
+  <dgm:styleLbl name="solidBgAcc1">
+    <dgm:fillClrLst meth="repeat">
+      <a:schemeClr val="lt1"/>
+    </dgm:fillClrLst>
+    <dgm:linClrLst meth="repeat">
+      <a:schemeClr val="accent2"/>
+      <a:schemeClr val="accent3"/>
+      <a:schemeClr val="accent4"/>
+      <a:schemeClr val="accent5"/>
+      <a:schemeClr val="accent6"/>
+    </dgm:linClrLst>
+    <dgm:effectClrLst/>
+    <dgm:txLinClrLst/>
+    <dgm:txFillClrLst meth="repeat">
+      <a:schemeClr val="dk1"/>
+    </dgm:txFillClrLst>
+    <dgm:txEffectClrLst/>
+  </dgm:styleLbl>
+  <dgm:styleLbl name="fgAccFollowNode1">
+    <dgm:fillClrLst meth="repeat">
+      <a:schemeClr val="accent2">
+        <a:tint val="40000"/>
+        <a:alpha val="90000"/>
+      </a:schemeClr>
+      <a:schemeClr val="accent3">
+        <a:tint val="40000"/>
+        <a:alpha val="90000"/>
+      </a:schemeClr>
+      <a:schemeClr val="accent4">
+        <a:tint val="40000"/>
+        <a:alpha val="90000"/>
+      </a:schemeClr>
+      <a:schemeClr val="accent5">
+        <a:tint val="40000"/>
+        <a:alpha val="90000"/>
+      </a:schemeClr>
+      <a:schemeClr val="accent6">
+        <a:tint val="40000"/>
+        <a:alpha val="90000"/>
+      </a:schemeClr>
+    </dgm:fillClrLst>
+    <dgm:linClrLst meth="repeat">
+      <a:schemeClr val="accent2">
+        <a:tint val="40000"/>
+        <a:alpha val="90000"/>
+      </a:schemeClr>
+      <a:schemeClr val="accent3">
+        <a:tint val="40000"/>
+        <a:alpha val="90000"/>
+      </a:schemeClr>
+      <a:schemeClr val="accent4">
+        <a:tint val="40000"/>
+        <a:alpha val="90000"/>
+      </a:schemeClr>
+      <a:schemeClr val="accent5">
+        <a:tint val="40000"/>
+        <a:alpha val="90000"/>
+      </a:schemeClr>
+      <a:schemeClr val="accent6">
+        <a:tint val="40000"/>
+        <a:alpha val="90000"/>
+      </a:schemeClr>
+    </dgm:linClrLst>
+    <dgm:effectClrLst/>
+    <dgm:txLinClrLst/>
+    <dgm:txFillClrLst meth="repeat">
+      <a:schemeClr val="dk1"/>
+    </dgm:txFillClrLst>
+    <dgm:txEffectClrLst/>
+  </dgm:styleLbl>
+  <dgm:styleLbl name="alignAccFollowNode1">
+    <dgm:fillClrLst meth="repeat">
+      <a:schemeClr val="accent2">
+        <a:tint val="40000"/>
+        <a:alpha val="90000"/>
+      </a:schemeClr>
+      <a:schemeClr val="accent3">
+        <a:tint val="40000"/>
+        <a:alpha val="90000"/>
+      </a:schemeClr>
+      <a:schemeClr val="accent4">
+        <a:tint val="40000"/>
+        <a:alpha val="90000"/>
+      </a:schemeClr>
+      <a:schemeClr val="accent5">
+        <a:tint val="40000"/>
+        <a:alpha val="90000"/>
+      </a:schemeClr>
+      <a:schemeClr val="accent6">
+        <a:tint val="40000"/>
+        <a:alpha val="90000"/>
+      </a:schemeClr>
+    </dgm:fillClrLst>
+    <dgm:linClrLst meth="repeat">
+      <a:schemeClr val="accent2">
+        <a:tint val="40000"/>
+        <a:alpha val="90000"/>
+      </a:schemeClr>
+      <a:schemeClr val="accent3">
+        <a:tint val="40000"/>
+        <a:alpha val="90000"/>
+      </a:schemeClr>
+      <a:schemeClr val="accent4">
+        <a:tint val="40000"/>
+        <a:alpha val="90000"/>
+      </a:schemeClr>
+      <a:schemeClr val="accent5">
+        <a:tint val="40000"/>
+        <a:alpha val="90000"/>
+      </a:schemeClr>
+      <a:schemeClr val="accent6">
+        <a:tint val="40000"/>
+        <a:alpha val="90000"/>
+      </a:schemeClr>
+    </dgm:linClrLst>
+    <dgm:effectClrLst/>
+    <dgm:txLinClrLst/>
+    <dgm:txFillClrLst meth="repeat">
+      <a:schemeClr val="dk1"/>
+    </dgm:txFillClrLst>
+    <dgm:txEffectClrLst/>
+  </dgm:styleLbl>
+  <dgm:styleLbl name="bgAccFollowNode1">
+    <dgm:fillClrLst meth="repeat">
+      <a:schemeClr val="accent2">
+        <a:tint val="40000"/>
+        <a:alpha val="90000"/>
+      </a:schemeClr>
+      <a:schemeClr val="accent3">
+        <a:tint val="40000"/>
+        <a:alpha val="90000"/>
+      </a:schemeClr>
+      <a:schemeClr val="accent4">
+        <a:tint val="40000"/>
+        <a:alpha val="90000"/>
+      </a:schemeClr>
+      <a:schemeClr val="accent5">
+        <a:tint val="40000"/>
+        <a:alpha val="90000"/>
+      </a:schemeClr>
+      <a:schemeClr val="accent6">
+        <a:tint val="40000"/>
+        <a:alpha val="90000"/>
+      </a:schemeClr>
+    </dgm:fillClrLst>
+    <dgm:linClrLst meth="repeat">
+      <a:schemeClr val="accent2">
+        <a:tint val="40000"/>
+        <a:alpha val="90000"/>
+      </a:schemeClr>
+      <a:schemeClr val="accent3">
+        <a:tint val="40000"/>
+        <a:alpha val="90000"/>
+      </a:schemeClr>
+      <a:schemeClr val="accent4">
+        <a:tint val="40000"/>
+        <a:alpha val="90000"/>
+      </a:schemeClr>
+      <a:schemeClr val="accent5">
+        <a:tint val="40000"/>
+        <a:alpha val="90000"/>
+      </a:schemeClr>
+      <a:schemeClr val="accent6">
+        <a:tint val="40000"/>
+        <a:alpha val="90000"/>
+      </a:schemeClr>
+    </dgm:linClrLst>
+    <dgm:effectClrLst/>
+    <dgm:txLinClrLst/>
+    <dgm:txFillClrLst meth="repeat">
+      <a:schemeClr val="dk1"/>
+    </dgm:txFillClrLst>
+    <dgm:txEffectClrLst/>
+  </dgm:styleLbl>
+  <dgm:styleLbl name="fgAcc0">
+    <dgm:fillClrLst meth="repeat">
+      <a:schemeClr val="lt1">
+        <a:alpha val="90000"/>
+      </a:schemeClr>
+    </dgm:fillClrLst>
+    <dgm:linClrLst>
+      <a:schemeClr val="accent1"/>
+    </dgm:linClrLst>
+    <dgm:effectClrLst/>
+    <dgm:txLinClrLst/>
+    <dgm:txFillClrLst meth="repeat">
+      <a:schemeClr val="dk1"/>
+    </dgm:txFillClrLst>
+    <dgm:txEffectClrLst/>
+  </dgm:styleLbl>
+  <dgm:styleLbl name="fgAcc2">
+    <dgm:fillClrLst meth="repeat">
+      <a:schemeClr val="lt1">
+        <a:alpha val="90000"/>
+      </a:schemeClr>
+    </dgm:fillClrLst>
+    <dgm:linClrLst>
+      <a:schemeClr val="accent2"/>
+    </dgm:linClrLst>
+    <dgm:effectClrLst/>
+    <dgm:txLinClrLst/>
+    <dgm:txFillClrLst meth="repeat">
+      <a:schemeClr val="dk1"/>
+    </dgm:txFillClrLst>
+    <dgm:txEffectClrLst/>
+  </dgm:styleLbl>
+  <dgm:styleLbl name="fgAcc3">
+    <dgm:fillClrLst meth="repeat">
+      <a:schemeClr val="lt1">
+        <a:alpha val="90000"/>
+      </a:schemeClr>
+    </dgm:fillClrLst>
+    <dgm:linClrLst>
+      <a:schemeClr val="accent3"/>
+    </dgm:linClrLst>
+    <dgm:effectClrLst/>
+    <dgm:txLinClrLst/>
+    <dgm:txFillClrLst meth="repeat">
+      <a:schemeClr val="dk1"/>
+    </dgm:txFillClrLst>
+    <dgm:txEffectClrLst/>
+  </dgm:styleLbl>
+  <dgm:styleLbl name="fgAcc4">
+    <dgm:fillClrLst meth="repeat">
+      <a:schemeClr val="lt1">
+        <a:alpha val="90000"/>
+      </a:schemeClr>
+    </dgm:fillClrLst>
+    <dgm:linClrLst>
+      <a:schemeClr val="accent4"/>
+    </dgm:linClrLst>
+    <dgm:effectClrLst/>
+    <dgm:txLinClrLst/>
+    <dgm:txFillClrLst meth="repeat">
+      <a:schemeClr val="dk1"/>
+    </dgm:txFillClrLst>
+    <dgm:txEffectClrLst/>
+  </dgm:styleLbl>
+  <dgm:styleLbl name="bgShp">
+    <dgm:fillClrLst meth="repeat">
+      <a:schemeClr val="accent2">
+        <a:tint val="40000"/>
+      </a:schemeClr>
+    </dgm:fillClrLst>
+    <dgm:linClrLst meth="repeat">
+      <a:schemeClr val="dk1"/>
+    </dgm:linClrLst>
+    <dgm:effectClrLst/>
+    <dgm:txLinClrLst/>
+    <dgm:txFillClrLst meth="repeat">
+      <a:schemeClr val="dk1"/>
+    </dgm:txFillClrLst>
+    <dgm:txEffectClrLst/>
+  </dgm:styleLbl>
+  <dgm:styleLbl name="dkBgShp">
+    <dgm:fillClrLst meth="repeat">
+      <a:schemeClr val="accent2">
+        <a:shade val="90000"/>
+      </a:schemeClr>
+    </dgm:fillClrLst>
+    <dgm:linClrLst meth="repeat">
+      <a:schemeClr val="dk1"/>
+    </dgm:linClrLst>
+    <dgm:effectClrLst/>
+    <dgm:txLinClrLst/>
+    <dgm:txFillClrLst meth="repeat">
+      <a:schemeClr val="lt1"/>
+    </dgm:txFillClrLst>
+    <dgm:txEffectClrLst/>
+  </dgm:styleLbl>
+  <dgm:styleLbl name="trBgShp">
+    <dgm:fillClrLst meth="repeat">
+      <a:schemeClr val="accent1">
+        <a:tint val="50000"/>
+        <a:alpha val="40000"/>
+      </a:schemeClr>
+    </dgm:fillClrLst>
+    <dgm:linClrLst meth="repeat">
+      <a:schemeClr val="accent2"/>
+    </dgm:linClrLst>
+    <dgm:effectClrLst/>
+    <dgm:txLinClrLst/>
+    <dgm:txFillClrLst meth="repeat">
+      <a:schemeClr val="lt1"/>
+    </dgm:txFillClrLst>
+    <dgm:txEffectClrLst/>
+  </dgm:styleLbl>
+  <dgm:styleLbl name="fgShp">
+    <dgm:fillClrLst meth="repeat">
+      <a:schemeClr val="accent2">
+        <a:tint val="40000"/>
+      </a:schemeClr>
+    </dgm:fillClrLst>
+    <dgm:linClrLst meth="repeat">
+      <a:schemeClr val="lt1"/>
+    </dgm:linClrLst>
+    <dgm:effectClrLst/>
+    <dgm:txLinClrLst/>
+    <dgm:txFillClrLst meth="repeat">
+      <a:schemeClr val="dk1"/>
+    </dgm:txFillClrLst>
+    <dgm:txEffectClrLst/>
+  </dgm:styleLbl>
+  <dgm:styleLbl name="revTx">
+    <dgm:fillClrLst meth="repeat">
+      <a:schemeClr val="lt1">
+        <a:alpha val="0"/>
+      </a:schemeClr>
+    </dgm:fillClrLst>
+    <dgm:linClrLst meth="repeat">
+      <a:schemeClr val="dk1">
+        <a:alpha val="0"/>
+      </a:schemeClr>
+    </dgm:linClrLst>
+    <dgm:effectClrLst/>
+    <dgm:txLinClrLst/>
+    <dgm:txFillClrLst meth="repeat">
+      <a:schemeClr val="tx1"/>
+    </dgm:txFillClrLst>
+    <dgm:txEffectClrLst/>
+  </dgm:styleLbl>
+</dgm:colorsDef>
+</file>
+
+<file path=ppt/diagrams/data1.xml><?xml version="1.0" encoding="utf-8"?>
+<dgm:dataModel xmlns:dgm="http://schemas.openxmlformats.org/drawingml/2006/diagram" xmlns:a="http://schemas.openxmlformats.org/drawingml/2006/main">
+  <dgm:ptLst>
+    <dgm:pt modelId="{718B8366-3043-485C-8719-F253B2490BD8}" type="doc">
+      <dgm:prSet loTypeId="urn:microsoft.com/office/officeart/2005/8/layout/matrix1" loCatId="matrix" qsTypeId="urn:microsoft.com/office/officeart/2005/8/quickstyle/simple1" qsCatId="simple" csTypeId="urn:microsoft.com/office/officeart/2005/8/colors/colorful1" csCatId="colorful" phldr="1"/>
+      <dgm:spPr/>
+      <dgm:t>
+        <a:bodyPr/>
+        <a:lstStyle/>
+        <a:p>
+          <a:endParaRPr lang="en-US"/>
+        </a:p>
+      </dgm:t>
+    </dgm:pt>
+    <dgm:pt modelId="{2E3489AF-3A9E-4F53-AA9D-541E394A272E}">
+      <dgm:prSet phldrT="[Text]"/>
+      <dgm:spPr/>
+      <dgm:t>
+        <a:bodyPr/>
+        <a:lstStyle/>
+        <a:p>
+          <a:r>
+            <a:rPr lang="en-US" dirty="0" smtClean="0"/>
+            <a:t>Big Boss/Client: Graeme</a:t>
+          </a:r>
+        </a:p>
+        <a:p>
+          <a:r>
+            <a:rPr lang="en-US" dirty="0" err="1" smtClean="0"/>
+            <a:t>MiniBoss</a:t>
+          </a:r>
+          <a:r>
+            <a:rPr lang="en-US" dirty="0" smtClean="0"/>
+            <a:t>: </a:t>
+          </a:r>
+          <a:r>
+            <a:rPr lang="en-US" dirty="0" err="1" smtClean="0"/>
+            <a:t>Risa</a:t>
+          </a:r>
+          <a:endParaRPr lang="en-US" dirty="0" smtClean="0"/>
+        </a:p>
+        <a:p>
+          <a:r>
+            <a:rPr lang="en-US" dirty="0" smtClean="0"/>
+            <a:t>Application: </a:t>
+          </a:r>
+          <a:r>
+            <a:rPr lang="en-US" dirty="0" err="1" smtClean="0"/>
+            <a:t>OpenComm</a:t>
+          </a:r>
+          <a:endParaRPr lang="en-US" dirty="0"/>
+        </a:p>
+      </dgm:t>
+    </dgm:pt>
+    <dgm:pt modelId="{D373168F-BB4A-46BA-889A-18DDEE15AC77}" type="parTrans" cxnId="{BC2619A4-95EB-4F82-85A4-5CCDDD142412}">
+      <dgm:prSet/>
+      <dgm:spPr/>
+      <dgm:t>
+        <a:bodyPr/>
+        <a:lstStyle/>
+        <a:p>
+          <a:endParaRPr lang="en-US"/>
+        </a:p>
+      </dgm:t>
+    </dgm:pt>
+    <dgm:pt modelId="{8E537A26-4FF4-4B2F-9CD7-22D1929465D6}" type="sibTrans" cxnId="{BC2619A4-95EB-4F82-85A4-5CCDDD142412}">
+      <dgm:prSet/>
+      <dgm:spPr/>
+      <dgm:t>
+        <a:bodyPr/>
+        <a:lstStyle/>
+        <a:p>
+          <a:endParaRPr lang="en-US"/>
+        </a:p>
+      </dgm:t>
+    </dgm:pt>
+    <dgm:pt modelId="{6F5EDD12-097A-4D44-B784-B795202CCC77}" type="asst">
+      <dgm:prSet phldrT="[Text]" custT="1"/>
+      <dgm:spPr/>
+      <dgm:t>
+        <a:bodyPr/>
+        <a:lstStyle/>
+        <a:p>
+          <a:r>
+            <a:rPr lang="en-US" sz="2000" b="1" u="sng" dirty="0" err="1" smtClean="0"/>
+            <a:t>HCISec</a:t>
+          </a:r>
+          <a:endParaRPr lang="en-US" sz="2000" b="1" u="sng" dirty="0" smtClean="0"/>
+        </a:p>
+        <a:p>
+          <a:r>
+            <a:rPr lang="en-US" sz="2000" dirty="0" err="1" smtClean="0"/>
+            <a:t>Risa</a:t>
+          </a:r>
+          <a:r>
+            <a:rPr lang="en-US" sz="2000" dirty="0" smtClean="0"/>
+            <a:t>*</a:t>
+          </a:r>
+        </a:p>
+        <a:p>
+          <a:r>
+            <a:rPr lang="en-US" sz="2000" dirty="0" smtClean="0"/>
+            <a:t>Anne, Jonathan</a:t>
+          </a:r>
+          <a:endParaRPr lang="en-US" sz="2000" dirty="0"/>
+        </a:p>
+      </dgm:t>
+    </dgm:pt>
+    <dgm:pt modelId="{A8A21BA5-D5E4-4225-8A8E-CB5DCDB579E0}" type="parTrans" cxnId="{152524D5-FFC7-4C83-881D-2D2224AC0559}">
+      <dgm:prSet/>
+      <dgm:spPr/>
+      <dgm:t>
+        <a:bodyPr/>
+        <a:lstStyle/>
+        <a:p>
+          <a:endParaRPr lang="en-US"/>
+        </a:p>
+      </dgm:t>
+    </dgm:pt>
+    <dgm:pt modelId="{4F3D4914-4402-4839-AEF3-D7C2BC37816A}" type="sibTrans" cxnId="{152524D5-FFC7-4C83-881D-2D2224AC0559}">
+      <dgm:prSet/>
+      <dgm:spPr/>
+      <dgm:t>
+        <a:bodyPr/>
+        <a:lstStyle/>
+        <a:p>
+          <a:endParaRPr lang="en-US"/>
+        </a:p>
+      </dgm:t>
+    </dgm:pt>
+    <dgm:pt modelId="{3823024C-5B33-4297-8192-C4E61E8C18B6}">
+      <dgm:prSet phldrT="[Text]" custT="1"/>
+      <dgm:spPr/>
+      <dgm:t>
+        <a:bodyPr/>
+        <a:lstStyle/>
+        <a:p>
+          <a:r>
+            <a:rPr lang="en-US" sz="2000" b="1" u="sng" dirty="0" err="1" smtClean="0"/>
+            <a:t>HCIDesign</a:t>
+          </a:r>
+          <a:endParaRPr lang="en-US" sz="2000" b="1" u="sng" dirty="0" smtClean="0"/>
+        </a:p>
+        <a:p>
+          <a:r>
+            <a:rPr lang="en-US" sz="2000" dirty="0" err="1" smtClean="0"/>
+            <a:t>Najla</a:t>
+          </a:r>
+          <a:r>
+            <a:rPr lang="en-US" sz="2000" dirty="0" smtClean="0"/>
+            <a:t>*</a:t>
+          </a:r>
+        </a:p>
+        <a:p>
+          <a:r>
+            <a:rPr lang="en-US" sz="2000" dirty="0" smtClean="0"/>
+            <a:t>Rahul, Chris. Ashley, Joey</a:t>
+          </a:r>
+        </a:p>
+      </dgm:t>
+    </dgm:pt>
+    <dgm:pt modelId="{C3204A2D-0620-429E-B7BC-74DB1A45D638}" type="parTrans" cxnId="{710CB13E-8F9C-43AD-8FF3-E154314578ED}">
+      <dgm:prSet/>
+      <dgm:spPr/>
+      <dgm:t>
+        <a:bodyPr/>
+        <a:lstStyle/>
+        <a:p>
+          <a:endParaRPr lang="en-US"/>
+        </a:p>
+      </dgm:t>
+    </dgm:pt>
+    <dgm:pt modelId="{80396630-CC15-4784-AAE2-FBDC7CDBD9F2}" type="sibTrans" cxnId="{710CB13E-8F9C-43AD-8FF3-E154314578ED}">
+      <dgm:prSet/>
+      <dgm:spPr/>
+      <dgm:t>
+        <a:bodyPr/>
+        <a:lstStyle/>
+        <a:p>
+          <a:endParaRPr lang="en-US"/>
+        </a:p>
+      </dgm:t>
+    </dgm:pt>
+    <dgm:pt modelId="{300393C7-E1EC-42C6-BA4F-EB296B84DF15}">
+      <dgm:prSet phldrT="[Text]" custT="1"/>
+      <dgm:spPr/>
+      <dgm:t>
+        <a:bodyPr/>
+        <a:lstStyle/>
+        <a:p>
+          <a:r>
+            <a:rPr lang="en-US" sz="2000" b="1" u="sng" dirty="0" err="1" smtClean="0"/>
+            <a:t>SoftwareDev</a:t>
+          </a:r>
+          <a:endParaRPr lang="en-US" sz="2000" b="1" u="sng" dirty="0" smtClean="0"/>
+        </a:p>
+        <a:p>
+          <a:r>
+            <a:rPr lang="en-US" sz="2000" dirty="0" smtClean="0"/>
+            <a:t>Nora*</a:t>
+          </a:r>
+        </a:p>
+        <a:p>
+          <a:r>
+            <a:rPr lang="en-US" sz="2000" dirty="0" smtClean="0"/>
+            <a:t>Justin, </a:t>
+          </a:r>
+          <a:r>
+            <a:rPr lang="en-US" sz="2000" dirty="0" err="1" smtClean="0"/>
+            <a:t>Vinay</a:t>
+          </a:r>
+          <a:r>
+            <a:rPr lang="en-US" sz="2000" dirty="0" smtClean="0"/>
+            <a:t>, Crystal</a:t>
+          </a:r>
+          <a:endParaRPr lang="en-US" sz="2000" dirty="0"/>
+        </a:p>
+      </dgm:t>
+    </dgm:pt>
+    <dgm:pt modelId="{FC17F7E6-6718-4DF3-9B69-A6254C83F61F}" type="parTrans" cxnId="{9DEEE1F2-4767-49B7-AEAF-C73915EB9697}">
+      <dgm:prSet/>
+      <dgm:spPr/>
+      <dgm:t>
+        <a:bodyPr/>
+        <a:lstStyle/>
+        <a:p>
+          <a:endParaRPr lang="en-US"/>
+        </a:p>
+      </dgm:t>
+    </dgm:pt>
+    <dgm:pt modelId="{56A73F84-34A2-4310-9903-3C4179CCB090}" type="sibTrans" cxnId="{9DEEE1F2-4767-49B7-AEAF-C73915EB9697}">
+      <dgm:prSet/>
+      <dgm:spPr/>
+      <dgm:t>
+        <a:bodyPr/>
+        <a:lstStyle/>
+        <a:p>
+          <a:endParaRPr lang="en-US"/>
+        </a:p>
+      </dgm:t>
+    </dgm:pt>
+    <dgm:pt modelId="{5A9D4A30-C70F-4D1C-92CB-A69D3F0790B0}">
+      <dgm:prSet phldrT="[Text]" custT="1"/>
+      <dgm:spPr/>
+      <dgm:t>
+        <a:bodyPr/>
+        <a:lstStyle/>
+        <a:p>
+          <a:r>
+            <a:rPr lang="en-US" sz="2000" b="1" u="sng" dirty="0" smtClean="0"/>
+            <a:t>Publication</a:t>
+          </a:r>
+        </a:p>
+        <a:p>
+          <a:r>
+            <a:rPr lang="en-US" sz="2000" b="0" u="none" dirty="0" err="1" smtClean="0"/>
+            <a:t>Najla</a:t>
+          </a:r>
+          <a:r>
+            <a:rPr lang="en-US" sz="2000" b="0" u="none" dirty="0" smtClean="0"/>
+            <a:t>*</a:t>
+          </a:r>
+        </a:p>
+        <a:p>
+          <a:r>
+            <a:rPr lang="en-US" sz="2000" b="0" u="none" dirty="0" smtClean="0"/>
+            <a:t>Chris, Ashley</a:t>
+          </a:r>
+          <a:endParaRPr lang="en-US" sz="2000" b="0" u="none" dirty="0"/>
+        </a:p>
+      </dgm:t>
+    </dgm:pt>
+    <dgm:pt modelId="{0B63C32D-4BA6-4AD8-978B-97A6420FE22A}" type="parTrans" cxnId="{A4A517C0-AFC7-457E-B53F-B072B2E110F0}">
+      <dgm:prSet/>
+      <dgm:spPr/>
+      <dgm:t>
+        <a:bodyPr/>
+        <a:lstStyle/>
+        <a:p>
+          <a:endParaRPr lang="en-US"/>
+        </a:p>
+      </dgm:t>
+    </dgm:pt>
+    <dgm:pt modelId="{0E1CF980-C080-49FC-B479-256E7E24D278}" type="sibTrans" cxnId="{A4A517C0-AFC7-457E-B53F-B072B2E110F0}">
+      <dgm:prSet/>
+      <dgm:spPr/>
+      <dgm:t>
+        <a:bodyPr/>
+        <a:lstStyle/>
+        <a:p>
+          <a:endParaRPr lang="en-US"/>
+        </a:p>
+      </dgm:t>
+    </dgm:pt>
+    <dgm:pt modelId="{16AD77FA-9AE9-4882-863F-E69414FA0077}" type="pres">
+      <dgm:prSet presAssocID="{718B8366-3043-485C-8719-F253B2490BD8}" presName="diagram" presStyleCnt="0">
+        <dgm:presLayoutVars>
+          <dgm:chMax val="1"/>
+          <dgm:dir/>
+          <dgm:animLvl val="ctr"/>
+          <dgm:resizeHandles val="exact"/>
+        </dgm:presLayoutVars>
+      </dgm:prSet>
+      <dgm:spPr/>
+    </dgm:pt>
+    <dgm:pt modelId="{5F8D4AD8-EB71-4A27-A901-893457AC3F87}" type="pres">
+      <dgm:prSet presAssocID="{718B8366-3043-485C-8719-F253B2490BD8}" presName="matrix" presStyleCnt="0"/>
+      <dgm:spPr/>
+    </dgm:pt>
+    <dgm:pt modelId="{0CA43F4C-D538-4A5A-9455-38998613B679}" type="pres">
+      <dgm:prSet presAssocID="{718B8366-3043-485C-8719-F253B2490BD8}" presName="tile1" presStyleLbl="node1" presStyleIdx="0" presStyleCnt="4"/>
+      <dgm:spPr/>
+      <dgm:t>
+        <a:bodyPr/>
+        <a:lstStyle/>
+        <a:p>
+          <a:endParaRPr lang="en-US"/>
+        </a:p>
+      </dgm:t>
+    </dgm:pt>
+    <dgm:pt modelId="{2FD2B24B-DBDF-4F6F-AFF3-EC606EA326B1}" type="pres">
+      <dgm:prSet presAssocID="{718B8366-3043-485C-8719-F253B2490BD8}" presName="tile1text" presStyleLbl="node1" presStyleIdx="0" presStyleCnt="4">
+        <dgm:presLayoutVars>
+          <dgm:chMax val="0"/>
+          <dgm:chPref val="0"/>
+          <dgm:bulletEnabled val="1"/>
+        </dgm:presLayoutVars>
+      </dgm:prSet>
+      <dgm:spPr/>
+      <dgm:t>
+        <a:bodyPr/>
+        <a:lstStyle/>
+        <a:p>
+          <a:endParaRPr lang="en-US"/>
+        </a:p>
+      </dgm:t>
+    </dgm:pt>
+    <dgm:pt modelId="{01EF65DC-2CC8-4C97-904D-3529F44E8075}" type="pres">
+      <dgm:prSet presAssocID="{718B8366-3043-485C-8719-F253B2490BD8}" presName="tile2" presStyleLbl="node1" presStyleIdx="1" presStyleCnt="4"/>
+      <dgm:spPr/>
+      <dgm:t>
+        <a:bodyPr/>
+        <a:lstStyle/>
+        <a:p>
+          <a:endParaRPr lang="en-US"/>
+        </a:p>
+      </dgm:t>
+    </dgm:pt>
+    <dgm:pt modelId="{24772510-ACEE-4412-8C75-05822DA7D27C}" type="pres">
+      <dgm:prSet presAssocID="{718B8366-3043-485C-8719-F253B2490BD8}" presName="tile2text" presStyleLbl="node1" presStyleIdx="1" presStyleCnt="4">
+        <dgm:presLayoutVars>
+          <dgm:chMax val="0"/>
+          <dgm:chPref val="0"/>
+          <dgm:bulletEnabled val="1"/>
+        </dgm:presLayoutVars>
+      </dgm:prSet>
+      <dgm:spPr/>
+      <dgm:t>
+        <a:bodyPr/>
+        <a:lstStyle/>
+        <a:p>
+          <a:endParaRPr lang="en-US"/>
+        </a:p>
+      </dgm:t>
+    </dgm:pt>
+    <dgm:pt modelId="{33C72FC4-88DE-4797-9713-6841D1F5C64B}" type="pres">
+      <dgm:prSet presAssocID="{718B8366-3043-485C-8719-F253B2490BD8}" presName="tile3" presStyleLbl="node1" presStyleIdx="2" presStyleCnt="4"/>
+      <dgm:spPr/>
+      <dgm:t>
+        <a:bodyPr/>
+        <a:lstStyle/>
+        <a:p>
+          <a:endParaRPr lang="en-US"/>
+        </a:p>
+      </dgm:t>
+    </dgm:pt>
+    <dgm:pt modelId="{CAE02225-D7B9-43B8-8A82-328BF28C4968}" type="pres">
+      <dgm:prSet presAssocID="{718B8366-3043-485C-8719-F253B2490BD8}" presName="tile3text" presStyleLbl="node1" presStyleIdx="2" presStyleCnt="4">
+        <dgm:presLayoutVars>
+          <dgm:chMax val="0"/>
+          <dgm:chPref val="0"/>
+          <dgm:bulletEnabled val="1"/>
+        </dgm:presLayoutVars>
+      </dgm:prSet>
+      <dgm:spPr/>
+      <dgm:t>
+        <a:bodyPr/>
+        <a:lstStyle/>
+        <a:p>
+          <a:endParaRPr lang="en-US"/>
+        </a:p>
+      </dgm:t>
+    </dgm:pt>
+    <dgm:pt modelId="{C7E9B16C-9FDF-4F0E-AA1B-A7C03CF0F718}" type="pres">
+      <dgm:prSet presAssocID="{718B8366-3043-485C-8719-F253B2490BD8}" presName="tile4" presStyleLbl="node1" presStyleIdx="3" presStyleCnt="4"/>
+      <dgm:spPr/>
+      <dgm:t>
+        <a:bodyPr/>
+        <a:lstStyle/>
+        <a:p>
+          <a:endParaRPr lang="en-US"/>
+        </a:p>
+      </dgm:t>
+    </dgm:pt>
+    <dgm:pt modelId="{D1A4BFA2-5635-4274-83D3-3B4582077F3F}" type="pres">
+      <dgm:prSet presAssocID="{718B8366-3043-485C-8719-F253B2490BD8}" presName="tile4text" presStyleLbl="node1" presStyleIdx="3" presStyleCnt="4">
+        <dgm:presLayoutVars>
+          <dgm:chMax val="0"/>
+          <dgm:chPref val="0"/>
+          <dgm:bulletEnabled val="1"/>
+        </dgm:presLayoutVars>
+      </dgm:prSet>
+      <dgm:spPr/>
+      <dgm:t>
+        <a:bodyPr/>
+        <a:lstStyle/>
+        <a:p>
+          <a:endParaRPr lang="en-US"/>
+        </a:p>
+      </dgm:t>
+    </dgm:pt>
+    <dgm:pt modelId="{AF11F6B0-3AFA-4ED0-AFE1-A85A78B97B6D}" type="pres">
+      <dgm:prSet presAssocID="{718B8366-3043-485C-8719-F253B2490BD8}" presName="centerTile" presStyleLbl="fgShp" presStyleIdx="0" presStyleCnt="1">
+        <dgm:presLayoutVars>
+          <dgm:chMax val="0"/>
+          <dgm:chPref val="0"/>
+        </dgm:presLayoutVars>
+      </dgm:prSet>
+      <dgm:spPr/>
+      <dgm:t>
+        <a:bodyPr/>
+        <a:lstStyle/>
+        <a:p>
+          <a:endParaRPr lang="en-US"/>
+        </a:p>
+      </dgm:t>
+    </dgm:pt>
+  </dgm:ptLst>
+  <dgm:cxnLst>
+    <dgm:cxn modelId="{DA9054F0-72E2-4ECC-8957-88C5ED1C1649}" type="presOf" srcId="{6F5EDD12-097A-4D44-B784-B795202CCC77}" destId="{0CA43F4C-D538-4A5A-9455-38998613B679}" srcOrd="0" destOrd="0" presId="urn:microsoft.com/office/officeart/2005/8/layout/matrix1"/>
+    <dgm:cxn modelId="{CAC4CD2C-4A66-45FC-BD64-97D7DB8C180E}" type="presOf" srcId="{300393C7-E1EC-42C6-BA4F-EB296B84DF15}" destId="{33C72FC4-88DE-4797-9713-6841D1F5C64B}" srcOrd="0" destOrd="0" presId="urn:microsoft.com/office/officeart/2005/8/layout/matrix1"/>
+    <dgm:cxn modelId="{BC2619A4-95EB-4F82-85A4-5CCDDD142412}" srcId="{718B8366-3043-485C-8719-F253B2490BD8}" destId="{2E3489AF-3A9E-4F53-AA9D-541E394A272E}" srcOrd="0" destOrd="0" parTransId="{D373168F-BB4A-46BA-889A-18DDEE15AC77}" sibTransId="{8E537A26-4FF4-4B2F-9CD7-22D1929465D6}"/>
+    <dgm:cxn modelId="{AE6D7994-A703-4C7B-BDE2-71A55D6C5B9E}" type="presOf" srcId="{5A9D4A30-C70F-4D1C-92CB-A69D3F0790B0}" destId="{D1A4BFA2-5635-4274-83D3-3B4582077F3F}" srcOrd="1" destOrd="0" presId="urn:microsoft.com/office/officeart/2005/8/layout/matrix1"/>
+    <dgm:cxn modelId="{9E0FCAB0-A949-434F-AF3E-4BEC161289F9}" type="presOf" srcId="{3823024C-5B33-4297-8192-C4E61E8C18B6}" destId="{24772510-ACEE-4412-8C75-05822DA7D27C}" srcOrd="1" destOrd="0" presId="urn:microsoft.com/office/officeart/2005/8/layout/matrix1"/>
+    <dgm:cxn modelId="{9DEEE1F2-4767-49B7-AEAF-C73915EB9697}" srcId="{2E3489AF-3A9E-4F53-AA9D-541E394A272E}" destId="{300393C7-E1EC-42C6-BA4F-EB296B84DF15}" srcOrd="2" destOrd="0" parTransId="{FC17F7E6-6718-4DF3-9B69-A6254C83F61F}" sibTransId="{56A73F84-34A2-4310-9903-3C4179CCB090}"/>
+    <dgm:cxn modelId="{7A69E6CC-EC8E-4BF7-B968-649417F6B210}" type="presOf" srcId="{300393C7-E1EC-42C6-BA4F-EB296B84DF15}" destId="{CAE02225-D7B9-43B8-8A82-328BF28C4968}" srcOrd="1" destOrd="0" presId="urn:microsoft.com/office/officeart/2005/8/layout/matrix1"/>
+    <dgm:cxn modelId="{A4A517C0-AFC7-457E-B53F-B072B2E110F0}" srcId="{2E3489AF-3A9E-4F53-AA9D-541E394A272E}" destId="{5A9D4A30-C70F-4D1C-92CB-A69D3F0790B0}" srcOrd="3" destOrd="0" parTransId="{0B63C32D-4BA6-4AD8-978B-97A6420FE22A}" sibTransId="{0E1CF980-C080-49FC-B479-256E7E24D278}"/>
+    <dgm:cxn modelId="{5651D230-2767-4124-8D6C-05ADCD33BC2B}" type="presOf" srcId="{2E3489AF-3A9E-4F53-AA9D-541E394A272E}" destId="{AF11F6B0-3AFA-4ED0-AFE1-A85A78B97B6D}" srcOrd="0" destOrd="0" presId="urn:microsoft.com/office/officeart/2005/8/layout/matrix1"/>
+    <dgm:cxn modelId="{A3F14CA0-6334-443F-BB34-D133D26AC5C8}" type="presOf" srcId="{718B8366-3043-485C-8719-F253B2490BD8}" destId="{16AD77FA-9AE9-4882-863F-E69414FA0077}" srcOrd="0" destOrd="0" presId="urn:microsoft.com/office/officeart/2005/8/layout/matrix1"/>
+    <dgm:cxn modelId="{152524D5-FFC7-4C83-881D-2D2224AC0559}" srcId="{2E3489AF-3A9E-4F53-AA9D-541E394A272E}" destId="{6F5EDD12-097A-4D44-B784-B795202CCC77}" srcOrd="0" destOrd="0" parTransId="{A8A21BA5-D5E4-4225-8A8E-CB5DCDB579E0}" sibTransId="{4F3D4914-4402-4839-AEF3-D7C2BC37816A}"/>
+    <dgm:cxn modelId="{A38D0054-F78F-4C93-AFE8-E29507119478}" type="presOf" srcId="{5A9D4A30-C70F-4D1C-92CB-A69D3F0790B0}" destId="{C7E9B16C-9FDF-4F0E-AA1B-A7C03CF0F718}" srcOrd="0" destOrd="0" presId="urn:microsoft.com/office/officeart/2005/8/layout/matrix1"/>
+    <dgm:cxn modelId="{A3661DE1-1220-465A-B414-B408595366CB}" type="presOf" srcId="{6F5EDD12-097A-4D44-B784-B795202CCC77}" destId="{2FD2B24B-DBDF-4F6F-AFF3-EC606EA326B1}" srcOrd="1" destOrd="0" presId="urn:microsoft.com/office/officeart/2005/8/layout/matrix1"/>
+    <dgm:cxn modelId="{710CB13E-8F9C-43AD-8FF3-E154314578ED}" srcId="{2E3489AF-3A9E-4F53-AA9D-541E394A272E}" destId="{3823024C-5B33-4297-8192-C4E61E8C18B6}" srcOrd="1" destOrd="0" parTransId="{C3204A2D-0620-429E-B7BC-74DB1A45D638}" sibTransId="{80396630-CC15-4784-AAE2-FBDC7CDBD9F2}"/>
+    <dgm:cxn modelId="{6D654810-5B06-40B6-BD8E-1391BE6C8D27}" type="presOf" srcId="{3823024C-5B33-4297-8192-C4E61E8C18B6}" destId="{01EF65DC-2CC8-4C97-904D-3529F44E8075}" srcOrd="0" destOrd="0" presId="urn:microsoft.com/office/officeart/2005/8/layout/matrix1"/>
+    <dgm:cxn modelId="{A03ED595-C717-4CE7-A525-7F49D3BC0DC9}" type="presParOf" srcId="{16AD77FA-9AE9-4882-863F-E69414FA0077}" destId="{5F8D4AD8-EB71-4A27-A901-893457AC3F87}" srcOrd="0" destOrd="0" presId="urn:microsoft.com/office/officeart/2005/8/layout/matrix1"/>
+    <dgm:cxn modelId="{2883D0A2-57D8-4D93-9428-C2809F65B561}" type="presParOf" srcId="{5F8D4AD8-EB71-4A27-A901-893457AC3F87}" destId="{0CA43F4C-D538-4A5A-9455-38998613B679}" srcOrd="0" destOrd="0" presId="urn:microsoft.com/office/officeart/2005/8/layout/matrix1"/>
+    <dgm:cxn modelId="{EAC99AC7-CD7B-4B77-93A1-3FC108FD5764}" type="presParOf" srcId="{5F8D4AD8-EB71-4A27-A901-893457AC3F87}" destId="{2FD2B24B-DBDF-4F6F-AFF3-EC606EA326B1}" srcOrd="1" destOrd="0" presId="urn:microsoft.com/office/officeart/2005/8/layout/matrix1"/>
+    <dgm:cxn modelId="{182DE19B-3C30-4F0A-940C-40864A9674BA}" type="presParOf" srcId="{5F8D4AD8-EB71-4A27-A901-893457AC3F87}" destId="{01EF65DC-2CC8-4C97-904D-3529F44E8075}" srcOrd="2" destOrd="0" presId="urn:microsoft.com/office/officeart/2005/8/layout/matrix1"/>
+    <dgm:cxn modelId="{32238474-47C7-4F21-B622-53683AEF0DD1}" type="presParOf" srcId="{5F8D4AD8-EB71-4A27-A901-893457AC3F87}" destId="{24772510-ACEE-4412-8C75-05822DA7D27C}" srcOrd="3" destOrd="0" presId="urn:microsoft.com/office/officeart/2005/8/layout/matrix1"/>
+    <dgm:cxn modelId="{87007735-F60D-4417-B1F3-3E218B4A1358}" type="presParOf" srcId="{5F8D4AD8-EB71-4A27-A901-893457AC3F87}" destId="{33C72FC4-88DE-4797-9713-6841D1F5C64B}" srcOrd="4" destOrd="0" presId="urn:microsoft.com/office/officeart/2005/8/layout/matrix1"/>
+    <dgm:cxn modelId="{05753433-3A1E-474D-8723-F797ED69065E}" type="presParOf" srcId="{5F8D4AD8-EB71-4A27-A901-893457AC3F87}" destId="{CAE02225-D7B9-43B8-8A82-328BF28C4968}" srcOrd="5" destOrd="0" presId="urn:microsoft.com/office/officeart/2005/8/layout/matrix1"/>
+    <dgm:cxn modelId="{9D0B7A42-EE05-4BD6-838B-CEAEC467380E}" type="presParOf" srcId="{5F8D4AD8-EB71-4A27-A901-893457AC3F87}" destId="{C7E9B16C-9FDF-4F0E-AA1B-A7C03CF0F718}" srcOrd="6" destOrd="0" presId="urn:microsoft.com/office/officeart/2005/8/layout/matrix1"/>
+    <dgm:cxn modelId="{A8B858B7-A9A5-4436-BA90-7D6AD1F70B40}" type="presParOf" srcId="{5F8D4AD8-EB71-4A27-A901-893457AC3F87}" destId="{D1A4BFA2-5635-4274-83D3-3B4582077F3F}" srcOrd="7" destOrd="0" presId="urn:microsoft.com/office/officeart/2005/8/layout/matrix1"/>
+    <dgm:cxn modelId="{F7E052E3-3A7B-4989-9E24-CD1BE0617A9C}" type="presParOf" srcId="{16AD77FA-9AE9-4882-863F-E69414FA0077}" destId="{AF11F6B0-3AFA-4ED0-AFE1-A85A78B97B6D}" srcOrd="1" destOrd="0" presId="urn:microsoft.com/office/officeart/2005/8/layout/matrix1"/>
+  </dgm:cxnLst>
+  <dgm:bg/>
+  <dgm:whole/>
+  <dgm:extLst>
+    <a:ext uri="http://schemas.microsoft.com/office/drawing/2008/diagram">
+      <dsp:dataModelExt xmlns:dsp="http://schemas.microsoft.com/office/drawing/2008/diagram" relId="rId6" minVer="http://schemas.openxmlformats.org/drawingml/2006/diagram"/>
+    </a:ext>
+  </dgm:extLst>
+</dgm:dataModel>
+</file>
+
+<file path=ppt/diagrams/drawing1.xml><?xml version="1.0" encoding="utf-8"?>
+<dsp:drawing xmlns:dgm="http://schemas.openxmlformats.org/drawingml/2006/diagram" xmlns:dsp="http://schemas.microsoft.com/office/drawing/2008/diagram" xmlns:a="http://schemas.openxmlformats.org/drawingml/2006/main">
+  <dsp:spTree>
+    <dsp:nvGrpSpPr>
+      <dsp:cNvPr id="0" name=""/>
+      <dsp:cNvGrpSpPr/>
+    </dsp:nvGrpSpPr>
+    <dsp:grpSpPr/>
+    <dsp:sp modelId="{0CA43F4C-D538-4A5A-9455-38998613B679}">
+      <dsp:nvSpPr>
+        <dsp:cNvPr id="0" name=""/>
+        <dsp:cNvSpPr/>
+      </dsp:nvSpPr>
+      <dsp:spPr>
+        <a:xfrm rot="16200000">
+          <a:off x="781050" y="-781050"/>
+          <a:ext cx="2362199" cy="3924300"/>
+        </a:xfrm>
+        <a:prstGeom prst="round1Rect">
+          <a:avLst/>
+        </a:prstGeom>
+        <a:solidFill>
+          <a:schemeClr val="accent2">
+            <a:hueOff val="0"/>
+            <a:satOff val="0"/>
+            <a:lumOff val="0"/>
+            <a:alphaOff val="0"/>
+          </a:schemeClr>
+        </a:solidFill>
+        <a:ln w="12700" cap="flat" cmpd="sng" algn="ctr">
+          <a:solidFill>
+            <a:schemeClr val="lt1">
+              <a:hueOff val="0"/>
+              <a:satOff val="0"/>
+              <a:lumOff val="0"/>
+              <a:alphaOff val="0"/>
+            </a:schemeClr>
+          </a:solidFill>
+          <a:prstDash val="solid"/>
+        </a:ln>
+        <a:effectLst/>
+      </dsp:spPr>
+      <dsp:style>
+        <a:lnRef idx="2">
+          <a:scrgbClr r="0" g="0" b="0"/>
+        </a:lnRef>
+        <a:fillRef idx="1">
+          <a:scrgbClr r="0" g="0" b="0"/>
+        </a:fillRef>
+        <a:effectRef idx="0">
+          <a:scrgbClr r="0" g="0" b="0"/>
+        </a:effectRef>
+        <a:fontRef idx="minor">
+          <a:schemeClr val="lt1"/>
+        </a:fontRef>
+      </dsp:style>
+      <dsp:txBody>
+        <a:bodyPr spcFirstLastPara="0" vert="horz" wrap="square" lIns="142240" tIns="142240" rIns="142240" bIns="142240" numCol="1" spcCol="1270" anchor="ctr" anchorCtr="0">
+          <a:noAutofit/>
+        </a:bodyPr>
+        <a:lstStyle/>
+        <a:p>
+          <a:pPr lvl="0" algn="ctr" defTabSz="889000">
+            <a:lnSpc>
+              <a:spcPct val="90000"/>
+            </a:lnSpc>
+            <a:spcBef>
+              <a:spcPct val="0"/>
+            </a:spcBef>
+            <a:spcAft>
+              <a:spcPct val="35000"/>
+            </a:spcAft>
+          </a:pPr>
+          <a:r>
+            <a:rPr lang="en-US" sz="2000" b="1" u="sng" kern="1200" dirty="0" err="1" smtClean="0"/>
+            <a:t>HCISec</a:t>
+          </a:r>
+          <a:endParaRPr lang="en-US" sz="2000" b="1" u="sng" kern="1200" dirty="0" smtClean="0"/>
+        </a:p>
+        <a:p>
+          <a:pPr lvl="0" algn="ctr" defTabSz="889000">
+            <a:lnSpc>
+              <a:spcPct val="90000"/>
+            </a:lnSpc>
+            <a:spcBef>
+              <a:spcPct val="0"/>
+            </a:spcBef>
+            <a:spcAft>
+              <a:spcPct val="35000"/>
+            </a:spcAft>
+          </a:pPr>
+          <a:r>
+            <a:rPr lang="en-US" sz="2000" kern="1200" dirty="0" err="1" smtClean="0"/>
+            <a:t>Risa</a:t>
+          </a:r>
+          <a:r>
+            <a:rPr lang="en-US" sz="2000" kern="1200" dirty="0" smtClean="0"/>
+            <a:t>*</a:t>
+          </a:r>
+        </a:p>
+        <a:p>
+          <a:pPr lvl="0" algn="ctr" defTabSz="889000">
+            <a:lnSpc>
+              <a:spcPct val="90000"/>
+            </a:lnSpc>
+            <a:spcBef>
+              <a:spcPct val="0"/>
+            </a:spcBef>
+            <a:spcAft>
+              <a:spcPct val="35000"/>
+            </a:spcAft>
+          </a:pPr>
+          <a:r>
+            <a:rPr lang="en-US" sz="2000" kern="1200" dirty="0" smtClean="0"/>
+            <a:t>Anne, Jonathan</a:t>
+          </a:r>
+          <a:endParaRPr lang="en-US" sz="2000" kern="1200" dirty="0"/>
+        </a:p>
+      </dsp:txBody>
+      <dsp:txXfrm rot="5400000">
+        <a:off x="0" y="0"/>
+        <a:ext cx="3924300" cy="1771650"/>
+      </dsp:txXfrm>
+    </dsp:sp>
+    <dsp:sp modelId="{01EF65DC-2CC8-4C97-904D-3529F44E8075}">
+      <dsp:nvSpPr>
+        <dsp:cNvPr id="0" name=""/>
+        <dsp:cNvSpPr/>
+      </dsp:nvSpPr>
+      <dsp:spPr>
+        <a:xfrm>
+          <a:off x="3924300" y="0"/>
+          <a:ext cx="3924300" cy="2362199"/>
+        </a:xfrm>
+        <a:prstGeom prst="round1Rect">
+          <a:avLst/>
+        </a:prstGeom>
+        <a:solidFill>
+          <a:schemeClr val="accent3">
+            <a:hueOff val="0"/>
+            <a:satOff val="0"/>
+            <a:lumOff val="0"/>
+            <a:alphaOff val="0"/>
+          </a:schemeClr>
+        </a:solidFill>
+        <a:ln w="12700" cap="flat" cmpd="sng" algn="ctr">
+          <a:solidFill>
+            <a:schemeClr val="lt1">
+              <a:hueOff val="0"/>
+              <a:satOff val="0"/>
+              <a:lumOff val="0"/>
+              <a:alphaOff val="0"/>
+            </a:schemeClr>
+          </a:solidFill>
+          <a:prstDash val="solid"/>
+        </a:ln>
+        <a:effectLst/>
+      </dsp:spPr>
+      <dsp:style>
+        <a:lnRef idx="2">
+          <a:scrgbClr r="0" g="0" b="0"/>
+        </a:lnRef>
+        <a:fillRef idx="1">
+          <a:scrgbClr r="0" g="0" b="0"/>
+        </a:fillRef>
+        <a:effectRef idx="0">
+          <a:scrgbClr r="0" g="0" b="0"/>
+        </a:effectRef>
+        <a:fontRef idx="minor">
+          <a:schemeClr val="lt1"/>
+        </a:fontRef>
+      </dsp:style>
+      <dsp:txBody>
+        <a:bodyPr spcFirstLastPara="0" vert="horz" wrap="square" lIns="142240" tIns="142240" rIns="142240" bIns="142240" numCol="1" spcCol="1270" anchor="ctr" anchorCtr="0">
+          <a:noAutofit/>
+        </a:bodyPr>
+        <a:lstStyle/>
+        <a:p>
+          <a:pPr lvl="0" algn="ctr" defTabSz="889000">
+            <a:lnSpc>
+              <a:spcPct val="90000"/>
+            </a:lnSpc>
+            <a:spcBef>
+              <a:spcPct val="0"/>
+            </a:spcBef>
+            <a:spcAft>
+              <a:spcPct val="35000"/>
+            </a:spcAft>
+          </a:pPr>
+          <a:r>
+            <a:rPr lang="en-US" sz="2000" b="1" u="sng" kern="1200" dirty="0" err="1" smtClean="0"/>
+            <a:t>HCIDesign</a:t>
+          </a:r>
+          <a:endParaRPr lang="en-US" sz="2000" b="1" u="sng" kern="1200" dirty="0" smtClean="0"/>
+        </a:p>
+        <a:p>
+          <a:pPr lvl="0" algn="ctr" defTabSz="889000">
+            <a:lnSpc>
+              <a:spcPct val="90000"/>
+            </a:lnSpc>
+            <a:spcBef>
+              <a:spcPct val="0"/>
+            </a:spcBef>
+            <a:spcAft>
+              <a:spcPct val="35000"/>
+            </a:spcAft>
+          </a:pPr>
+          <a:r>
+            <a:rPr lang="en-US" sz="2000" kern="1200" dirty="0" err="1" smtClean="0"/>
+            <a:t>Najla</a:t>
+          </a:r>
+          <a:r>
+            <a:rPr lang="en-US" sz="2000" kern="1200" dirty="0" smtClean="0"/>
+            <a:t>*</a:t>
+          </a:r>
+        </a:p>
+        <a:p>
+          <a:pPr lvl="0" algn="ctr" defTabSz="889000">
+            <a:lnSpc>
+              <a:spcPct val="90000"/>
+            </a:lnSpc>
+            <a:spcBef>
+              <a:spcPct val="0"/>
+            </a:spcBef>
+            <a:spcAft>
+              <a:spcPct val="35000"/>
+            </a:spcAft>
+          </a:pPr>
+          <a:r>
+            <a:rPr lang="en-US" sz="2000" kern="1200" dirty="0" smtClean="0"/>
+            <a:t>Rahul, Chris. Ashley, Joey</a:t>
+          </a:r>
+        </a:p>
+      </dsp:txBody>
+      <dsp:txXfrm>
+        <a:off x="3924300" y="0"/>
+        <a:ext cx="3924300" cy="1771650"/>
+      </dsp:txXfrm>
+    </dsp:sp>
+    <dsp:sp modelId="{33C72FC4-88DE-4797-9713-6841D1F5C64B}">
+      <dsp:nvSpPr>
+        <dsp:cNvPr id="0" name=""/>
+        <dsp:cNvSpPr/>
+      </dsp:nvSpPr>
+      <dsp:spPr>
+        <a:xfrm rot="10800000">
+          <a:off x="0" y="2362199"/>
+          <a:ext cx="3924300" cy="2362199"/>
+        </a:xfrm>
+        <a:prstGeom prst="round1Rect">
+          <a:avLst/>
+        </a:prstGeom>
+        <a:solidFill>
+          <a:schemeClr val="accent4">
+            <a:hueOff val="0"/>
+            <a:satOff val="0"/>
+            <a:lumOff val="0"/>
+            <a:alphaOff val="0"/>
+          </a:schemeClr>
+        </a:solidFill>
+        <a:ln w="12700" cap="flat" cmpd="sng" algn="ctr">
+          <a:solidFill>
+            <a:schemeClr val="lt1">
+              <a:hueOff val="0"/>
+              <a:satOff val="0"/>
+              <a:lumOff val="0"/>
+              <a:alphaOff val="0"/>
+            </a:schemeClr>
+          </a:solidFill>
+          <a:prstDash val="solid"/>
+        </a:ln>
+        <a:effectLst/>
+      </dsp:spPr>
+      <dsp:style>
+        <a:lnRef idx="2">
+          <a:scrgbClr r="0" g="0" b="0"/>
+        </a:lnRef>
+        <a:fillRef idx="1">
+          <a:scrgbClr r="0" g="0" b="0"/>
+        </a:fillRef>
+        <a:effectRef idx="0">
+          <a:scrgbClr r="0" g="0" b="0"/>
+        </a:effectRef>
+        <a:fontRef idx="minor">
+          <a:schemeClr val="lt1"/>
+        </a:fontRef>
+      </dsp:style>
+      <dsp:txBody>
+        <a:bodyPr spcFirstLastPara="0" vert="horz" wrap="square" lIns="142240" tIns="142240" rIns="142240" bIns="142240" numCol="1" spcCol="1270" anchor="ctr" anchorCtr="0">
+          <a:noAutofit/>
+        </a:bodyPr>
+        <a:lstStyle/>
+        <a:p>
+          <a:pPr lvl="0" algn="ctr" defTabSz="889000">
+            <a:lnSpc>
+              <a:spcPct val="90000"/>
+            </a:lnSpc>
+            <a:spcBef>
+              <a:spcPct val="0"/>
+            </a:spcBef>
+            <a:spcAft>
+              <a:spcPct val="35000"/>
+            </a:spcAft>
+          </a:pPr>
+          <a:r>
+            <a:rPr lang="en-US" sz="2000" b="1" u="sng" kern="1200" dirty="0" err="1" smtClean="0"/>
+            <a:t>SoftwareDev</a:t>
+          </a:r>
+          <a:endParaRPr lang="en-US" sz="2000" b="1" u="sng" kern="1200" dirty="0" smtClean="0"/>
+        </a:p>
+        <a:p>
+          <a:pPr lvl="0" algn="ctr" defTabSz="889000">
+            <a:lnSpc>
+              <a:spcPct val="90000"/>
+            </a:lnSpc>
+            <a:spcBef>
+              <a:spcPct val="0"/>
+            </a:spcBef>
+            <a:spcAft>
+              <a:spcPct val="35000"/>
+            </a:spcAft>
+          </a:pPr>
+          <a:r>
+            <a:rPr lang="en-US" sz="2000" kern="1200" dirty="0" smtClean="0"/>
+            <a:t>Nora*</a:t>
+          </a:r>
+        </a:p>
+        <a:p>
+          <a:pPr lvl="0" algn="ctr" defTabSz="889000">
+            <a:lnSpc>
+              <a:spcPct val="90000"/>
+            </a:lnSpc>
+            <a:spcBef>
+              <a:spcPct val="0"/>
+            </a:spcBef>
+            <a:spcAft>
+              <a:spcPct val="35000"/>
+            </a:spcAft>
+          </a:pPr>
+          <a:r>
+            <a:rPr lang="en-US" sz="2000" kern="1200" dirty="0" smtClean="0"/>
+            <a:t>Justin, </a:t>
+          </a:r>
+          <a:r>
+            <a:rPr lang="en-US" sz="2000" kern="1200" dirty="0" err="1" smtClean="0"/>
+            <a:t>Vinay</a:t>
+          </a:r>
+          <a:r>
+            <a:rPr lang="en-US" sz="2000" kern="1200" dirty="0" smtClean="0"/>
+            <a:t>, Crystal</a:t>
+          </a:r>
+          <a:endParaRPr lang="en-US" sz="2000" kern="1200" dirty="0"/>
+        </a:p>
+      </dsp:txBody>
+      <dsp:txXfrm rot="10800000">
+        <a:off x="0" y="2952749"/>
+        <a:ext cx="3924300" cy="1771650"/>
+      </dsp:txXfrm>
+    </dsp:sp>
+    <dsp:sp modelId="{C7E9B16C-9FDF-4F0E-AA1B-A7C03CF0F718}">
+      <dsp:nvSpPr>
+        <dsp:cNvPr id="0" name=""/>
+        <dsp:cNvSpPr/>
+      </dsp:nvSpPr>
+      <dsp:spPr>
+        <a:xfrm rot="5400000">
+          <a:off x="4705350" y="1581149"/>
+          <a:ext cx="2362199" cy="3924300"/>
+        </a:xfrm>
+        <a:prstGeom prst="round1Rect">
+          <a:avLst/>
+        </a:prstGeom>
+        <a:solidFill>
+          <a:schemeClr val="accent5">
+            <a:hueOff val="0"/>
+            <a:satOff val="0"/>
+            <a:lumOff val="0"/>
+            <a:alphaOff val="0"/>
+          </a:schemeClr>
+        </a:solidFill>
+        <a:ln w="12700" cap="flat" cmpd="sng" algn="ctr">
+          <a:solidFill>
+            <a:schemeClr val="lt1">
+              <a:hueOff val="0"/>
+              <a:satOff val="0"/>
+              <a:lumOff val="0"/>
+              <a:alphaOff val="0"/>
+            </a:schemeClr>
+          </a:solidFill>
+          <a:prstDash val="solid"/>
+        </a:ln>
+        <a:effectLst/>
+      </dsp:spPr>
+      <dsp:style>
+        <a:lnRef idx="2">
+          <a:scrgbClr r="0" g="0" b="0"/>
+        </a:lnRef>
+        <a:fillRef idx="1">
+          <a:scrgbClr r="0" g="0" b="0"/>
+        </a:fillRef>
+        <a:effectRef idx="0">
+          <a:scrgbClr r="0" g="0" b="0"/>
+        </a:effectRef>
+        <a:fontRef idx="minor">
+          <a:schemeClr val="lt1"/>
+        </a:fontRef>
+      </dsp:style>
+      <dsp:txBody>
+        <a:bodyPr spcFirstLastPara="0" vert="horz" wrap="square" lIns="142240" tIns="142240" rIns="142240" bIns="142240" numCol="1" spcCol="1270" anchor="ctr" anchorCtr="0">
+          <a:noAutofit/>
+        </a:bodyPr>
+        <a:lstStyle/>
+        <a:p>
+          <a:pPr lvl="0" algn="ctr" defTabSz="889000">
+            <a:lnSpc>
+              <a:spcPct val="90000"/>
+            </a:lnSpc>
+            <a:spcBef>
+              <a:spcPct val="0"/>
+            </a:spcBef>
+            <a:spcAft>
+              <a:spcPct val="35000"/>
+            </a:spcAft>
+          </a:pPr>
+          <a:r>
+            <a:rPr lang="en-US" sz="2000" b="1" u="sng" kern="1200" dirty="0" smtClean="0"/>
+            <a:t>Publication</a:t>
+          </a:r>
+        </a:p>
+        <a:p>
+          <a:pPr lvl="0" algn="ctr" defTabSz="889000">
+            <a:lnSpc>
+              <a:spcPct val="90000"/>
+            </a:lnSpc>
+            <a:spcBef>
+              <a:spcPct val="0"/>
+            </a:spcBef>
+            <a:spcAft>
+              <a:spcPct val="35000"/>
+            </a:spcAft>
+          </a:pPr>
+          <a:r>
+            <a:rPr lang="en-US" sz="2000" b="0" u="none" kern="1200" dirty="0" err="1" smtClean="0"/>
+            <a:t>Najla</a:t>
+          </a:r>
+          <a:r>
+            <a:rPr lang="en-US" sz="2000" b="0" u="none" kern="1200" dirty="0" smtClean="0"/>
+            <a:t>*</a:t>
+          </a:r>
+        </a:p>
+        <a:p>
+          <a:pPr lvl="0" algn="ctr" defTabSz="889000">
+            <a:lnSpc>
+              <a:spcPct val="90000"/>
+            </a:lnSpc>
+            <a:spcBef>
+              <a:spcPct val="0"/>
+            </a:spcBef>
+            <a:spcAft>
+              <a:spcPct val="35000"/>
+            </a:spcAft>
+          </a:pPr>
+          <a:r>
+            <a:rPr lang="en-US" sz="2000" b="0" u="none" kern="1200" dirty="0" smtClean="0"/>
+            <a:t>Chris, Ashley</a:t>
+          </a:r>
+          <a:endParaRPr lang="en-US" sz="2000" b="0" u="none" kern="1200" dirty="0"/>
+        </a:p>
+      </dsp:txBody>
+      <dsp:txXfrm rot="-5400000">
+        <a:off x="3924300" y="2952749"/>
+        <a:ext cx="3924300" cy="1771650"/>
+      </dsp:txXfrm>
+    </dsp:sp>
+    <dsp:sp modelId="{AF11F6B0-3AFA-4ED0-AFE1-A85A78B97B6D}">
+      <dsp:nvSpPr>
+        <dsp:cNvPr id="0" name=""/>
+        <dsp:cNvSpPr/>
+      </dsp:nvSpPr>
+      <dsp:spPr>
+        <a:xfrm>
+          <a:off x="2747010" y="1771649"/>
+          <a:ext cx="2354580" cy="1181099"/>
+        </a:xfrm>
+        <a:prstGeom prst="roundRect">
+          <a:avLst/>
+        </a:prstGeom>
+        <a:solidFill>
+          <a:schemeClr val="accent2">
+            <a:tint val="40000"/>
+            <a:hueOff val="0"/>
+            <a:satOff val="0"/>
+            <a:lumOff val="0"/>
+            <a:alphaOff val="0"/>
+          </a:schemeClr>
+        </a:solidFill>
+        <a:ln w="12700" cap="flat" cmpd="sng" algn="ctr">
+          <a:solidFill>
+            <a:schemeClr val="lt1">
+              <a:hueOff val="0"/>
+              <a:satOff val="0"/>
+              <a:lumOff val="0"/>
+              <a:alphaOff val="0"/>
+            </a:schemeClr>
+          </a:solidFill>
+          <a:prstDash val="solid"/>
+        </a:ln>
+        <a:effectLst/>
+      </dsp:spPr>
+      <dsp:style>
+        <a:lnRef idx="2">
+          <a:scrgbClr r="0" g="0" b="0"/>
+        </a:lnRef>
+        <a:fillRef idx="1">
+          <a:scrgbClr r="0" g="0" b="0"/>
+        </a:fillRef>
+        <a:effectRef idx="0">
+          <a:scrgbClr r="0" g="0" b="0"/>
+        </a:effectRef>
+        <a:fontRef idx="minor"/>
+      </dsp:style>
+      <dsp:txBody>
+        <a:bodyPr spcFirstLastPara="0" vert="horz" wrap="square" lIns="60960" tIns="60960" rIns="60960" bIns="60960" numCol="1" spcCol="1270" anchor="ctr" anchorCtr="0">
+          <a:noAutofit/>
+        </a:bodyPr>
+        <a:lstStyle/>
+        <a:p>
+          <a:pPr lvl="0" algn="ctr" defTabSz="711200">
+            <a:lnSpc>
+              <a:spcPct val="90000"/>
+            </a:lnSpc>
+            <a:spcBef>
+              <a:spcPct val="0"/>
+            </a:spcBef>
+            <a:spcAft>
+              <a:spcPct val="35000"/>
+            </a:spcAft>
+          </a:pPr>
+          <a:r>
+            <a:rPr lang="en-US" sz="1600" kern="1200" dirty="0" smtClean="0"/>
+            <a:t>Big Boss/Client: Graeme</a:t>
+          </a:r>
+        </a:p>
+        <a:p>
+          <a:pPr lvl="0" algn="ctr" defTabSz="711200">
+            <a:lnSpc>
+              <a:spcPct val="90000"/>
+            </a:lnSpc>
+            <a:spcBef>
+              <a:spcPct val="0"/>
+            </a:spcBef>
+            <a:spcAft>
+              <a:spcPct val="35000"/>
+            </a:spcAft>
+          </a:pPr>
+          <a:r>
+            <a:rPr lang="en-US" sz="1600" kern="1200" dirty="0" err="1" smtClean="0"/>
+            <a:t>MiniBoss</a:t>
+          </a:r>
+          <a:r>
+            <a:rPr lang="en-US" sz="1600" kern="1200" dirty="0" smtClean="0"/>
+            <a:t>: </a:t>
+          </a:r>
+          <a:r>
+            <a:rPr lang="en-US" sz="1600" kern="1200" dirty="0" err="1" smtClean="0"/>
+            <a:t>Risa</a:t>
+          </a:r>
+          <a:endParaRPr lang="en-US" sz="1600" kern="1200" dirty="0" smtClean="0"/>
+        </a:p>
+        <a:p>
+          <a:pPr lvl="0" algn="ctr" defTabSz="711200">
+            <a:lnSpc>
+              <a:spcPct val="90000"/>
+            </a:lnSpc>
+            <a:spcBef>
+              <a:spcPct val="0"/>
+            </a:spcBef>
+            <a:spcAft>
+              <a:spcPct val="35000"/>
+            </a:spcAft>
+          </a:pPr>
+          <a:r>
+            <a:rPr lang="en-US" sz="1600" kern="1200" dirty="0" smtClean="0"/>
+            <a:t>Application: </a:t>
+          </a:r>
+          <a:r>
+            <a:rPr lang="en-US" sz="1600" kern="1200" dirty="0" err="1" smtClean="0"/>
+            <a:t>OpenComm</a:t>
+          </a:r>
+          <a:endParaRPr lang="en-US" sz="1600" kern="1200" dirty="0"/>
+        </a:p>
+      </dsp:txBody>
+      <dsp:txXfrm>
+        <a:off x="2804667" y="1829306"/>
+        <a:ext cx="2239266" cy="1065785"/>
+      </dsp:txXfrm>
+    </dsp:sp>
+  </dsp:spTree>
+</dsp:drawing>
+</file>
+
+<file path=ppt/diagrams/layout1.xml><?xml version="1.0" encoding="utf-8"?>
+<dgm:layoutDef xmlns:dgm="http://schemas.openxmlformats.org/drawingml/2006/diagram" xmlns:a="http://schemas.openxmlformats.org/drawingml/2006/main" uniqueId="urn:microsoft.com/office/officeart/2005/8/layout/matrix1">
+  <dgm:title val=""/>
+  <dgm:desc val=""/>
+  <dgm:catLst>
+    <dgm:cat type="matrix" pri="2000"/>
+  </dgm:catLst>
+  <dgm:sampData>
+    <dgm:dataModel>
+      <dgm:ptLst>
+        <dgm:pt modelId="0" type="doc"/>
+        <dgm:pt modelId="1">
+          <dgm:prSet phldr="1"/>
+        </dgm:pt>
+        <dgm:pt modelId="11">
+          <dgm:prSet phldr="1"/>
+        </dgm:pt>
+        <dgm:pt modelId="12">
+          <dgm:prSet phldr="1"/>
+        </dgm:pt>
+        <dgm:pt modelId="13">
+          <dgm:prSet phldr="1"/>
+        </dgm:pt>
+        <dgm:pt modelId="14">
+          <dgm:prSet phldr="1"/>
+        </dgm:pt>
+      </dgm:ptLst>
+      <dgm:cxnLst>
+        <dgm:cxn modelId="2" srcId="0" destId="1" srcOrd="0" destOrd="0"/>
+        <dgm:cxn modelId="3" srcId="1" destId="11" srcOrd="0" destOrd="0"/>
+        <dgm:cxn modelId="4" srcId="1" destId="12" srcOrd="1" destOrd="0"/>
+        <dgm:cxn modelId="5" srcId="1" destId="13" srcOrd="2" destOrd="0"/>
+        <dgm:cxn modelId="6" srcId="1" destId="14" srcOrd="3" destOrd="0"/>
+      </dgm:cxnLst>
+      <dgm:bg/>
+      <dgm:whole/>
+    </dgm:dataModel>
+  </dgm:sampData>
+  <dgm:styleData>
+    <dgm:dataModel>
+      <dgm:ptLst>
+        <dgm:pt modelId="0" type="doc"/>
+        <dgm:pt modelId="1"/>
+        <dgm:pt modelId="11"/>
+        <dgm:pt modelId="12"/>
+        <dgm:pt modelId="13"/>
+        <dgm:pt modelId="14"/>
+      </dgm:ptLst>
+      <dgm:cxnLst>
+        <dgm:cxn modelId="2" srcId="0" destId="1" srcOrd="0" destOrd="0"/>
+        <dgm:cxn modelId="15" srcId="1" destId="11" srcOrd="0" destOrd="0"/>
+        <dgm:cxn modelId="16" srcId="1" destId="12" srcOrd="1" destOrd="0"/>
+        <dgm:cxn modelId="17" srcId="1" destId="13" srcOrd="2" destOrd="0"/>
+        <dgm:cxn modelId="18" srcId="1" destId="14" srcOrd="3" destOrd="0"/>
+      </dgm:cxnLst>
+      <dgm:bg/>
+      <dgm:whole/>
+    </dgm:dataModel>
+  </dgm:styleData>
+  <dgm:clrData>
+    <dgm:dataModel>
+      <dgm:ptLst>
+        <dgm:pt modelId="0" type="doc"/>
+        <dgm:pt modelId="1"/>
+        <dgm:pt modelId="11"/>
+        <dgm:pt modelId="12"/>
+        <dgm:pt modelId="13"/>
+        <dgm:pt modelId="14"/>
+      </dgm:ptLst>
+      <dgm:cxnLst>
+        <dgm:cxn modelId="2" srcId="0" destId="1" srcOrd="0" destOrd="0"/>
+        <dgm:cxn modelId="15" srcId="1" destId="11" srcOrd="0" destOrd="0"/>
+        <dgm:cxn modelId="16" srcId="1" destId="12" srcOrd="1" destOrd="0"/>
+        <dgm:cxn modelId="17" srcId="1" destId="13" srcOrd="2" destOrd="0"/>
+        <dgm:cxn modelId="18" srcId="1" destId="14" srcOrd="3" destOrd="0"/>
+      </dgm:cxnLst>
+      <dgm:bg/>
+      <dgm:whole/>
+    </dgm:dataModel>
+  </dgm:clrData>
+  <dgm:layoutNode name="diagram">
+    <dgm:varLst>
+      <dgm:chMax val="1"/>
+      <dgm:dir/>
+      <dgm:animLvl val="ctr"/>
+      <dgm:resizeHandles val="exact"/>
+    </dgm:varLst>
+    <dgm:alg type="composite"/>
+    <dgm:shape xmlns:r="http://schemas.openxmlformats.org/officeDocument/2006/relationships" r:blip="">
+      <dgm:adjLst/>
+    </dgm:shape>
+    <dgm:presOf/>
+    <dgm:constrLst>
+      <dgm:constr type="ctrX" for="ch" forName="matrix" refType="w" fact="0.5"/>
+      <dgm:constr type="ctrY" for="ch" forName="matrix" refType="h" fact="0.5"/>
+      <dgm:constr type="w" for="ch" forName="matrix" refType="w"/>
+      <dgm:constr type="h" for="ch" forName="matrix" refType="h"/>
+      <dgm:constr type="ctrX" for="ch" forName="centerTile" refType="w" fact="0.5"/>
+      <dgm:constr type="ctrY" for="ch" forName="centerTile" refType="h" fact="0.5"/>
+      <dgm:constr type="w" for="ch" forName="centerTile" refType="w" fact="0.3"/>
+      <dgm:constr type="h" for="ch" forName="centerTile" refType="h" fact="0.25"/>
+      <dgm:constr type="primFontSz" for="des" ptType="node" op="equ" val="65"/>
+    </dgm:constrLst>
+    <dgm:ruleLst/>
+    <dgm:choose name="Name0">
+      <dgm:if name="Name1" axis="ch" ptType="node" func="cnt" op="gte" val="1">
+        <dgm:layoutNode name="matrix">
+          <dgm:alg type="composite"/>
+          <dgm:shape xmlns:r="http://schemas.openxmlformats.org/officeDocument/2006/relationships" r:blip="">
+            <dgm:adjLst/>
+          </dgm:shape>
+          <dgm:presOf/>
+          <dgm:constrLst>
+            <dgm:constr type="l" for="ch" forName="tile1"/>
+            <dgm:constr type="t" for="ch" forName="tile1"/>
+            <dgm:constr type="r" for="ch" forName="tile1" refType="w" fact="0.5"/>
+            <dgm:constr type="b" for="ch" forName="tile1" refType="h" fact="0.5"/>
+            <dgm:constr type="l" for="ch" forName="tile1text" refType="l" refFor="ch" refForName="tile1"/>
+            <dgm:constr type="t" for="ch" forName="tile1text" refType="t" refFor="ch" refForName="tile1"/>
+            <dgm:constr type="w" for="ch" forName="tile1text" refType="w" refFor="ch" refForName="tile1"/>
+            <dgm:constr type="h" for="ch" forName="tile1text" refType="h" refFor="ch" refForName="tile1" fact="0.75"/>
+            <dgm:constr type="r" for="ch" forName="tile2" refType="w"/>
+            <dgm:constr type="t" for="ch" forName="tile2"/>
+            <dgm:constr type="l" for="ch" forName="tile2" refType="w" fact="0.5"/>
+            <dgm:constr type="b" for="ch" forName="tile2" refType="h" fact="0.5"/>
+            <dgm:constr type="r" for="ch" forName="tile2text" refType="r" refFor="ch" refForName="tile2"/>
+            <dgm:constr type="t" for="ch" forName="tile2text" refType="t" refFor="ch" refForName="tile2"/>
+            <dgm:constr type="w" for="ch" forName="tile2text" refType="w" refFor="ch" refForName="tile2"/>
+            <dgm:constr type="h" for="ch" forName="tile2text" refType="h" refFor="ch" refForName="tile2" fact="0.75"/>
+            <dgm:constr type="l" for="ch" forName="tile3"/>
+            <dgm:constr type="b" for="ch" forName="tile3" refType="h"/>
+            <dgm:constr type="r" for="ch" forName="tile3" refType="w" fact="0.5"/>
+            <dgm:constr type="t" for="ch" forName="tile3" refType="h" fact="0.5"/>
+            <dgm:constr type="l" for="ch" forName="tile3text" refType="l" refFor="ch" refForName="tile3"/>
+            <dgm:constr type="b" for="ch" forName="tile3text" refType="b" refFor="ch" refForName="tile3"/>
+            <dgm:constr type="w" for="ch" forName="tile3text" refType="w" refFor="ch" refForName="tile3"/>
+            <dgm:constr type="h" for="ch" forName="tile3text" refType="h" refFor="ch" refForName="tile3" fact="0.75"/>
+            <dgm:constr type="r" for="ch" forName="tile4" refType="w"/>
+            <dgm:constr type="b" for="ch" forName="tile4" refType="h"/>
+            <dgm:constr type="l" for="ch" forName="tile4" refType="w" fact="0.5"/>
+            <dgm:constr type="t" for="ch" forName="tile4" refType="h" fact="0.5"/>
+            <dgm:constr type="r" for="ch" forName="tile4text" refType="r" refFor="ch" refForName="tile4"/>
+            <dgm:constr type="b" for="ch" forName="tile4text" refType="b" refFor="ch" refForName="tile4"/>
+            <dgm:constr type="w" for="ch" forName="tile4text" refType="w" refFor="ch" refForName="tile4"/>
+            <dgm:constr type="h" for="ch" forName="tile4text" refType="h" refFor="ch" refForName="tile4" fact="0.75"/>
+          </dgm:constrLst>
+          <dgm:ruleLst/>
+          <dgm:layoutNode name="tile1" styleLbl="node1">
+            <dgm:alg type="sp"/>
+            <dgm:shape xmlns:r="http://schemas.openxmlformats.org/officeDocument/2006/relationships" rot="270" type="round1Rect" r:blip="">
+              <dgm:adjLst/>
+            </dgm:shape>
+            <dgm:choose name="Name2">
+              <dgm:if name="Name3" func="var" arg="dir" op="equ" val="norm">
+                <dgm:presOf axis="ch ch desOrSelf" ptType="node node node" st="1 1 1" cnt="1 1 0"/>
+              </dgm:if>
+              <dgm:else name="Name4">
+                <dgm:presOf axis="ch ch desOrSelf" ptType="node node node" st="1 2 1" cnt="1 1 0"/>
+              </dgm:else>
+            </dgm:choose>
+            <dgm:constrLst/>
+            <dgm:ruleLst/>
+          </dgm:layoutNode>
+          <dgm:layoutNode name="tile1text" styleLbl="node1">
+            <dgm:varLst>
+              <dgm:chMax val="0"/>
+              <dgm:chPref val="0"/>
+              <dgm:bulletEnabled val="1"/>
+            </dgm:varLst>
+            <dgm:choose name="Name5">
+              <dgm:if name="Name6" axis="root des" func="maxDepth" op="gte" val="3">
+                <dgm:alg type="tx">
+                  <dgm:param type="txAnchorVert" val="t"/>
+                  <dgm:param type="parTxLTRAlign" val="l"/>
+                  <dgm:param type="parTxRTLAlign" val="r"/>
+                </dgm:alg>
+              </dgm:if>
+              <dgm:else name="Name7">
+                <dgm:alg type="tx"/>
+              </dgm:else>
+            </dgm:choose>
+            <dgm:shape xmlns:r="http://schemas.openxmlformats.org/officeDocument/2006/relationships" rot="270" type="rect" r:blip="" hideGeom="1">
+              <dgm:adjLst>
+                <dgm:adj idx="1" val="0.2"/>
+              </dgm:adjLst>
+            </dgm:shape>
+            <dgm:choose name="Name8">
+              <dgm:if name="Name9" func="var" arg="dir" op="equ" val="norm">
+                <dgm:presOf axis="ch ch desOrSelf" ptType="node node node" st="1 1 1" cnt="1 1 0"/>
+              </dgm:if>
+              <dgm:else name="Name10">
+                <dgm:presOf axis="ch ch desOrSelf" ptType="node node node" st="1 2 1" cnt="1 1 0"/>
+              </dgm:else>
+            </dgm:choose>
+            <dgm:constrLst/>
+            <dgm:ruleLst>
+              <dgm:rule type="primFontSz" val="5" fact="NaN" max="NaN"/>
+            </dgm:ruleLst>
+          </dgm:layoutNode>
+          <dgm:layoutNode name="tile2" styleLbl="node1">
+            <dgm:alg type="sp"/>
+            <dgm:shape xmlns:r="http://schemas.openxmlformats.org/officeDocument/2006/relationships" type="round1Rect" r:blip="">
+              <dgm:adjLst/>
+            </dgm:shape>
+            <dgm:choose name="Name11">
+              <dgm:if name="Name12" func="var" arg="dir" op="equ" val="norm">
+                <dgm:presOf axis="ch ch desOrSelf" ptType="node node node" st="1 2 1" cnt="1 1 0"/>
+              </dgm:if>
+              <dgm:else name="Name13">
+                <dgm:presOf axis="ch ch desOrSelf" ptType="node node node" st="1 1 1" cnt="1 1 0"/>
+              </dgm:else>
+            </dgm:choose>
+            <dgm:constrLst/>
+            <dgm:ruleLst/>
+          </dgm:layoutNode>
+          <dgm:layoutNode name="tile2text" styleLbl="node1">
+            <dgm:varLst>
+              <dgm:chMax val="0"/>
+              <dgm:chPref val="0"/>
+              <dgm:bulletEnabled val="1"/>
+            </dgm:varLst>
+            <dgm:choose name="Name14">
+              <dgm:if name="Name15" axis="root des" func="maxDepth" op="gte" val="3">
+                <dgm:alg type="tx">
+                  <dgm:param type="txAnchorVert" val="t"/>
+                  <dgm:param type="parTxLTRAlign" val="l"/>
+                  <dgm:param type="parTxRTLAlign" val="r"/>
+                </dgm:alg>
+              </dgm:if>
+              <dgm:else name="Name16">
+                <dgm:alg type="tx"/>
+              </dgm:else>
+            </dgm:choose>
+            <dgm:shape xmlns:r="http://schemas.openxmlformats.org/officeDocument/2006/relationships" type="rect" r:blip="" hideGeom="1">
+              <dgm:adjLst/>
+            </dgm:shape>
+            <dgm:choose name="Name17">
+              <dgm:if name="Name18" func="var" arg="dir" op="equ" val="norm">
+                <dgm:presOf axis="ch ch desOrSelf" ptType="node node node" st="1 2 1" cnt="1 1 0"/>
+              </dgm:if>
+              <dgm:else name="Name19">
+                <dgm:presOf axis="ch ch desOrSelf" ptType="node node node" st="1 1 1" cnt="1 1 0"/>
+              </dgm:else>
+            </dgm:choose>
+            <dgm:constrLst/>
+            <dgm:ruleLst>
+              <dgm:rule type="primFontSz" val="5" fact="NaN" max="NaN"/>
+            </dgm:ruleLst>
+          </dgm:layoutNode>
+          <dgm:layoutNode name="tile3" styleLbl="node1">
+            <dgm:alg type="sp"/>
+            <dgm:shape xmlns:r="http://schemas.openxmlformats.org/officeDocument/2006/relationships" rot="180" type="round1Rect" r:blip="">
+              <dgm:adjLst/>
+            </dgm:shape>
+            <dgm:choose name="Name20">
+              <dgm:if name="Name21" func="var" arg="dir" op="equ" val="norm">
+                <dgm:presOf axis="ch ch desOrSelf" ptType="node node node" st="1 3 1" cnt="1 1 0"/>
+              </dgm:if>
+              <dgm:else name="Name22">
+                <dgm:presOf axis="ch ch desOrSelf" ptType="node node node" st="1 4 1" cnt="1 1 0"/>
+              </dgm:else>
+            </dgm:choose>
+            <dgm:constrLst/>
+            <dgm:ruleLst/>
+          </dgm:layoutNode>
+          <dgm:layoutNode name="tile3text" styleLbl="node1">
+            <dgm:varLst>
+              <dgm:chMax val="0"/>
+              <dgm:chPref val="0"/>
+              <dgm:bulletEnabled val="1"/>
+            </dgm:varLst>
+            <dgm:choose name="Name23">
+              <dgm:if name="Name24" axis="root des" func="maxDepth" op="gte" val="3">
+                <dgm:alg type="tx">
+                  <dgm:param type="txAnchorVert" val="t"/>
+                  <dgm:param type="parTxLTRAlign" val="l"/>
+                  <dgm:param type="parTxRTLAlign" val="r"/>
+                </dgm:alg>
+              </dgm:if>
+              <dgm:else name="Name25">
+                <dgm:alg type="tx"/>
+              </dgm:else>
+            </dgm:choose>
+            <dgm:shape xmlns:r="http://schemas.openxmlformats.org/officeDocument/2006/relationships" rot="180" type="rect" r:blip="" hideGeom="1">
+              <dgm:adjLst/>
+            </dgm:shape>
+            <dgm:choose name="Name26">
+              <dgm:if name="Name27" func="var" arg="dir" op="equ" val="norm">
+                <dgm:presOf axis="ch ch desOrSelf" ptType="node node node" st="1 3 1" cnt="1 1 0"/>
+              </dgm:if>
+              <dgm:else name="Name28">
+                <dgm:presOf axis="ch ch desOrSelf" ptType="node node node" st="1 4 1" cnt="1 1 0"/>
+              </dgm:else>
+            </dgm:choose>
+            <dgm:constrLst/>
+            <dgm:ruleLst>
+              <dgm:rule type="primFontSz" val="5" fact="NaN" max="NaN"/>
+            </dgm:ruleLst>
+          </dgm:layoutNode>
+          <dgm:layoutNode name="tile4" styleLbl="node1">
+            <dgm:alg type="sp"/>
+            <dgm:shape xmlns:r="http://schemas.openxmlformats.org/officeDocument/2006/relationships" rot="90" type="round1Rect" r:blip="">
+              <dgm:adjLst/>
+            </dgm:shape>
+            <dgm:choose name="Name29">
+              <dgm:if name="Name30" func="var" arg="dir" op="equ" val="norm">
+                <dgm:presOf axis="ch ch desOrSelf" ptType="node node node" st="1 4 1" cnt="1 1 0"/>
+              </dgm:if>
+              <dgm:else name="Name31">
+                <dgm:presOf axis="ch ch desOrSelf" ptType="node node node" st="1 3 1" cnt="1 1 0"/>
+              </dgm:else>
+            </dgm:choose>
+            <dgm:constrLst/>
+            <dgm:ruleLst/>
+          </dgm:layoutNode>
+          <dgm:layoutNode name="tile4text" styleLbl="node1">
+            <dgm:varLst>
+              <dgm:chMax val="0"/>
+              <dgm:chPref val="0"/>
+              <dgm:bulletEnabled val="1"/>
+            </dgm:varLst>
+            <dgm:choose name="Name32">
+              <dgm:if name="Name33" axis="root des" func="maxDepth" op="gte" val="3">
+                <dgm:alg type="tx">
+                  <dgm:param type="txAnchorVert" val="t"/>
+                  <dgm:param type="parTxLTRAlign" val="l"/>
+                  <dgm:param type="parTxRTLAlign" val="r"/>
+                </dgm:alg>
+              </dgm:if>
+              <dgm:else name="Name34">
+                <dgm:alg type="tx"/>
+              </dgm:else>
+            </dgm:choose>
+            <dgm:shape xmlns:r="http://schemas.openxmlformats.org/officeDocument/2006/relationships" rot="90" type="rect" r:blip="" hideGeom="1">
+              <dgm:adjLst/>
+            </dgm:shape>
+            <dgm:choose name="Name35">
+              <dgm:if name="Name36" func="var" arg="dir" op="equ" val="norm">
+                <dgm:presOf axis="ch ch desOrSelf" ptType="node node node" st="1 4 1" cnt="1 1 0"/>
+              </dgm:if>
+              <dgm:else name="Name37">
+                <dgm:presOf axis="ch ch desOrSelf" ptType="node node node" st="1 3 1" cnt="1 1 0"/>
+              </dgm:else>
+            </dgm:choose>
+            <dgm:constrLst/>
+            <dgm:ruleLst>
+              <dgm:rule type="primFontSz" val="5" fact="NaN" max="NaN"/>
+            </dgm:ruleLst>
+          </dgm:layoutNode>
+        </dgm:layoutNode>
+        <dgm:layoutNode name="centerTile" styleLbl="fgShp">
+          <dgm:varLst>
+            <dgm:chMax val="0"/>
+            <dgm:chPref val="0"/>
+          </dgm:varLst>
+          <dgm:alg type="tx"/>
+          <dgm:shape xmlns:r="http://schemas.openxmlformats.org/officeDocument/2006/relationships" type="roundRect" r:blip="">
+            <dgm:adjLst/>
+          </dgm:shape>
+          <dgm:presOf axis="ch" ptType="node" cnt="1"/>
+          <dgm:constrLst>
+            <dgm:constr type="tMarg" refType="primFontSz" fact="0.3"/>
+            <dgm:constr type="bMarg" refType="primFontSz" fact="0.3"/>
+            <dgm:constr type="lMarg" refType="primFontSz" fact="0.3"/>
+            <dgm:constr type="rMarg" refType="primFontSz" fact="0.3"/>
+          </dgm:constrLst>
+          <dgm:ruleLst>
+            <dgm:rule type="primFontSz" val="5" fact="NaN" max="NaN"/>
+          </dgm:ruleLst>
+        </dgm:layoutNode>
+      </dgm:if>
+      <dgm:else name="Name38"/>
+    </dgm:choose>
+  </dgm:layoutNode>
+</dgm:layoutDef>
+</file>
+
+<file path=ppt/diagrams/quickStyle1.xml><?xml version="1.0" encoding="utf-8"?>
+<dgm:styleDef xmlns:dgm="http://schemas.openxmlformats.org/drawingml/2006/diagram" xmlns:a="http://schemas.openxmlformats.org/drawingml/2006/main" uniqueId="urn:microsoft.com/office/officeart/2005/8/quickstyle/simple1">
+  <dgm:title val=""/>
+  <dgm:desc val=""/>
+  <dgm:catLst>
+    <dgm:cat type="simple" pri="10100"/>
+  </dgm:catLst>
+  <dgm:scene3d>
+    <a:camera prst="orthographicFront"/>
+    <a:lightRig rig="threePt" dir="t"/>
+  </dgm:scene3d>
+  <dgm:styleLbl name="node0">
+    <dgm:scene3d>
+      <a:camera prst="orthographicFront"/>
+      <a:lightRig rig="threePt" dir="t"/>
+    </dgm:scene3d>
+    <dgm:sp3d/>
+    <dgm:txPr/>
+    <dgm:style>
+      <a:lnRef idx="2">
+        <a:scrgbClr r="0" g="0" b="0"/>
+      </a:lnRef>
+      <a:fillRef idx="1">
+        <a:scrgbClr r="0" g="0" b="0"/>
+      </a:fillRef>
+      <a:effectRef idx="0">
+        <a:scrgbClr r="0" g="0" b="0"/>
+      </a:effectRef>
+      <a:fontRef idx="minor">
+        <a:schemeClr val="lt1"/>
+      </a:fontRef>
+    </dgm:style>
+  </dgm:styleLbl>
+  <dgm:styleLbl name="lnNode1">
+    <dgm:scene3d>
+      <a:camera prst="orthographicFront"/>
+      <a:lightRig rig="threePt" dir="t"/>
+    </dgm:scene3d>
+    <dgm:sp3d/>
+    <dgm:txPr/>
+    <dgm:style>
+      <a:lnRef idx="2">
+        <a:scrgbClr r="0" g="0" b="0"/>
+      </a:lnRef>
+      <a:fillRef idx="1">
+        <a:scrgbClr r="0" g="0" b="0"/>
+      </a:fillRef>
+      <a:effectRef idx="0">
+        <a:scrgbClr r="0" g="0" b="0"/>
+      </a:effectRef>
+      <a:fontRef idx="minor">
+        <a:schemeClr val="lt1"/>
+      </a:fontRef>
+    </dgm:style>
+  </dgm:styleLbl>
+  <dgm:styleLbl name="vennNode1">
+    <dgm:scene3d>
+      <a:camera prst="orthographicFront"/>
+      <a:lightRig rig="threePt" dir="t"/>
+    </dgm:scene3d>
+    <dgm:sp3d/>
+    <dgm:txPr/>
+    <dgm:style>
+      <a:lnRef idx="2">
+        <a:scrgbClr r="0" g="0" b="0"/>
+      </a:lnRef>
+      <a:fillRef idx="1">
+        <a:scrgbClr r="0" g="0" b="0"/>
+      </a:fillRef>
+      <a:effectRef idx="0">
+        <a:scrgbClr r="0" g="0" b="0"/>
+      </a:effectRef>
+      <a:fontRef idx="minor">
+        <a:schemeClr val="tx1"/>
+      </a:fontRef>
+    </dgm:style>
+  </dgm:styleLbl>
+  <dgm:styleLbl name="alignNode1">
+    <dgm:scene3d>
+      <a:camera prst="orthographicFront"/>
+      <a:lightRig rig="threePt" dir="t"/>
+    </dgm:scene3d>
+    <dgm:sp3d/>
+    <dgm:txPr/>
+    <dgm:style>
+      <a:lnRef idx="2">
+        <a:scrgbClr r="0" g="0" b="0"/>
+      </a:lnRef>
+      <a:fillRef idx="1">
+        <a:scrgbClr r="0" g="0" b="0"/>
+      </a:fillRef>
+      <a:effectRef idx="0">
+        <a:scrgbClr r="0" g="0" b="0"/>
+      </a:effectRef>
+      <a:fontRef idx="minor">
+        <a:schemeClr val="lt1"/>
+      </a:fontRef>
+    </dgm:style>
+  </dgm:styleLbl>
+  <dgm:styleLbl name="node1">
+    <dgm:scene3d>
+      <a:camera prst="orthographicFront"/>
+      <a:lightRig rig="threePt" dir="t"/>
+    </dgm:scene3d>
+    <dgm:sp3d/>
+    <dgm:txPr/>
+    <dgm:style>
+      <a:lnRef idx="2">
+        <a:scrgbClr r="0" g="0" b="0"/>
+      </a:lnRef>
+      <a:fillRef idx="1">
+        <a:scrgbClr r="0" g="0" b="0"/>
+      </a:fillRef>
+      <a:effectRef idx="0">
+        <a:scrgbClr r="0" g="0" b="0"/>
+      </a:effectRef>
+      <a:fontRef idx="minor">
+        <a:schemeClr val="lt1"/>
+      </a:fontRef>
+    </dgm:style>
+  </dgm:styleLbl>
+  <dgm:styleLbl name="node2">
+    <dgm:scene3d>
+      <a:camera prst="orthographicFront"/>
+      <a:lightRig rig="threePt" dir="t"/>
+    </dgm:scene3d>
+    <dgm:sp3d/>
+    <dgm:txPr/>
+    <dgm:style>
+      <a:lnRef idx="2">
+        <a:scrgbClr r="0" g="0" b="0"/>
+      </a:lnRef>
+      <a:fillRef idx="1">
+        <a:scrgbClr r="0" g="0" b="0"/>
+      </a:fillRef>
+      <a:effectRef idx="0">
+        <a:scrgbClr r="0" g="0" b="0"/>
+      </a:effectRef>
+      <a:fontRef idx="minor">
+        <a:schemeClr val="lt1"/>
+      </a:fontRef>
+    </dgm:style>
+  </dgm:styleLbl>
+  <dgm:styleLbl name="node3">
+    <dgm:scene3d>
+      <a:camera prst="orthographicFront"/>
+      <a:lightRig rig="threePt" dir="t"/>
+    </dgm:scene3d>
+    <dgm:sp3d/>
+    <dgm:txPr/>
+    <dgm:style>
+      <a:lnRef idx="2">
+        <a:scrgbClr r="0" g="0" b="0"/>
+      </a:lnRef>
+      <a:fillRef idx="1">
+        <a:scrgbClr r="0" g="0" b="0"/>
+      </a:fillRef>
+      <a:effectRef idx="0">
+        <a:scrgbClr r="0" g="0" b="0"/>
+      </a:effectRef>
+      <a:fontRef idx="minor">
+        <a:schemeClr val="lt1"/>
+      </a:fontRef>
+    </dgm:style>
+  </dgm:styleLbl>
+  <dgm:styleLbl name="node4">
+    <dgm:scene3d>
+      <a:camera prst="orthographicFront"/>
+      <a:lightRig rig="threePt" dir="t"/>
+    </dgm:scene3d>
+    <dgm:sp3d/>
+    <dgm:txPr/>
+    <dgm:style>
+      <a:lnRef idx="2">
+        <a:scrgbClr r="0" g="0" b="0"/>
+      </a:lnRef>
+      <a:fillRef idx="1">
+        <a:scrgbClr r="0" g="0" b="0"/>
+      </a:fillRef>
+      <a:effectRef idx="0">
+        <a:scrgbClr r="0" g="0" b="0"/>
+      </a:effectRef>
+      <a:fontRef idx="minor">
+        <a:schemeClr val="lt1"/>
+      </a:fontRef>
+    </dgm:style>
+  </dgm:styleLbl>
+  <dgm:styleLbl name="fgImgPlace1">
+    <dgm:scene3d>
+      <a:camera prst="orthographicFront"/>
+      <a:lightRig rig="threePt" dir="t"/>
+    </dgm:scene3d>
+    <dgm:sp3d/>
+    <dgm:txPr/>
+    <dgm:style>
+      <a:lnRef idx="2">
+        <a:scrgbClr r="0" g="0" b="0"/>
+      </a:lnRef>
+      <a:fillRef idx="1">
+        <a:scrgbClr r="0" g="0" b="0"/>
+      </a:fillRef>
+      <a:effectRef idx="0">
+        <a:scrgbClr r="0" g="0" b="0"/>
+      </a:effectRef>
+      <a:fontRef idx="minor"/>
+    </dgm:style>
+  </dgm:styleLbl>
+  <dgm:styleLbl name="alignImgPlace1">
+    <dgm:scene3d>
+      <a:camera prst="orthographicFront"/>
+      <a:lightRig rig="threePt" dir="t"/>
+    </dgm:scene3d>
+    <dgm:sp3d/>
+    <dgm:txPr/>
+    <dgm:style>
+      <a:lnRef idx="2">
+        <a:scrgbClr r="0" g="0" b="0"/>
+      </a:lnRef>
+      <a:fillRef idx="1">
+        <a:scrgbClr r="0" g="0" b="0"/>
+      </a:fillRef>
+      <a:effectRef idx="0">
+        <a:scrgbClr r="0" g="0" b="0"/>
+      </a:effectRef>
+      <a:fontRef idx="minor"/>
+    </dgm:style>
+  </dgm:styleLbl>
+  <dgm:styleLbl name="bgImgPlace1">
+    <dgm:scene3d>
+      <a:camera prst="orthographicFront"/>
+      <a:lightRig rig="threePt" dir="t"/>
+    </dgm:scene3d>
+    <dgm:sp3d/>
+    <dgm:txPr/>
+    <dgm:style>
+      <a:lnRef idx="2">
+        <a:scrgbClr r="0" g="0" b="0"/>
+      </a:lnRef>
+      <a:fillRef idx="1">
+        <a:scrgbClr r="0" g="0" b="0"/>
+      </a:fillRef>
+      <a:effectRef idx="0">
+        <a:scrgbClr r="0" g="0" b="0"/>
+      </a:effectRef>
+      <a:fontRef idx="minor"/>
+    </dgm:style>
+  </dgm:styleLbl>
+  <dgm:styleLbl name="sibTrans2D1">
+    <dgm:scene3d>
+      <a:camera prst="orthographicFront"/>
+      <a:lightRig rig="threePt" dir="t"/>
+    </dgm:scene3d>
+    <dgm:sp3d/>
+    <dgm:txPr/>
+    <dgm:style>
+      <a:lnRef idx="0">
+        <a:scrgbClr r="0" g="0" b="0"/>
+      </a:lnRef>
+      <a:fillRef idx="1">
+        <a:scrgbClr r="0" g="0" b="0"/>
+      </a:fillRef>
+      <a:effectRef idx="0">
+        <a:scrgbClr r="0" g="0" b="0"/>
+      </a:effectRef>
+      <a:fontRef idx="minor">
+        <a:schemeClr val="lt1"/>
+      </a:fontRef>
+    </dgm:style>
+  </dgm:styleLbl>
+  <dgm:styleLbl name="fgSibTrans2D1">
+    <dgm:scene3d>
+      <a:camera prst="orthographicFront"/>
+      <a:lightRig rig="threePt" dir="t"/>
+    </dgm:scene3d>
+    <dgm:sp3d/>
+    <dgm:txPr/>
+    <dgm:style>
+      <a:lnRef idx="0">
+        <a:scrgbClr r="0" g="0" b="0"/>
+      </a:lnRef>
+      <a:fillRef idx="1">
+        <a:scrgbClr r="0" g="0" b="0"/>
+      </a:fillRef>
+      <a:effectRef idx="0">
+        <a:scrgbClr r="0" g="0" b="0"/>
+      </a:effectRef>
+      <a:fontRef idx="minor">
+        <a:schemeClr val="lt1"/>
+      </a:fontRef>
+    </dgm:style>
+  </dgm:styleLbl>
+  <dgm:styleLbl name="bgSibTrans2D1">
+    <dgm:scene3d>
+      <a:camera prst="orthographicFront"/>
+      <a:lightRig rig="threePt" dir="t"/>
+    </dgm:scene3d>
+    <dgm:sp3d/>
+    <dgm:txPr/>
+    <dgm:style>
+      <a:lnRef idx="0">
+        <a:scrgbClr r="0" g="0" b="0"/>
+      </a:lnRef>
+      <a:fillRef idx="1">
+        <a:scrgbClr r="0" g="0" b="0"/>
+      </a:fillRef>
+      <a:effectRef idx="0">
+        <a:scrgbClr r="0" g="0" b="0"/>
+      </a:effectRef>
+      <a:fontRef idx="minor">
+        <a:schemeClr val="lt1"/>
+      </a:fontRef>
+    </dgm:style>
+  </dgm:styleLbl>
+  <dgm:styleLbl name="sibTrans1D1">
+    <dgm:scene3d>
+      <a:camera prst="orthographicFront"/>
+      <a:lightRig rig="threePt" dir="t"/>
+    </dgm:scene3d>
+    <dgm:sp3d/>
+    <dgm:txPr/>
+    <dgm:style>
+      <a:lnRef idx="1">
+        <a:scrgbClr r="0" g="0" b="0"/>
+      </a:lnRef>
+      <a:fillRef idx="0">
+        <a:scrgbClr r="0" g="0" b="0"/>
+      </a:fillRef>
+      <a:effectRef idx="0">
+        <a:scrgbClr r="0" g="0" b="0"/>
+      </a:effectRef>
+      <a:fontRef idx="minor"/>
+    </dgm:style>
+  </dgm:styleLbl>
+  <dgm:styleLbl name="callout">
+    <dgm:scene3d>
+      <a:camera prst="orthographicFront"/>
+      <a:lightRig rig="threePt" dir="t"/>
+    </dgm:scene3d>
+    <dgm:sp3d/>
+    <dgm:txPr/>
+    <dgm:style>
+      <a:lnRef idx="2">
+        <a:scrgbClr r="0" g="0" b="0"/>
+      </a:lnRef>
+      <a:fillRef idx="1">
+        <a:scrgbClr r="0" g="0" b="0"/>
+      </a:fillRef>
+      <a:effectRef idx="0">
+        <a:scrgbClr r="0" g="0" b="0"/>
+      </a:effectRef>
+      <a:fontRef idx="minor"/>
+    </dgm:style>
+  </dgm:styleLbl>
+  <dgm:styleLbl name="asst0">
+    <dgm:scene3d>
+      <a:camera prst="orthographicFront"/>
+      <a:lightRig rig="threePt" dir="t"/>
+    </dgm:scene3d>
+    <dgm:sp3d/>
+    <dgm:txPr/>
+    <dgm:style>
+      <a:lnRef idx="2">
+        <a:scrgbClr r="0" g="0" b="0"/>
+      </a:lnRef>
+      <a:fillRef idx="1">
+        <a:scrgbClr r="0" g="0" b="0"/>
+      </a:fillRef>
+      <a:effectRef idx="0">
+        <a:scrgbClr r="0" g="0" b="0"/>
+      </a:effectRef>
+      <a:fontRef idx="minor">
+        <a:schemeClr val="lt1"/>
+      </a:fontRef>
+    </dgm:style>
+  </dgm:styleLbl>
+  <dgm:styleLbl name="asst1">
+    <dgm:scene3d>
+      <a:camera prst="orthographicFront"/>
+      <a:lightRig rig="threePt" dir="t"/>
+    </dgm:scene3d>
+    <dgm:sp3d/>
+    <dgm:txPr/>
+    <dgm:style>
+      <a:lnRef idx="2">
+        <a:scrgbClr r="0" g="0" b="0"/>
+      </a:lnRef>
+      <a:fillRef idx="1">
+        <a:scrgbClr r="0" g="0" b="0"/>
+      </a:fillRef>
+      <a:effectRef idx="0">
+        <a:scrgbClr r="0" g="0" b="0"/>
+      </a:effectRef>
+      <a:fontRef idx="minor">
+        <a:schemeClr val="lt1"/>
+      </a:fontRef>
+    </dgm:style>
+  </dgm:styleLbl>
+  <dgm:styleLbl name="asst2">
+    <dgm:scene3d>
+      <a:camera prst="orthographicFront"/>
+      <a:lightRig rig="threePt" dir="t"/>
+    </dgm:scene3d>
+    <dgm:sp3d/>
+    <dgm:txPr/>
+    <dgm:style>
+      <a:lnRef idx="2">
+        <a:scrgbClr r="0" g="0" b="0"/>
+      </a:lnRef>
+      <a:fillRef idx="1">
+        <a:scrgbClr r="0" g="0" b="0"/>
+      </a:fillRef>
+      <a:effectRef idx="0">
+        <a:scrgbClr r="0" g="0" b="0"/>
+      </a:effectRef>
+      <a:fontRef idx="minor">
+        <a:schemeClr val="lt1"/>
+      </a:fontRef>
+    </dgm:style>
+  </dgm:styleLbl>
+  <dgm:styleLbl name="asst3">
+    <dgm:scene3d>
+      <a:camera prst="orthographicFront"/>
+      <a:lightRig rig="threePt" dir="t"/>
+    </dgm:scene3d>
+    <dgm:sp3d/>
+    <dgm:txPr/>
+    <dgm:style>
+      <a:lnRef idx="2">
+        <a:scrgbClr r="0" g="0" b="0"/>
+      </a:lnRef>
+      <a:fillRef idx="1">
+        <a:scrgbClr r="0" g="0" b="0"/>
+      </a:fillRef>
+      <a:effectRef idx="0">
+        <a:scrgbClr r="0" g="0" b="0"/>
+      </a:effectRef>
+      <a:fontRef idx="minor">
+        <a:schemeClr val="lt1"/>
+      </a:fontRef>
+    </dgm:style>
+  </dgm:styleLbl>
+  <dgm:styleLbl name="asst4">
+    <dgm:scene3d>
+      <a:camera prst="orthographicFront"/>
+      <a:lightRig rig="threePt" dir="t"/>
+    </dgm:scene3d>
+    <dgm:sp3d/>
+    <dgm:txPr/>
+    <dgm:style>
+      <a:lnRef idx="2">
+        <a:scrgbClr r="0" g="0" b="0"/>
+      </a:lnRef>
+      <a:fillRef idx="1">
+        <a:scrgbClr r="0" g="0" b="0"/>
+      </a:fillRef>
+      <a:effectRef idx="0">
+        <a:scrgbClr r="0" g="0" b="0"/>
+      </a:effectRef>
+      <a:fontRef idx="minor">
+        <a:schemeClr val="lt1"/>
+      </a:fontRef>
+    </dgm:style>
+  </dgm:styleLbl>
+  <dgm:styleLbl name="parChTrans2D1">
+    <dgm:scene3d>
+      <a:camera prst="orthographicFront"/>
+      <a:lightRig rig="threePt" dir="t"/>
+    </dgm:scene3d>
+    <dgm:sp3d/>
+    <dgm:txPr/>
+    <dgm:style>
+      <a:lnRef idx="2">
+        <a:scrgbClr r="0" g="0" b="0"/>
+      </a:lnRef>
+      <a:fillRef idx="1">
+        <a:scrgbClr r="0" g="0" b="0"/>
+      </a:fillRef>
+      <a:effectRef idx="0">
+        <a:scrgbClr r="0" g="0" b="0"/>
+      </a:effectRef>
+      <a:fontRef idx="minor">
+        <a:schemeClr val="lt1"/>
+      </a:fontRef>
+    </dgm:style>
+  </dgm:styleLbl>
+  <dgm:styleLbl name="parChTrans2D2">
+    <dgm:scene3d>
+      <a:camera prst="orthographicFront"/>
+      <a:lightRig rig="threePt" dir="t"/>
+    </dgm:scene3d>
+    <dgm:sp3d/>
+    <dgm:txPr/>
+    <dgm:style>
+      <a:lnRef idx="2">
+        <a:scrgbClr r="0" g="0" b="0"/>
+      </a:lnRef>
+      <a:fillRef idx="1">
+        <a:scrgbClr r="0" g="0" b="0"/>
+      </a:fillRef>
+      <a:effectRef idx="0">
+        <a:scrgbClr r="0" g="0" b="0"/>
+      </a:effectRef>
+      <a:fontRef idx="minor">
+        <a:schemeClr val="lt1"/>
+      </a:fontRef>
+    </dgm:style>
+  </dgm:styleLbl>
+  <dgm:styleLbl name="parChTrans2D3">
+    <dgm:scene3d>
+      <a:camera prst="orthographicFront"/>
+      <a:lightRig rig="threePt" dir="t"/>
+    </dgm:scene3d>
+    <dgm:sp3d/>
+    <dgm:txPr/>
+    <dgm:style>
+      <a:lnRef idx="2">
+        <a:scrgbClr r="0" g="0" b="0"/>
+      </a:lnRef>
+      <a:fillRef idx="1">
+        <a:scrgbClr r="0" g="0" b="0"/>
+      </a:fillRef>
+      <a:effectRef idx="0">
+        <a:scrgbClr r="0" g="0" b="0"/>
+      </a:effectRef>
+      <a:fontRef idx="minor">
+        <a:schemeClr val="lt1"/>
+      </a:fontRef>
+    </dgm:style>
+  </dgm:styleLbl>
+  <dgm:styleLbl name="parChTrans2D4">
+    <dgm:scene3d>
+      <a:camera prst="orthographicFront"/>
+      <a:lightRig rig="threePt" dir="t"/>
+    </dgm:scene3d>
+    <dgm:sp3d/>
+    <dgm:txPr/>
+    <dgm:style>
+      <a:lnRef idx="2">
+        <a:scrgbClr r="0" g="0" b="0"/>
+      </a:lnRef>
+      <a:fillRef idx="1">
+        <a:scrgbClr r="0" g="0" b="0"/>
+      </a:fillRef>
+      <a:effectRef idx="0">
+        <a:scrgbClr r="0" g="0" b="0"/>
+      </a:effectRef>
+      <a:fontRef idx="minor">
+        <a:schemeClr val="lt1"/>
+      </a:fontRef>
+    </dgm:style>
+  </dgm:styleLbl>
+  <dgm:styleLbl name="parChTrans1D1">
+    <dgm:scene3d>
+      <a:camera prst="orthographicFront"/>
+      <a:lightRig rig="threePt" dir="t"/>
+    </dgm:scene3d>
+    <dgm:sp3d/>
+    <dgm:txPr/>
+    <dgm:style>
+      <a:lnRef idx="2">
+        <a:scrgbClr r="0" g="0" b="0"/>
+      </a:lnRef>
+      <a:fillRef idx="0">
+        <a:scrgbClr r="0" g="0" b="0"/>
+      </a:fillRef>
+      <a:effectRef idx="0">
+        <a:scrgbClr r="0" g="0" b="0"/>
+      </a:effectRef>
+      <a:fontRef idx="minor"/>
+    </dgm:style>
+  </dgm:styleLbl>
+  <dgm:styleLbl name="parChTrans1D2">
+    <dgm:scene3d>
+      <a:camera prst="orthographicFront"/>
+      <a:lightRig rig="threePt" dir="t"/>
+    </dgm:scene3d>
+    <dgm:sp3d/>
+    <dgm:txPr/>
+    <dgm:style>
+      <a:lnRef idx="2">
+        <a:scrgbClr r="0" g="0" b="0"/>
+      </a:lnRef>
+      <a:fillRef idx="0">
+        <a:scrgbClr r="0" g="0" b="0"/>
+      </a:fillRef>
+      <a:effectRef idx="0">
+        <a:scrgbClr r="0" g="0" b="0"/>
+      </a:effectRef>
+      <a:fontRef idx="minor"/>
+    </dgm:style>
+  </dgm:styleLbl>
+  <dgm:styleLbl name="parChTrans1D3">
+    <dgm:scene3d>
+      <a:camera prst="orthographicFront"/>
+      <a:lightRig rig="threePt" dir="t"/>
+    </dgm:scene3d>
+    <dgm:sp3d/>
+    <dgm:txPr/>
+    <dgm:style>
+      <a:lnRef idx="2">
+        <a:scrgbClr r="0" g="0" b="0"/>
+      </a:lnRef>
+      <a:fillRef idx="0">
+        <a:scrgbClr r="0" g="0" b="0"/>
+      </a:fillRef>
+      <a:effectRef idx="0">
+        <a:scrgbClr r="0" g="0" b="0"/>
+      </a:effectRef>
+      <a:fontRef idx="minor"/>
+    </dgm:style>
+  </dgm:styleLbl>
+  <dgm:styleLbl name="parChTrans1D4">
+    <dgm:scene3d>
+      <a:camera prst="orthographicFront"/>
+      <a:lightRig rig="threePt" dir="t"/>
+    </dgm:scene3d>
+    <dgm:sp3d/>
+    <dgm:txPr/>
+    <dgm:style>
+      <a:lnRef idx="2">
+        <a:scrgbClr r="0" g="0" b="0"/>
+      </a:lnRef>
+      <a:fillRef idx="0">
+        <a:scrgbClr r="0" g="0" b="0"/>
+      </a:fillRef>
+      <a:effectRef idx="0">
+        <a:scrgbClr r="0" g="0" b="0"/>
+      </a:effectRef>
+      <a:fontRef idx="minor"/>
+    </dgm:style>
+  </dgm:styleLbl>
+  <dgm:styleLbl name="fgAcc1">
+    <dgm:scene3d>
+      <a:camera prst="orthographicFront"/>
+      <a:lightRig rig="threePt" dir="t"/>
+    </dgm:scene3d>
+    <dgm:sp3d/>
+    <dgm:txPr/>
+    <dgm:style>
+      <a:lnRef idx="2">
+        <a:scrgbClr r="0" g="0" b="0"/>
+      </a:lnRef>
+      <a:fillRef idx="1">
+        <a:scrgbClr r="0" g="0" b="0"/>
+      </a:fillRef>
+      <a:effectRef idx="0">
+        <a:scrgbClr r="0" g="0" b="0"/>
+      </a:effectRef>
+      <a:fontRef idx="minor"/>
+    </dgm:style>
+  </dgm:styleLbl>
+  <dgm:styleLbl name="conFgAcc1">
+    <dgm:scene3d>
+      <a:camera prst="orthographicFront"/>
+      <a:lightRig rig="threePt" dir="t"/>
+    </dgm:scene3d>
+    <dgm:sp3d/>
+    <dgm:txPr/>
+    <dgm:style>
+      <a:lnRef idx="2">
+        <a:scrgbClr r="0" g="0" b="0"/>
+      </a:lnRef>
+      <a:fillRef idx="1">
+        <a:scrgbClr r="0" g="0" b="0"/>
+      </a:fillRef>
+      <a:effectRef idx="0">
+        <a:scrgbClr r="0" g="0" b="0"/>
+      </a:effectRef>
+      <a:fontRef idx="minor"/>
+    </dgm:style>
+  </dgm:styleLbl>
+  <dgm:styleLbl name="alignAcc1">
+    <dgm:scene3d>
+      <a:camera prst="orthographicFront"/>
+      <a:lightRig rig="threePt" dir="t"/>
+    </dgm:scene3d>
+    <dgm:sp3d/>
+    <dgm:txPr/>
+    <dgm:style>
+      <a:lnRef idx="2">
+        <a:scrgbClr r="0" g="0" b="0"/>
+      </a:lnRef>
+      <a:fillRef idx="1">
+        <a:scrgbClr r="0" g="0" b="0"/>
+      </a:fillRef>
+      <a:effectRef idx="0">
+        <a:scrgbClr r="0" g="0" b="0"/>
+      </a:effectRef>
+      <a:fontRef idx="minor"/>
+    </dgm:style>
+  </dgm:styleLbl>
+  <dgm:styleLbl name="trAlignAcc1">
+    <dgm:scene3d>
+      <a:camera prst="orthographicFront"/>
+      <a:lightRig rig="threePt" dir="t"/>
+    </dgm:scene3d>
+    <dgm:sp3d/>
+    <dgm:txPr/>
+    <dgm:style>
+      <a:lnRef idx="1">
+        <a:scrgbClr r="0" g="0" b="0"/>
+      </a:lnRef>
+      <a:fillRef idx="1">
+        <a:scrgbClr r="0" g="0" b="0"/>
+      </a:fillRef>
+      <a:effectRef idx="0">
+        <a:scrgbClr r="0" g="0" b="0"/>
+      </a:effectRef>
+      <a:fontRef idx="minor"/>
+    </dgm:style>
+  </dgm:styleLbl>
+  <dgm:styleLbl name="bgAcc1">
+    <dgm:scene3d>
+      <a:camera prst="orthographicFront"/>
+      <a:lightRig rig="threePt" dir="t"/>
+    </dgm:scene3d>
+    <dgm:sp3d/>
+    <dgm:txPr/>
+    <dgm:style>
+      <a:lnRef idx="2">
+        <a:scrgbClr r="0" g="0" b="0"/>
+      </a:lnRef>
+      <a:fillRef idx="1">
+        <a:scrgbClr r="0" g="0" b="0"/>
+      </a:fillRef>
+      <a:effectRef idx="0">
+        <a:scrgbClr r="0" g="0" b="0"/>
+      </a:effectRef>
+      <a:fontRef idx="minor"/>
+    </dgm:style>
+  </dgm:styleLbl>
+  <dgm:styleLbl name="solidFgAcc1">
+    <dgm:scene3d>
+      <a:camera prst="orthographicFront"/>
+      <a:lightRig rig="threePt" dir="t"/>
+    </dgm:scene3d>
+    <dgm:sp3d/>
+    <dgm:txPr/>
+    <dgm:style>
+      <a:lnRef idx="2">
+        <a:scrgbClr r="0" g="0" b="0"/>
+      </a:lnRef>
+      <a:fillRef idx="1">
+        <a:scrgbClr r="0" g="0" b="0"/>
+      </a:fillRef>
+      <a:effectRef idx="0">
+        <a:scrgbClr r="0" g="0" b="0"/>
+      </a:effectRef>
+      <a:fontRef idx="minor"/>
+    </dgm:style>
+  </dgm:styleLbl>
+  <dgm:styleLbl name="solidAlignAcc1">
+    <dgm:scene3d>
+      <a:camera prst="orthographicFront"/>
+      <a:lightRig rig="threePt" dir="t"/>
+    </dgm:scene3d>
+    <dgm:sp3d/>
+    <dgm:txPr/>
+    <dgm:style>
+      <a:lnRef idx="2">
+        <a:scrgbClr r="0" g="0" b="0"/>
+      </a:lnRef>
+      <a:fillRef idx="1">
+        <a:scrgbClr r="0" g="0" b="0"/>
+      </a:fillRef>
+      <a:effectRef idx="0">
+        <a:scrgbClr r="0" g="0" b="0"/>
+      </a:effectRef>
+      <a:fontRef idx="minor"/>
+    </dgm:style>
+  </dgm:styleLbl>
+  <dgm:styleLbl name="solidBgAcc1">
+    <dgm:scene3d>
+      <a:camera prst="orthographicFront"/>
+      <a:lightRig rig="threePt" dir="t"/>
+    </dgm:scene3d>
+    <dgm:sp3d/>
+    <dgm:txPr/>
+    <dgm:style>
+      <a:lnRef idx="2">
+        <a:scrgbClr r="0" g="0" b="0"/>
+      </a:lnRef>
+      <a:fillRef idx="1">
+        <a:scrgbClr r="0" g="0" b="0"/>
+      </a:fillRef>
+      <a:effectRef idx="0">
+        <a:scrgbClr r="0" g="0" b="0"/>
+      </a:effectRef>
+      <a:fontRef idx="minor"/>
+    </dgm:style>
+  </dgm:styleLbl>
+  <dgm:styleLbl name="fgAccFollowNode1">
+    <dgm:scene3d>
+      <a:camera prst="orthographicFront"/>
+      <a:lightRig rig="threePt" dir="t"/>
+    </dgm:scene3d>
+    <dgm:sp3d/>
+    <dgm:txPr/>
+    <dgm:style>
+      <a:lnRef idx="2">
+        <a:scrgbClr r="0" g="0" b="0"/>
+      </a:lnRef>
+      <a:fillRef idx="1">
+        <a:scrgbClr r="0" g="0" b="0"/>
+      </a:fillRef>
+      <a:effectRef idx="0">
+        <a:scrgbClr r="0" g="0" b="0"/>
+      </a:effectRef>
+      <a:fontRef idx="minor"/>
+    </dgm:style>
+  </dgm:styleLbl>
+  <dgm:styleLbl name="alignAccFollowNode1">
+    <dgm:scene3d>
+      <a:camera prst="orthographicFront"/>
+      <a:lightRig rig="threePt" dir="t"/>
+    </dgm:scene3d>
+    <dgm:sp3d/>
+    <dgm:txPr/>
+    <dgm:style>
+      <a:lnRef idx="2">
+        <a:scrgbClr r="0" g="0" b="0"/>
+      </a:lnRef>
+      <a:fillRef idx="1">
+        <a:scrgbClr r="0" g="0" b="0"/>
+      </a:fillRef>
+      <a:effectRef idx="0">
+        <a:scrgbClr r="0" g="0" b="0"/>
+      </a:effectRef>
+      <a:fontRef idx="minor"/>
+    </dgm:style>
+  </dgm:styleLbl>
+  <dgm:styleLbl name="bgAccFollowNode1">
+    <dgm:scene3d>
+      <a:camera prst="orthographicFront"/>
+      <a:lightRig rig="threePt" dir="t"/>
+    </dgm:scene3d>
+    <dgm:sp3d/>
+    <dgm:txPr/>
+    <dgm:style>
+      <a:lnRef idx="2">
+        <a:scrgbClr r="0" g="0" b="0"/>
+      </a:lnRef>
+      <a:fillRef idx="1">
+        <a:scrgbClr r="0" g="0" b="0"/>
+      </a:fillRef>
+      <a:effectRef idx="0">
+        <a:scrgbClr r="0" g="0" b="0"/>
+      </a:effectRef>
+      <a:fontRef idx="minor"/>
+    </dgm:style>
+  </dgm:styleLbl>
+  <dgm:styleLbl name="fgAcc0">
+    <dgm:scene3d>
+      <a:camera prst="orthographicFront"/>
+      <a:lightRig rig="threePt" dir="t"/>
+    </dgm:scene3d>
+    <dgm:sp3d/>
+    <dgm:txPr/>
+    <dgm:style>
+      <a:lnRef idx="2">
+        <a:scrgbClr r="0" g="0" b="0"/>
+      </a:lnRef>
+      <a:fillRef idx="1">
+        <a:scrgbClr r="0" g="0" b="0"/>
+      </a:fillRef>
+      <a:effectRef idx="0">
+        <a:scrgbClr r="0" g="0" b="0"/>
+      </a:effectRef>
+      <a:fontRef idx="minor"/>
+    </dgm:style>
+  </dgm:styleLbl>
+  <dgm:styleLbl name="fgAcc2">
+    <dgm:scene3d>
+      <a:camera prst="orthographicFront"/>
+      <a:lightRig rig="threePt" dir="t"/>
+    </dgm:scene3d>
+    <dgm:sp3d/>
+    <dgm:txPr/>
+    <dgm:style>
+      <a:lnRef idx="2">
+        <a:scrgbClr r="0" g="0" b="0"/>
+      </a:lnRef>
+      <a:fillRef idx="1">
+        <a:scrgbClr r="0" g="0" b="0"/>
+      </a:fillRef>
+      <a:effectRef idx="0">
+        <a:scrgbClr r="0" g="0" b="0"/>
+      </a:effectRef>
+      <a:fontRef idx="minor"/>
+    </dgm:style>
+  </dgm:styleLbl>
+  <dgm:styleLbl name="fgAcc3">
+    <dgm:scene3d>
+      <a:camera prst="orthographicFront"/>
+      <a:lightRig rig="threePt" dir="t"/>
+    </dgm:scene3d>
+    <dgm:sp3d/>
+    <dgm:txPr/>
+    <dgm:style>
+      <a:lnRef idx="2">
+        <a:scrgbClr r="0" g="0" b="0"/>
+      </a:lnRef>
+      <a:fillRef idx="1">
+        <a:scrgbClr r="0" g="0" b="0"/>
+      </a:fillRef>
+      <a:effectRef idx="0">
+        <a:scrgbClr r="0" g="0" b="0"/>
+      </a:effectRef>
+      <a:fontRef idx="minor"/>
+    </dgm:style>
+  </dgm:styleLbl>
+  <dgm:styleLbl name="fgAcc4">
+    <dgm:scene3d>
+      <a:camera prst="orthographicFront"/>
+      <a:lightRig rig="threePt" dir="t"/>
+    </dgm:scene3d>
+    <dgm:sp3d/>
+    <dgm:txPr/>
+    <dgm:style>
+      <a:lnRef idx="2">
+        <a:scrgbClr r="0" g="0" b="0"/>
+      </a:lnRef>
+      <a:fillRef idx="1">
+        <a:scrgbClr r="0" g="0" b="0"/>
+      </a:fillRef>
+      <a:effectRef idx="0">
+        <a:scrgbClr r="0" g="0" b="0"/>
+      </a:effectRef>
+      <a:fontRef idx="minor"/>
+    </dgm:style>
+  </dgm:styleLbl>
+  <dgm:styleLbl name="bgShp">
+    <dgm:scene3d>
+      <a:camera prst="orthographicFront"/>
+      <a:lightRig rig="threePt" dir="t"/>
+    </dgm:scene3d>
+    <dgm:sp3d/>
+    <dgm:txPr/>
+    <dgm:style>
+      <a:lnRef idx="0">
+        <a:scrgbClr r="0" g="0" b="0"/>
+      </a:lnRef>
+      <a:fillRef idx="1">
+        <a:scrgbClr r="0" g="0" b="0"/>
+      </a:fillRef>
+      <a:effectRef idx="0">
+        <a:scrgbClr r="0" g="0" b="0"/>
+      </a:effectRef>
+      <a:fontRef idx="minor"/>
+    </dgm:style>
+  </dgm:styleLbl>
+  <dgm:styleLbl name="dkBgShp">
+    <dgm:scene3d>
+      <a:camera prst="orthographicFront"/>
+      <a:lightRig rig="threePt" dir="t"/>
+    </dgm:scene3d>
+    <dgm:sp3d/>
+    <dgm:txPr/>
+    <dgm:style>
+      <a:lnRef idx="0">
+        <a:scrgbClr r="0" g="0" b="0"/>
+      </a:lnRef>
+      <a:fillRef idx="1">
+        <a:scrgbClr r="0" g="0" b="0"/>
+      </a:fillRef>
+      <a:effectRef idx="0">
+        <a:scrgbClr r="0" g="0" b="0"/>
+      </a:effectRef>
+      <a:fontRef idx="minor"/>
+    </dgm:style>
+  </dgm:styleLbl>
+  <dgm:styleLbl name="trBgShp">
+    <dgm:scene3d>
+      <a:camera prst="orthographicFront"/>
+      <a:lightRig rig="threePt" dir="t"/>
+    </dgm:scene3d>
+    <dgm:sp3d/>
+    <dgm:txPr/>
+    <dgm:style>
+      <a:lnRef idx="0">
+        <a:scrgbClr r="0" g="0" b="0"/>
+      </a:lnRef>
+      <a:fillRef idx="1">
+        <a:scrgbClr r="0" g="0" b="0"/>
+      </a:fillRef>
+      <a:effectRef idx="0">
+        <a:scrgbClr r="0" g="0" b="0"/>
+      </a:effectRef>
+      <a:fontRef idx="minor"/>
+    </dgm:style>
+  </dgm:styleLbl>
+  <dgm:styleLbl name="fgShp">
+    <dgm:scene3d>
+      <a:camera prst="orthographicFront"/>
+      <a:lightRig rig="threePt" dir="t"/>
+    </dgm:scene3d>
+    <dgm:sp3d/>
+    <dgm:txPr/>
+    <dgm:style>
+      <a:lnRef idx="2">
+        <a:scrgbClr r="0" g="0" b="0"/>
+      </a:lnRef>
+      <a:fillRef idx="1">
+        <a:scrgbClr r="0" g="0" b="0"/>
+      </a:fillRef>
+      <a:effectRef idx="0">
+        <a:scrgbClr r="0" g="0" b="0"/>
+      </a:effectRef>
+      <a:fontRef idx="minor"/>
+    </dgm:style>
+  </dgm:styleLbl>
+  <dgm:styleLbl name="revTx">
+    <dgm:scene3d>
+      <a:camera prst="orthographicFront"/>
+      <a:lightRig rig="threePt" dir="t"/>
+    </dgm:scene3d>
+    <dgm:sp3d/>
+    <dgm:txPr/>
+    <dgm:style>
+      <a:lnRef idx="0">
+        <a:scrgbClr r="0" g="0" b="0"/>
+      </a:lnRef>
+      <a:fillRef idx="0">
+        <a:scrgbClr r="0" g="0" b="0"/>
+      </a:fillRef>
+      <a:effectRef idx="0">
+        <a:scrgbClr r="0" g="0" b="0"/>
+      </a:effectRef>
+      <a:fontRef idx="minor"/>
+    </dgm:style>
+  </dgm:styleLbl>
+</dgm:styleDef>
 </file>
 
 <file path=ppt/notesMasters/notesMaster1.xml><?xml version="1.0" encoding="utf-8"?>
@@ -664,6 +4072,174 @@
             <a:fld id="{28A6EDC2-D838-415A-B0B6-C8E5FDBBE5E5}" type="slidenum">
               <a:rPr lang="en-US" smtClean="0"/>
               <a:t>6</a:t>
+            </a:fld>
+            <a:endParaRPr lang="en-US"/>
+          </a:p>
+        </p:txBody>
+      </p:sp>
+    </p:spTree>
+    <p:extLst>
+      <p:ext uri="{BB962C8B-B14F-4D97-AF65-F5344CB8AC3E}">
+        <p14:creationId xmlns:p14="http://schemas.microsoft.com/office/powerpoint/2010/main" val="2912625303"/>
+      </p:ext>
+    </p:extLst>
+  </p:cSld>
+  <p:clrMapOvr>
+    <a:masterClrMapping/>
+  </p:clrMapOvr>
+</p:notes>
+</file>
+
+<file path=ppt/notesSlides/notesSlide3.xml><?xml version="1.0" encoding="utf-8"?>
+<p:notes xmlns:a="http://schemas.openxmlformats.org/drawingml/2006/main" xmlns:r="http://schemas.openxmlformats.org/officeDocument/2006/relationships" xmlns:p="http://schemas.openxmlformats.org/presentationml/2006/main">
+  <p:cSld>
+    <p:spTree>
+      <p:nvGrpSpPr>
+        <p:cNvPr id="1" name=""/>
+        <p:cNvGrpSpPr/>
+        <p:nvPr/>
+      </p:nvGrpSpPr>
+      <p:grpSpPr>
+        <a:xfrm>
+          <a:off x="0" y="0"/>
+          <a:ext cx="0" cy="0"/>
+          <a:chOff x="0" y="0"/>
+          <a:chExt cx="0" cy="0"/>
+        </a:xfrm>
+      </p:grpSpPr>
+      <p:sp>
+        <p:nvSpPr>
+          <p:cNvPr id="2" name="Slide Image Placeholder 1"/>
+          <p:cNvSpPr>
+            <a:spLocks noGrp="1" noRot="1" noChangeAspect="1"/>
+          </p:cNvSpPr>
+          <p:nvPr>
+            <p:ph type="sldImg"/>
+          </p:nvPr>
+        </p:nvSpPr>
+        <p:spPr/>
+      </p:sp>
+      <p:sp>
+        <p:nvSpPr>
+          <p:cNvPr id="3" name="Notes Placeholder 2"/>
+          <p:cNvSpPr>
+            <a:spLocks noGrp="1"/>
+          </p:cNvSpPr>
+          <p:nvPr>
+            <p:ph type="body" idx="1"/>
+          </p:nvPr>
+        </p:nvSpPr>
+        <p:spPr/>
+        <p:txBody>
+          <a:bodyPr/>
+          <a:lstStyle/>
+          <a:p>
+            <a:endParaRPr lang="en-US" dirty="0"/>
+          </a:p>
+        </p:txBody>
+      </p:sp>
+      <p:sp>
+        <p:nvSpPr>
+          <p:cNvPr id="4" name="Slide Number Placeholder 3"/>
+          <p:cNvSpPr>
+            <a:spLocks noGrp="1"/>
+          </p:cNvSpPr>
+          <p:nvPr>
+            <p:ph type="sldNum" sz="quarter" idx="10"/>
+          </p:nvPr>
+        </p:nvSpPr>
+        <p:spPr/>
+        <p:txBody>
+          <a:bodyPr/>
+          <a:lstStyle/>
+          <a:p>
+            <a:fld id="{28A6EDC2-D838-415A-B0B6-C8E5FDBBE5E5}" type="slidenum">
+              <a:rPr lang="en-US" smtClean="0"/>
+              <a:t>7</a:t>
+            </a:fld>
+            <a:endParaRPr lang="en-US"/>
+          </a:p>
+        </p:txBody>
+      </p:sp>
+    </p:spTree>
+    <p:extLst>
+      <p:ext uri="{BB962C8B-B14F-4D97-AF65-F5344CB8AC3E}">
+        <p14:creationId xmlns:p14="http://schemas.microsoft.com/office/powerpoint/2010/main" val="3701410713"/>
+      </p:ext>
+    </p:extLst>
+  </p:cSld>
+  <p:clrMapOvr>
+    <a:masterClrMapping/>
+  </p:clrMapOvr>
+</p:notes>
+</file>
+
+<file path=ppt/notesSlides/notesSlide4.xml><?xml version="1.0" encoding="utf-8"?>
+<p:notes xmlns:a="http://schemas.openxmlformats.org/drawingml/2006/main" xmlns:r="http://schemas.openxmlformats.org/officeDocument/2006/relationships" xmlns:p="http://schemas.openxmlformats.org/presentationml/2006/main">
+  <p:cSld>
+    <p:spTree>
+      <p:nvGrpSpPr>
+        <p:cNvPr id="1" name=""/>
+        <p:cNvGrpSpPr/>
+        <p:nvPr/>
+      </p:nvGrpSpPr>
+      <p:grpSpPr>
+        <a:xfrm>
+          <a:off x="0" y="0"/>
+          <a:ext cx="0" cy="0"/>
+          <a:chOff x="0" y="0"/>
+          <a:chExt cx="0" cy="0"/>
+        </a:xfrm>
+      </p:grpSpPr>
+      <p:sp>
+        <p:nvSpPr>
+          <p:cNvPr id="2" name="Slide Image Placeholder 1"/>
+          <p:cNvSpPr>
+            <a:spLocks noGrp="1" noRot="1" noChangeAspect="1"/>
+          </p:cNvSpPr>
+          <p:nvPr>
+            <p:ph type="sldImg"/>
+          </p:nvPr>
+        </p:nvSpPr>
+        <p:spPr/>
+      </p:sp>
+      <p:sp>
+        <p:nvSpPr>
+          <p:cNvPr id="3" name="Notes Placeholder 2"/>
+          <p:cNvSpPr>
+            <a:spLocks noGrp="1"/>
+          </p:cNvSpPr>
+          <p:nvPr>
+            <p:ph type="body" idx="1"/>
+          </p:nvPr>
+        </p:nvSpPr>
+        <p:spPr/>
+        <p:txBody>
+          <a:bodyPr/>
+          <a:lstStyle/>
+          <a:p>
+            <a:endParaRPr lang="en-US" dirty="0"/>
+          </a:p>
+        </p:txBody>
+      </p:sp>
+      <p:sp>
+        <p:nvSpPr>
+          <p:cNvPr id="4" name="Slide Number Placeholder 3"/>
+          <p:cNvSpPr>
+            <a:spLocks noGrp="1"/>
+          </p:cNvSpPr>
+          <p:nvPr>
+            <p:ph type="sldNum" sz="quarter" idx="10"/>
+          </p:nvPr>
+        </p:nvSpPr>
+        <p:spPr/>
+        <p:txBody>
+          <a:bodyPr/>
+          <a:lstStyle/>
+          <a:p>
+            <a:fld id="{28A6EDC2-D838-415A-B0B6-C8E5FDBBE5E5}" type="slidenum">
+              <a:rPr lang="en-US" smtClean="0"/>
+              <a:t>9</a:t>
             </a:fld>
             <a:endParaRPr lang="en-US"/>
           </a:p>
@@ -14882,6 +18458,184 @@
     <p:extLst>
       <p:ext uri="{BB962C8B-B14F-4D97-AF65-F5344CB8AC3E}">
         <p14:creationId xmlns:p14="http://schemas.microsoft.com/office/powerpoint/2010/main" val="3733556040"/>
+      </p:ext>
+    </p:extLst>
+  </p:cSld>
+  <p:clrMapOvr>
+    <a:masterClrMapping/>
+  </p:clrMapOvr>
+  <p:timing>
+    <p:tnLst>
+      <p:par>
+        <p:cTn id="1" dur="indefinite" restart="never" nodeType="tmRoot"/>
+      </p:par>
+    </p:tnLst>
+  </p:timing>
+</p:sld>
+</file>
+
+<file path=ppt/slides/slide10.xml><?xml version="1.0" encoding="utf-8"?>
+<p:sld xmlns:a="http://schemas.openxmlformats.org/drawingml/2006/main" xmlns:r="http://schemas.openxmlformats.org/officeDocument/2006/relationships" xmlns:p="http://schemas.openxmlformats.org/presentationml/2006/main">
+  <p:cSld>
+    <p:spTree>
+      <p:nvGrpSpPr>
+        <p:cNvPr id="1" name=""/>
+        <p:cNvGrpSpPr/>
+        <p:nvPr/>
+      </p:nvGrpSpPr>
+      <p:grpSpPr>
+        <a:xfrm>
+          <a:off x="0" y="0"/>
+          <a:ext cx="0" cy="0"/>
+          <a:chOff x="0" y="0"/>
+          <a:chExt cx="0" cy="0"/>
+        </a:xfrm>
+      </p:grpSpPr>
+      <p:sp>
+        <p:nvSpPr>
+          <p:cNvPr id="2" name="Title 1"/>
+          <p:cNvSpPr>
+            <a:spLocks noGrp="1"/>
+          </p:cNvSpPr>
+          <p:nvPr>
+            <p:ph type="title"/>
+          </p:nvPr>
+        </p:nvSpPr>
+        <p:spPr/>
+        <p:txBody>
+          <a:bodyPr/>
+          <a:lstStyle/>
+          <a:p>
+            <a:r>
+              <a:rPr lang="en-US" dirty="0" smtClean="0"/>
+              <a:t>Basecamp &amp; </a:t>
+            </a:r>
+            <a:r>
+              <a:rPr lang="en-US" dirty="0" err="1" smtClean="0"/>
+              <a:t>GitHub</a:t>
+            </a:r>
+            <a:endParaRPr lang="en-US" dirty="0"/>
+          </a:p>
+        </p:txBody>
+      </p:sp>
+      <p:sp>
+        <p:nvSpPr>
+          <p:cNvPr id="3" name="Content Placeholder 2"/>
+          <p:cNvSpPr>
+            <a:spLocks noGrp="1"/>
+          </p:cNvSpPr>
+          <p:nvPr>
+            <p:ph idx="1"/>
+          </p:nvPr>
+        </p:nvSpPr>
+        <p:spPr/>
+        <p:txBody>
+          <a:bodyPr/>
+          <a:lstStyle/>
+          <a:p>
+            <a:r>
+              <a:rPr lang="en-US" dirty="0" smtClean="0"/>
+              <a:t>Basecamp: </a:t>
+            </a:r>
+            <a:r>
+              <a:rPr lang="en-US" dirty="0" smtClean="0">
+                <a:hlinkClick r:id="rId2"/>
+              </a:rPr>
+              <a:t>http://opencommgroup.basecamphq.com/</a:t>
+            </a:r>
+            <a:endParaRPr lang="en-US" dirty="0" smtClean="0"/>
+          </a:p>
+          <a:p>
+            <a:r>
+              <a:rPr lang="en-US" dirty="0" smtClean="0"/>
+              <a:t>What </a:t>
+            </a:r>
+            <a:r>
+              <a:rPr lang="en-US" dirty="0" smtClean="0"/>
+              <a:t>is </a:t>
+            </a:r>
+            <a:r>
+              <a:rPr lang="en-US" dirty="0" err="1" smtClean="0"/>
+              <a:t>GitHub</a:t>
+            </a:r>
+            <a:r>
+              <a:rPr lang="en-US" dirty="0" smtClean="0"/>
+              <a:t>?</a:t>
+            </a:r>
+          </a:p>
+          <a:p>
+            <a:r>
+              <a:rPr lang="en-US" dirty="0" smtClean="0"/>
+              <a:t>What is </a:t>
+            </a:r>
+            <a:r>
+              <a:rPr lang="en-US" dirty="0" err="1" smtClean="0"/>
+              <a:t>Git</a:t>
+            </a:r>
+            <a:r>
+              <a:rPr lang="en-US" dirty="0"/>
+              <a:t>? </a:t>
+            </a:r>
+            <a:r>
+              <a:rPr lang="en-US" dirty="0">
+                <a:hlinkClick r:id="rId3"/>
+              </a:rPr>
+              <a:t>http://</a:t>
+            </a:r>
+            <a:r>
+              <a:rPr lang="en-US" dirty="0" smtClean="0">
+                <a:hlinkClick r:id="rId3"/>
+              </a:rPr>
+              <a:t>progit.org/book/ch1-3.html</a:t>
+            </a:r>
+            <a:endParaRPr lang="en-US" dirty="0"/>
+          </a:p>
+          <a:p>
+            <a:r>
+              <a:rPr lang="en-US" dirty="0" smtClean="0"/>
+              <a:t>Set up an account: </a:t>
+            </a:r>
+            <a:r>
+              <a:rPr lang="en-US" dirty="0">
+                <a:hlinkClick r:id="rId4"/>
+              </a:rPr>
+              <a:t>https://</a:t>
+            </a:r>
+            <a:r>
+              <a:rPr lang="en-US" dirty="0" smtClean="0">
+                <a:hlinkClick r:id="rId4"/>
+              </a:rPr>
+              <a:t>github.com/signup/free</a:t>
+            </a:r>
+            <a:endParaRPr lang="en-US" dirty="0"/>
+          </a:p>
+          <a:p>
+            <a:r>
+              <a:rPr lang="en-US" dirty="0" smtClean="0"/>
+              <a:t>Install </a:t>
+            </a:r>
+            <a:r>
+              <a:rPr lang="en-US" dirty="0" err="1" smtClean="0"/>
+              <a:t>Git</a:t>
+            </a:r>
+            <a:r>
+              <a:rPr lang="en-US" dirty="0" smtClean="0"/>
+              <a:t>: </a:t>
+            </a:r>
+            <a:r>
+              <a:rPr lang="en-US" u="sng" dirty="0">
+                <a:hlinkClick r:id="rId5"/>
+              </a:rPr>
+              <a:t>http://help.github.com/win-set-up-git/</a:t>
+            </a:r>
+            <a:endParaRPr lang="en-US" dirty="0"/>
+          </a:p>
+        </p:txBody>
+      </p:sp>
+    </p:spTree>
+    <p:extLst>
+      <p:ext uri="{BB962C8B-B14F-4D97-AF65-F5344CB8AC3E}">
+        <p14:creationId xmlns:p14="http://schemas.microsoft.com/office/powerpoint/2010/main" val="2742056742"/>
       </p:ext>
     </p:extLst>
   </p:cSld>
@@ -17009,6 +20763,1053 @@
           <a:p>
             <a:r>
               <a:rPr lang="en-US" dirty="0" smtClean="0"/>
+              <a:t>Group structure</a:t>
+            </a:r>
+            <a:endParaRPr lang="en-US" dirty="0"/>
+          </a:p>
+        </p:txBody>
+      </p:sp>
+      <p:graphicFrame>
+        <p:nvGraphicFramePr>
+          <p:cNvPr id="4" name="Content Placeholder 3"/>
+          <p:cNvGraphicFramePr>
+            <a:graphicFrameLocks noGrp="1"/>
+          </p:cNvGraphicFramePr>
+          <p:nvPr>
+            <p:ph idx="1"/>
+            <p:extLst>
+              <p:ext uri="{D42A27DB-BD31-4B8C-83A1-F6EECF244321}">
+                <p14:modId xmlns:p14="http://schemas.microsoft.com/office/powerpoint/2010/main" val="2754728505"/>
+              </p:ext>
+            </p:extLst>
+          </p:nvPr>
+        </p:nvGraphicFramePr>
+        <p:xfrm>
+          <a:off x="685800" y="1143000"/>
+          <a:ext cx="7848600" cy="4724400"/>
+        </p:xfrm>
+        <a:graphic>
+          <a:graphicData uri="http://schemas.openxmlformats.org/drawingml/2006/diagram">
+            <dgm:relIds xmlns:dgm="http://schemas.openxmlformats.org/drawingml/2006/diagram" xmlns:r="http://schemas.openxmlformats.org/officeDocument/2006/relationships" r:dm="rId2" r:lo="rId3" r:qs="rId4" r:cs="rId5"/>
+          </a:graphicData>
+        </a:graphic>
+      </p:graphicFrame>
+    </p:spTree>
+    <p:extLst>
+      <p:ext uri="{BB962C8B-B14F-4D97-AF65-F5344CB8AC3E}">
+        <p14:creationId xmlns:p14="http://schemas.microsoft.com/office/powerpoint/2010/main" val="1724886965"/>
+      </p:ext>
+    </p:extLst>
+  </p:cSld>
+  <p:clrMapOvr>
+    <a:masterClrMapping/>
+  </p:clrMapOvr>
+  <p:timing>
+    <p:tnLst>
+      <p:par>
+        <p:cTn id="1" dur="indefinite" restart="never" nodeType="tmRoot"/>
+      </p:par>
+    </p:tnLst>
+  </p:timing>
+</p:sld>
+</file>
+
+<file path=ppt/slides/slide6.xml><?xml version="1.0" encoding="utf-8"?>
+<p:sld xmlns:a="http://schemas.openxmlformats.org/drawingml/2006/main" xmlns:r="http://schemas.openxmlformats.org/officeDocument/2006/relationships" xmlns:p="http://schemas.openxmlformats.org/presentationml/2006/main">
+  <p:cSld>
+    <p:spTree>
+      <p:nvGrpSpPr>
+        <p:cNvPr id="1" name=""/>
+        <p:cNvGrpSpPr/>
+        <p:nvPr/>
+      </p:nvGrpSpPr>
+      <p:grpSpPr>
+        <a:xfrm>
+          <a:off x="0" y="0"/>
+          <a:ext cx="0" cy="0"/>
+          <a:chOff x="0" y="0"/>
+          <a:chExt cx="0" cy="0"/>
+        </a:xfrm>
+      </p:grpSpPr>
+      <p:sp>
+        <p:nvSpPr>
+          <p:cNvPr id="2" name="Title 1"/>
+          <p:cNvSpPr>
+            <a:spLocks noGrp="1"/>
+          </p:cNvSpPr>
+          <p:nvPr>
+            <p:ph type="title"/>
+          </p:nvPr>
+        </p:nvSpPr>
+        <p:spPr/>
+        <p:txBody>
+          <a:bodyPr/>
+          <a:lstStyle/>
+          <a:p>
+            <a:r>
+              <a:rPr lang="en-US" dirty="0" smtClean="0"/>
+              <a:t>Meetings</a:t>
+            </a:r>
+            <a:endParaRPr lang="en-US" dirty="0"/>
+          </a:p>
+        </p:txBody>
+      </p:sp>
+      <p:sp>
+        <p:nvSpPr>
+          <p:cNvPr id="3" name="Content Placeholder 2"/>
+          <p:cNvSpPr>
+            <a:spLocks noGrp="1"/>
+          </p:cNvSpPr>
+          <p:nvPr>
+            <p:ph idx="1"/>
+          </p:nvPr>
+        </p:nvSpPr>
+        <p:spPr>
+          <a:xfrm>
+            <a:off x="685800" y="1219201"/>
+            <a:ext cx="7772400" cy="4572000"/>
+          </a:xfrm>
+        </p:spPr>
+        <p:txBody>
+          <a:bodyPr>
+            <a:normAutofit/>
+          </a:bodyPr>
+          <a:lstStyle/>
+          <a:p>
+            <a:r>
+              <a:rPr lang="en-US" dirty="0" smtClean="0"/>
+              <a:t>Group meeting: 5:30PM, Sundays</a:t>
+            </a:r>
+          </a:p>
+          <a:p>
+            <a:pPr lvl="1"/>
+            <a:r>
+              <a:rPr lang="en-US" dirty="0" smtClean="0"/>
+              <a:t>Article critique</a:t>
+            </a:r>
+            <a:endParaRPr lang="en-US" dirty="0" smtClean="0"/>
+          </a:p>
+          <a:p>
+            <a:pPr lvl="2"/>
+            <a:r>
+              <a:rPr lang="en-US" dirty="0" smtClean="0"/>
+              <a:t>Partner assignments on Basecamp up to 6</a:t>
+            </a:r>
+            <a:r>
+              <a:rPr lang="en-US" baseline="30000" dirty="0" smtClean="0"/>
+              <a:t>th</a:t>
+            </a:r>
+            <a:r>
+              <a:rPr lang="en-US" dirty="0" smtClean="0"/>
+              <a:t> week</a:t>
+            </a:r>
+          </a:p>
+          <a:p>
+            <a:pPr lvl="1"/>
+            <a:r>
+              <a:rPr lang="en-US" dirty="0" smtClean="0"/>
+              <a:t>End of 1</a:t>
+            </a:r>
+            <a:r>
+              <a:rPr lang="en-US" baseline="30000" dirty="0" smtClean="0"/>
+              <a:t>st</a:t>
+            </a:r>
+            <a:r>
+              <a:rPr lang="en-US" dirty="0" smtClean="0"/>
+              <a:t> week of cycle</a:t>
+            </a:r>
+          </a:p>
+          <a:p>
+            <a:pPr lvl="2"/>
+            <a:r>
+              <a:rPr lang="en-US" dirty="0" smtClean="0"/>
+              <a:t>Software </a:t>
+            </a:r>
+            <a:r>
+              <a:rPr lang="en-US" dirty="0" err="1" smtClean="0"/>
+              <a:t>Dev</a:t>
+            </a:r>
+            <a:r>
+              <a:rPr lang="en-US" dirty="0" smtClean="0"/>
+              <a:t>/</a:t>
+            </a:r>
+            <a:r>
+              <a:rPr lang="en-US" dirty="0" err="1" smtClean="0"/>
+              <a:t>HCISec</a:t>
+            </a:r>
+            <a:r>
+              <a:rPr lang="en-US" dirty="0" smtClean="0"/>
+              <a:t>: implementation report</a:t>
+            </a:r>
+          </a:p>
+          <a:p>
+            <a:pPr lvl="2"/>
+            <a:r>
+              <a:rPr lang="en-US" dirty="0" smtClean="0"/>
+              <a:t>Discussion on product requirements</a:t>
+            </a:r>
+          </a:p>
+          <a:p>
+            <a:pPr lvl="1"/>
+            <a:r>
+              <a:rPr lang="en-US" dirty="0" smtClean="0"/>
+              <a:t>End of 2</a:t>
+            </a:r>
+            <a:r>
+              <a:rPr lang="en-US" baseline="30000" dirty="0" smtClean="0"/>
+              <a:t>nd</a:t>
+            </a:r>
+            <a:r>
+              <a:rPr lang="en-US" dirty="0" smtClean="0"/>
+              <a:t> week of cycle</a:t>
+            </a:r>
+          </a:p>
+          <a:p>
+            <a:pPr lvl="2"/>
+            <a:r>
+              <a:rPr lang="en-US" dirty="0" smtClean="0"/>
+              <a:t>Demo of completed product, transfer to Design for testing</a:t>
+            </a:r>
+          </a:p>
+          <a:p>
+            <a:pPr lvl="2"/>
+            <a:r>
+              <a:rPr lang="en-US" dirty="0" smtClean="0"/>
+              <a:t>Distribution of upcoming week’s requirements</a:t>
+            </a:r>
+            <a:endParaRPr lang="en-US" dirty="0" smtClean="0"/>
+          </a:p>
+          <a:p>
+            <a:r>
+              <a:rPr lang="en-US" dirty="0" smtClean="0"/>
+              <a:t>Team meeting: 1 – 2 times/week</a:t>
+            </a:r>
+          </a:p>
+          <a:p>
+            <a:pPr lvl="1"/>
+            <a:r>
+              <a:rPr lang="en-US" dirty="0" smtClean="0"/>
+              <a:t>Scheduled by Team leads as needed</a:t>
+            </a:r>
+          </a:p>
+          <a:p>
+            <a:r>
+              <a:rPr lang="en-US" dirty="0" smtClean="0"/>
+              <a:t>Management meeting: 1 time/week</a:t>
+            </a:r>
+          </a:p>
+          <a:p>
+            <a:pPr lvl="1"/>
+            <a:r>
+              <a:rPr lang="en-US" dirty="0" smtClean="0"/>
+              <a:t>Wednesday evenings online</a:t>
+            </a:r>
+            <a:endParaRPr lang="en-US" dirty="0" smtClean="0"/>
+          </a:p>
+        </p:txBody>
+      </p:sp>
+    </p:spTree>
+    <p:extLst>
+      <p:ext uri="{BB962C8B-B14F-4D97-AF65-F5344CB8AC3E}">
+        <p14:creationId xmlns:p14="http://schemas.microsoft.com/office/powerpoint/2010/main" val="1367654254"/>
+      </p:ext>
+    </p:extLst>
+  </p:cSld>
+  <p:clrMapOvr>
+    <a:masterClrMapping/>
+  </p:clrMapOvr>
+  <p:timing>
+    <p:tnLst>
+      <p:par>
+        <p:cTn id="1" dur="indefinite" restart="never" nodeType="tmRoot">
+          <p:childTnLst>
+            <p:seq concurrent="1" nextAc="seek">
+              <p:cTn id="2" dur="indefinite" nodeType="mainSeq">
+                <p:childTnLst>
+                  <p:par>
+                    <p:cTn id="3" fill="hold">
+                      <p:stCondLst>
+                        <p:cond delay="indefinite"/>
+                      </p:stCondLst>
+                      <p:childTnLst>
+                        <p:par>
+                          <p:cTn id="4" fill="hold">
+                            <p:stCondLst>
+                              <p:cond delay="0"/>
+                            </p:stCondLst>
+                            <p:childTnLst>
+                              <p:par>
+                                <p:cTn id="5" presetID="1" presetClass="entr" presetSubtype="0" fill="hold" grpId="0" nodeType="clickEffect">
+                                  <p:stCondLst>
+                                    <p:cond delay="0"/>
+                                  </p:stCondLst>
+                                  <p:childTnLst>
+                                    <p:set>
+                                      <p:cBhvr>
+                                        <p:cTn id="6" dur="1" fill="hold">
+                                          <p:stCondLst>
+                                            <p:cond delay="0"/>
+                                          </p:stCondLst>
+                                        </p:cTn>
+                                        <p:tgtEl>
+                                          <p:spTgt spid="3">
+                                            <p:txEl>
+                                              <p:pRg st="0" end="0"/>
+                                            </p:txEl>
+                                          </p:spTgt>
+                                        </p:tgtEl>
+                                        <p:attrNameLst>
+                                          <p:attrName>style.visibility</p:attrName>
+                                        </p:attrNameLst>
+                                      </p:cBhvr>
+                                      <p:to>
+                                        <p:strVal val="visible"/>
+                                      </p:to>
+                                    </p:set>
+                                  </p:childTnLst>
+                                </p:cTn>
+                              </p:par>
+                            </p:childTnLst>
+                          </p:cTn>
+                        </p:par>
+                      </p:childTnLst>
+                    </p:cTn>
+                  </p:par>
+                  <p:par>
+                    <p:cTn id="7" fill="hold">
+                      <p:stCondLst>
+                        <p:cond delay="indefinite"/>
+                      </p:stCondLst>
+                      <p:childTnLst>
+                        <p:par>
+                          <p:cTn id="8" fill="hold">
+                            <p:stCondLst>
+                              <p:cond delay="0"/>
+                            </p:stCondLst>
+                            <p:childTnLst>
+                              <p:par>
+                                <p:cTn id="9" presetID="1" presetClass="entr" presetSubtype="0" fill="hold" grpId="0" nodeType="clickEffect">
+                                  <p:stCondLst>
+                                    <p:cond delay="0"/>
+                                  </p:stCondLst>
+                                  <p:childTnLst>
+                                    <p:set>
+                                      <p:cBhvr>
+                                        <p:cTn id="10" dur="1" fill="hold">
+                                          <p:stCondLst>
+                                            <p:cond delay="0"/>
+                                          </p:stCondLst>
+                                        </p:cTn>
+                                        <p:tgtEl>
+                                          <p:spTgt spid="3">
+                                            <p:txEl>
+                                              <p:pRg st="1" end="1"/>
+                                            </p:txEl>
+                                          </p:spTgt>
+                                        </p:tgtEl>
+                                        <p:attrNameLst>
+                                          <p:attrName>style.visibility</p:attrName>
+                                        </p:attrNameLst>
+                                      </p:cBhvr>
+                                      <p:to>
+                                        <p:strVal val="visible"/>
+                                      </p:to>
+                                    </p:set>
+                                  </p:childTnLst>
+                                </p:cTn>
+                              </p:par>
+                              <p:par>
+                                <p:cTn id="11" presetID="1" presetClass="entr" presetSubtype="0" fill="hold" grpId="0" nodeType="withEffect">
+                                  <p:stCondLst>
+                                    <p:cond delay="0"/>
+                                  </p:stCondLst>
+                                  <p:childTnLst>
+                                    <p:set>
+                                      <p:cBhvr>
+                                        <p:cTn id="12" dur="1" fill="hold">
+                                          <p:stCondLst>
+                                            <p:cond delay="0"/>
+                                          </p:stCondLst>
+                                        </p:cTn>
+                                        <p:tgtEl>
+                                          <p:spTgt spid="3">
+                                            <p:txEl>
+                                              <p:pRg st="2" end="2"/>
+                                            </p:txEl>
+                                          </p:spTgt>
+                                        </p:tgtEl>
+                                        <p:attrNameLst>
+                                          <p:attrName>style.visibility</p:attrName>
+                                        </p:attrNameLst>
+                                      </p:cBhvr>
+                                      <p:to>
+                                        <p:strVal val="visible"/>
+                                      </p:to>
+                                    </p:set>
+                                  </p:childTnLst>
+                                </p:cTn>
+                              </p:par>
+                            </p:childTnLst>
+                          </p:cTn>
+                        </p:par>
+                      </p:childTnLst>
+                    </p:cTn>
+                  </p:par>
+                  <p:par>
+                    <p:cTn id="13" fill="hold">
+                      <p:stCondLst>
+                        <p:cond delay="indefinite"/>
+                      </p:stCondLst>
+                      <p:childTnLst>
+                        <p:par>
+                          <p:cTn id="14" fill="hold">
+                            <p:stCondLst>
+                              <p:cond delay="0"/>
+                            </p:stCondLst>
+                            <p:childTnLst>
+                              <p:par>
+                                <p:cTn id="15" presetID="1" presetClass="entr" presetSubtype="0" fill="hold" grpId="0" nodeType="clickEffect">
+                                  <p:stCondLst>
+                                    <p:cond delay="0"/>
+                                  </p:stCondLst>
+                                  <p:childTnLst>
+                                    <p:set>
+                                      <p:cBhvr>
+                                        <p:cTn id="16" dur="1" fill="hold">
+                                          <p:stCondLst>
+                                            <p:cond delay="0"/>
+                                          </p:stCondLst>
+                                        </p:cTn>
+                                        <p:tgtEl>
+                                          <p:spTgt spid="3">
+                                            <p:txEl>
+                                              <p:pRg st="3" end="3"/>
+                                            </p:txEl>
+                                          </p:spTgt>
+                                        </p:tgtEl>
+                                        <p:attrNameLst>
+                                          <p:attrName>style.visibility</p:attrName>
+                                        </p:attrNameLst>
+                                      </p:cBhvr>
+                                      <p:to>
+                                        <p:strVal val="visible"/>
+                                      </p:to>
+                                    </p:set>
+                                  </p:childTnLst>
+                                </p:cTn>
+                              </p:par>
+                              <p:par>
+                                <p:cTn id="17" presetID="1" presetClass="entr" presetSubtype="0" fill="hold" grpId="0" nodeType="withEffect">
+                                  <p:stCondLst>
+                                    <p:cond delay="0"/>
+                                  </p:stCondLst>
+                                  <p:childTnLst>
+                                    <p:set>
+                                      <p:cBhvr>
+                                        <p:cTn id="18" dur="1" fill="hold">
+                                          <p:stCondLst>
+                                            <p:cond delay="0"/>
+                                          </p:stCondLst>
+                                        </p:cTn>
+                                        <p:tgtEl>
+                                          <p:spTgt spid="3">
+                                            <p:txEl>
+                                              <p:pRg st="4" end="4"/>
+                                            </p:txEl>
+                                          </p:spTgt>
+                                        </p:tgtEl>
+                                        <p:attrNameLst>
+                                          <p:attrName>style.visibility</p:attrName>
+                                        </p:attrNameLst>
+                                      </p:cBhvr>
+                                      <p:to>
+                                        <p:strVal val="visible"/>
+                                      </p:to>
+                                    </p:set>
+                                  </p:childTnLst>
+                                </p:cTn>
+                              </p:par>
+                              <p:par>
+                                <p:cTn id="19" presetID="1" presetClass="entr" presetSubtype="0" fill="hold" grpId="0" nodeType="withEffect">
+                                  <p:stCondLst>
+                                    <p:cond delay="0"/>
+                                  </p:stCondLst>
+                                  <p:childTnLst>
+                                    <p:set>
+                                      <p:cBhvr>
+                                        <p:cTn id="20" dur="1" fill="hold">
+                                          <p:stCondLst>
+                                            <p:cond delay="0"/>
+                                          </p:stCondLst>
+                                        </p:cTn>
+                                        <p:tgtEl>
+                                          <p:spTgt spid="3">
+                                            <p:txEl>
+                                              <p:pRg st="5" end="5"/>
+                                            </p:txEl>
+                                          </p:spTgt>
+                                        </p:tgtEl>
+                                        <p:attrNameLst>
+                                          <p:attrName>style.visibility</p:attrName>
+                                        </p:attrNameLst>
+                                      </p:cBhvr>
+                                      <p:to>
+                                        <p:strVal val="visible"/>
+                                      </p:to>
+                                    </p:set>
+                                  </p:childTnLst>
+                                </p:cTn>
+                              </p:par>
+                            </p:childTnLst>
+                          </p:cTn>
+                        </p:par>
+                      </p:childTnLst>
+                    </p:cTn>
+                  </p:par>
+                  <p:par>
+                    <p:cTn id="21" fill="hold">
+                      <p:stCondLst>
+                        <p:cond delay="indefinite"/>
+                      </p:stCondLst>
+                      <p:childTnLst>
+                        <p:par>
+                          <p:cTn id="22" fill="hold">
+                            <p:stCondLst>
+                              <p:cond delay="0"/>
+                            </p:stCondLst>
+                            <p:childTnLst>
+                              <p:par>
+                                <p:cTn id="23" presetID="1" presetClass="entr" presetSubtype="0" fill="hold" grpId="0" nodeType="clickEffect">
+                                  <p:stCondLst>
+                                    <p:cond delay="0"/>
+                                  </p:stCondLst>
+                                  <p:childTnLst>
+                                    <p:set>
+                                      <p:cBhvr>
+                                        <p:cTn id="24" dur="1" fill="hold">
+                                          <p:stCondLst>
+                                            <p:cond delay="0"/>
+                                          </p:stCondLst>
+                                        </p:cTn>
+                                        <p:tgtEl>
+                                          <p:spTgt spid="3">
+                                            <p:txEl>
+                                              <p:pRg st="6" end="6"/>
+                                            </p:txEl>
+                                          </p:spTgt>
+                                        </p:tgtEl>
+                                        <p:attrNameLst>
+                                          <p:attrName>style.visibility</p:attrName>
+                                        </p:attrNameLst>
+                                      </p:cBhvr>
+                                      <p:to>
+                                        <p:strVal val="visible"/>
+                                      </p:to>
+                                    </p:set>
+                                  </p:childTnLst>
+                                </p:cTn>
+                              </p:par>
+                              <p:par>
+                                <p:cTn id="25" presetID="1" presetClass="entr" presetSubtype="0" fill="hold" grpId="0" nodeType="withEffect">
+                                  <p:stCondLst>
+                                    <p:cond delay="0"/>
+                                  </p:stCondLst>
+                                  <p:childTnLst>
+                                    <p:set>
+                                      <p:cBhvr>
+                                        <p:cTn id="26" dur="1" fill="hold">
+                                          <p:stCondLst>
+                                            <p:cond delay="0"/>
+                                          </p:stCondLst>
+                                        </p:cTn>
+                                        <p:tgtEl>
+                                          <p:spTgt spid="3">
+                                            <p:txEl>
+                                              <p:pRg st="7" end="7"/>
+                                            </p:txEl>
+                                          </p:spTgt>
+                                        </p:tgtEl>
+                                        <p:attrNameLst>
+                                          <p:attrName>style.visibility</p:attrName>
+                                        </p:attrNameLst>
+                                      </p:cBhvr>
+                                      <p:to>
+                                        <p:strVal val="visible"/>
+                                      </p:to>
+                                    </p:set>
+                                  </p:childTnLst>
+                                </p:cTn>
+                              </p:par>
+                              <p:par>
+                                <p:cTn id="27" presetID="1" presetClass="entr" presetSubtype="0" fill="hold" grpId="0" nodeType="withEffect">
+                                  <p:stCondLst>
+                                    <p:cond delay="0"/>
+                                  </p:stCondLst>
+                                  <p:childTnLst>
+                                    <p:set>
+                                      <p:cBhvr>
+                                        <p:cTn id="28" dur="1" fill="hold">
+                                          <p:stCondLst>
+                                            <p:cond delay="0"/>
+                                          </p:stCondLst>
+                                        </p:cTn>
+                                        <p:tgtEl>
+                                          <p:spTgt spid="3">
+                                            <p:txEl>
+                                              <p:pRg st="8" end="8"/>
+                                            </p:txEl>
+                                          </p:spTgt>
+                                        </p:tgtEl>
+                                        <p:attrNameLst>
+                                          <p:attrName>style.visibility</p:attrName>
+                                        </p:attrNameLst>
+                                      </p:cBhvr>
+                                      <p:to>
+                                        <p:strVal val="visible"/>
+                                      </p:to>
+                                    </p:set>
+                                  </p:childTnLst>
+                                </p:cTn>
+                              </p:par>
+                            </p:childTnLst>
+                          </p:cTn>
+                        </p:par>
+                      </p:childTnLst>
+                    </p:cTn>
+                  </p:par>
+                  <p:par>
+                    <p:cTn id="29" fill="hold">
+                      <p:stCondLst>
+                        <p:cond delay="indefinite"/>
+                      </p:stCondLst>
+                      <p:childTnLst>
+                        <p:par>
+                          <p:cTn id="30" fill="hold">
+                            <p:stCondLst>
+                              <p:cond delay="0"/>
+                            </p:stCondLst>
+                            <p:childTnLst>
+                              <p:par>
+                                <p:cTn id="31" presetID="1" presetClass="entr" presetSubtype="0" fill="hold" grpId="0" nodeType="clickEffect">
+                                  <p:stCondLst>
+                                    <p:cond delay="0"/>
+                                  </p:stCondLst>
+                                  <p:childTnLst>
+                                    <p:set>
+                                      <p:cBhvr>
+                                        <p:cTn id="32" dur="1" fill="hold">
+                                          <p:stCondLst>
+                                            <p:cond delay="0"/>
+                                          </p:stCondLst>
+                                        </p:cTn>
+                                        <p:tgtEl>
+                                          <p:spTgt spid="3">
+                                            <p:txEl>
+                                              <p:pRg st="9" end="9"/>
+                                            </p:txEl>
+                                          </p:spTgt>
+                                        </p:tgtEl>
+                                        <p:attrNameLst>
+                                          <p:attrName>style.visibility</p:attrName>
+                                        </p:attrNameLst>
+                                      </p:cBhvr>
+                                      <p:to>
+                                        <p:strVal val="visible"/>
+                                      </p:to>
+                                    </p:set>
+                                  </p:childTnLst>
+                                </p:cTn>
+                              </p:par>
+                              <p:par>
+                                <p:cTn id="33" presetID="1" presetClass="entr" presetSubtype="0" fill="hold" grpId="0" nodeType="withEffect">
+                                  <p:stCondLst>
+                                    <p:cond delay="0"/>
+                                  </p:stCondLst>
+                                  <p:childTnLst>
+                                    <p:set>
+                                      <p:cBhvr>
+                                        <p:cTn id="34" dur="1" fill="hold">
+                                          <p:stCondLst>
+                                            <p:cond delay="0"/>
+                                          </p:stCondLst>
+                                        </p:cTn>
+                                        <p:tgtEl>
+                                          <p:spTgt spid="3">
+                                            <p:txEl>
+                                              <p:pRg st="10" end="10"/>
+                                            </p:txEl>
+                                          </p:spTgt>
+                                        </p:tgtEl>
+                                        <p:attrNameLst>
+                                          <p:attrName>style.visibility</p:attrName>
+                                        </p:attrNameLst>
+                                      </p:cBhvr>
+                                      <p:to>
+                                        <p:strVal val="visible"/>
+                                      </p:to>
+                                    </p:set>
+                                  </p:childTnLst>
+                                </p:cTn>
+                              </p:par>
+                            </p:childTnLst>
+                          </p:cTn>
+                        </p:par>
+                      </p:childTnLst>
+                    </p:cTn>
+                  </p:par>
+                  <p:par>
+                    <p:cTn id="35" fill="hold">
+                      <p:stCondLst>
+                        <p:cond delay="indefinite"/>
+                      </p:stCondLst>
+                      <p:childTnLst>
+                        <p:par>
+                          <p:cTn id="36" fill="hold">
+                            <p:stCondLst>
+                              <p:cond delay="0"/>
+                            </p:stCondLst>
+                            <p:childTnLst>
+                              <p:par>
+                                <p:cTn id="37" presetID="1" presetClass="entr" presetSubtype="0" fill="hold" grpId="0" nodeType="clickEffect">
+                                  <p:stCondLst>
+                                    <p:cond delay="0"/>
+                                  </p:stCondLst>
+                                  <p:childTnLst>
+                                    <p:set>
+                                      <p:cBhvr>
+                                        <p:cTn id="38" dur="1" fill="hold">
+                                          <p:stCondLst>
+                                            <p:cond delay="0"/>
+                                          </p:stCondLst>
+                                        </p:cTn>
+                                        <p:tgtEl>
+                                          <p:spTgt spid="3">
+                                            <p:txEl>
+                                              <p:pRg st="11" end="11"/>
+                                            </p:txEl>
+                                          </p:spTgt>
+                                        </p:tgtEl>
+                                        <p:attrNameLst>
+                                          <p:attrName>style.visibility</p:attrName>
+                                        </p:attrNameLst>
+                                      </p:cBhvr>
+                                      <p:to>
+                                        <p:strVal val="visible"/>
+                                      </p:to>
+                                    </p:set>
+                                  </p:childTnLst>
+                                </p:cTn>
+                              </p:par>
+                              <p:par>
+                                <p:cTn id="39" presetID="1" presetClass="entr" presetSubtype="0" fill="hold" grpId="0" nodeType="withEffect">
+                                  <p:stCondLst>
+                                    <p:cond delay="0"/>
+                                  </p:stCondLst>
+                                  <p:childTnLst>
+                                    <p:set>
+                                      <p:cBhvr>
+                                        <p:cTn id="40" dur="1" fill="hold">
+                                          <p:stCondLst>
+                                            <p:cond delay="0"/>
+                                          </p:stCondLst>
+                                        </p:cTn>
+                                        <p:tgtEl>
+                                          <p:spTgt spid="3">
+                                            <p:txEl>
+                                              <p:pRg st="12" end="12"/>
+                                            </p:txEl>
+                                          </p:spTgt>
+                                        </p:tgtEl>
+                                        <p:attrNameLst>
+                                          <p:attrName>style.visibility</p:attrName>
+                                        </p:attrNameLst>
+                                      </p:cBhvr>
+                                      <p:to>
+                                        <p:strVal val="visible"/>
+                                      </p:to>
+                                    </p:set>
+                                  </p:childTnLst>
+                                </p:cTn>
+                              </p:par>
+                            </p:childTnLst>
+                          </p:cTn>
+                        </p:par>
+                      </p:childTnLst>
+                    </p:cTn>
+                  </p:par>
+                </p:childTnLst>
+              </p:cTn>
+              <p:prevCondLst>
+                <p:cond evt="onPrev" delay="0">
+                  <p:tgtEl>
+                    <p:sldTgt/>
+                  </p:tgtEl>
+                </p:cond>
+              </p:prevCondLst>
+              <p:nextCondLst>
+                <p:cond evt="onNext" delay="0">
+                  <p:tgtEl>
+                    <p:sldTgt/>
+                  </p:tgtEl>
+                </p:cond>
+              </p:nextCondLst>
+            </p:seq>
+          </p:childTnLst>
+        </p:cTn>
+      </p:par>
+    </p:tnLst>
+    <p:bldLst>
+      <p:bldP spid="3" grpId="0" uiExpand="1" build="p"/>
+    </p:bldLst>
+  </p:timing>
+</p:sld>
+</file>
+
+<file path=ppt/slides/slide7.xml><?xml version="1.0" encoding="utf-8"?>
+<p:sld xmlns:a="http://schemas.openxmlformats.org/drawingml/2006/main" xmlns:r="http://schemas.openxmlformats.org/officeDocument/2006/relationships" xmlns:p="http://schemas.openxmlformats.org/presentationml/2006/main">
+  <p:cSld>
+    <p:spTree>
+      <p:nvGrpSpPr>
+        <p:cNvPr id="1" name=""/>
+        <p:cNvGrpSpPr/>
+        <p:nvPr/>
+      </p:nvGrpSpPr>
+      <p:grpSpPr>
+        <a:xfrm>
+          <a:off x="0" y="0"/>
+          <a:ext cx="0" cy="0"/>
+          <a:chOff x="0" y="0"/>
+          <a:chExt cx="0" cy="0"/>
+        </a:xfrm>
+      </p:grpSpPr>
+      <p:sp>
+        <p:nvSpPr>
+          <p:cNvPr id="2" name="Title 1"/>
+          <p:cNvSpPr>
+            <a:spLocks noGrp="1"/>
+          </p:cNvSpPr>
+          <p:nvPr>
+            <p:ph type="title"/>
+          </p:nvPr>
+        </p:nvSpPr>
+        <p:spPr/>
+        <p:txBody>
+          <a:bodyPr/>
+          <a:lstStyle/>
+          <a:p>
+            <a:r>
+              <a:rPr lang="en-US" dirty="0" smtClean="0"/>
+              <a:t>Dates of interest: Sep.22 – Dec.16</a:t>
+            </a:r>
+            <a:endParaRPr lang="en-US" dirty="0"/>
+          </a:p>
+        </p:txBody>
+      </p:sp>
+      <p:sp>
+        <p:nvSpPr>
+          <p:cNvPr id="3" name="Content Placeholder 2"/>
+          <p:cNvSpPr>
+            <a:spLocks noGrp="1"/>
+          </p:cNvSpPr>
+          <p:nvPr>
+            <p:ph idx="1"/>
+          </p:nvPr>
+        </p:nvSpPr>
+        <p:spPr>
+          <a:xfrm>
+            <a:off x="685800" y="1143000"/>
+            <a:ext cx="7772400" cy="4495800"/>
+          </a:xfrm>
+        </p:spPr>
+        <p:txBody>
+          <a:bodyPr>
+            <a:normAutofit fontScale="92500" lnSpcReduction="20000"/>
+          </a:bodyPr>
+          <a:lstStyle/>
+          <a:p>
+            <a:r>
+              <a:rPr lang="en-US" dirty="0" smtClean="0"/>
+              <a:t>Crash courses: Sep.25 and Oct.2</a:t>
+            </a:r>
+          </a:p>
+          <a:p>
+            <a:pPr lvl="1"/>
+            <a:r>
+              <a:rPr lang="en-US" dirty="0" smtClean="0"/>
+              <a:t>Sep.25 and Oct.2 (Sun) – Java and Android crash course by </a:t>
+            </a:r>
+            <a:r>
+              <a:rPr lang="en-US" dirty="0" err="1" smtClean="0"/>
+              <a:t>Najla</a:t>
+            </a:r>
+            <a:r>
+              <a:rPr lang="en-US" dirty="0" smtClean="0"/>
+              <a:t> and Nora</a:t>
+            </a:r>
+            <a:endParaRPr lang="en-US" dirty="0"/>
+          </a:p>
+          <a:p>
+            <a:r>
+              <a:rPr lang="en-US" dirty="0" smtClean="0"/>
+              <a:t>Half-way point: Oct.30</a:t>
+            </a:r>
+          </a:p>
+          <a:p>
+            <a:pPr lvl="1"/>
+            <a:r>
+              <a:rPr lang="en-US" dirty="0" smtClean="0"/>
+              <a:t>3 completed cycles of products (Oct.2*, Oct.16, Oct.30)</a:t>
+            </a:r>
+          </a:p>
+          <a:p>
+            <a:pPr lvl="1"/>
+            <a:r>
+              <a:rPr lang="en-US" dirty="0" smtClean="0"/>
+              <a:t>1</a:t>
+            </a:r>
+            <a:r>
+              <a:rPr lang="en-US" baseline="30000" dirty="0" smtClean="0"/>
+              <a:t>st</a:t>
+            </a:r>
+            <a:r>
+              <a:rPr lang="en-US" dirty="0" smtClean="0"/>
+              <a:t> draft write-up of report</a:t>
+            </a:r>
+          </a:p>
+          <a:p>
+            <a:pPr lvl="1"/>
+            <a:r>
+              <a:rPr lang="en-US" dirty="0" smtClean="0"/>
+              <a:t>Self and peer-evaluation and possible reallocation of members</a:t>
+            </a:r>
+            <a:endParaRPr lang="en-US" dirty="0"/>
+          </a:p>
+          <a:p>
+            <a:r>
+              <a:rPr lang="en-US" dirty="0" smtClean="0"/>
+              <a:t>Finals period: Dec.4 – Dec.16</a:t>
+            </a:r>
+          </a:p>
+          <a:p>
+            <a:pPr lvl="1"/>
+            <a:r>
+              <a:rPr lang="en-US" dirty="0" smtClean="0"/>
+              <a:t>2 completed cycles of products, in middle of last product (Nov.13, Nov.27*, Dec.11)</a:t>
+            </a:r>
+          </a:p>
+          <a:p>
+            <a:pPr lvl="1"/>
+            <a:r>
+              <a:rPr lang="en-US" dirty="0" smtClean="0"/>
+              <a:t>Final draft write-up of report</a:t>
+            </a:r>
+          </a:p>
+          <a:p>
+            <a:pPr lvl="1"/>
+            <a:r>
+              <a:rPr lang="en-US" dirty="0" smtClean="0"/>
+              <a:t>Everyone</a:t>
+            </a:r>
+          </a:p>
+          <a:p>
+            <a:pPr lvl="2"/>
+            <a:r>
+              <a:rPr lang="en-US" dirty="0" smtClean="0"/>
+              <a:t>Self and peer-evaluation and reflection</a:t>
+            </a:r>
+          </a:p>
+          <a:p>
+            <a:pPr lvl="1"/>
+            <a:r>
+              <a:rPr lang="en-US" dirty="0" err="1" smtClean="0"/>
+              <a:t>MEngs</a:t>
+            </a:r>
+            <a:endParaRPr lang="en-US" dirty="0"/>
+          </a:p>
+          <a:p>
+            <a:pPr lvl="2"/>
+            <a:r>
+              <a:rPr lang="en-US" dirty="0" smtClean="0"/>
+              <a:t>Joint progress report for future members + Bailey</a:t>
+            </a:r>
+          </a:p>
+          <a:p>
+            <a:pPr lvl="2"/>
+            <a:r>
+              <a:rPr lang="en-US" dirty="0" smtClean="0"/>
+              <a:t>Integration and demo of product for Bailey</a:t>
+            </a:r>
+          </a:p>
+          <a:p>
+            <a:pPr lvl="1"/>
+            <a:r>
+              <a:rPr lang="en-US" dirty="0" smtClean="0"/>
+              <a:t>Those staying with group next semester</a:t>
+            </a:r>
+          </a:p>
+          <a:p>
+            <a:pPr lvl="2"/>
+            <a:r>
+              <a:rPr lang="en-US" dirty="0" smtClean="0"/>
+              <a:t>Discussion and planning for next semester</a:t>
+            </a:r>
+          </a:p>
+        </p:txBody>
+      </p:sp>
+    </p:spTree>
+    <p:extLst>
+      <p:ext uri="{BB962C8B-B14F-4D97-AF65-F5344CB8AC3E}">
+        <p14:creationId xmlns:p14="http://schemas.microsoft.com/office/powerpoint/2010/main" val="676869397"/>
+      </p:ext>
+    </p:extLst>
+  </p:cSld>
+  <p:clrMapOvr>
+    <a:masterClrMapping/>
+  </p:clrMapOvr>
+  <p:timing>
+    <p:tnLst>
+      <p:par>
+        <p:cTn id="1" dur="indefinite" restart="never" nodeType="tmRoot"/>
+      </p:par>
+    </p:tnLst>
+  </p:timing>
+</p:sld>
+</file>
+
+<file path=ppt/slides/slide8.xml><?xml version="1.0" encoding="utf-8"?>
+<p:sld xmlns:a="http://schemas.openxmlformats.org/drawingml/2006/main" xmlns:r="http://schemas.openxmlformats.org/officeDocument/2006/relationships" xmlns:p="http://schemas.openxmlformats.org/presentationml/2006/main">
+  <p:cSld>
+    <p:spTree>
+      <p:nvGrpSpPr>
+        <p:cNvPr id="1" name=""/>
+        <p:cNvGrpSpPr/>
+        <p:nvPr/>
+      </p:nvGrpSpPr>
+      <p:grpSpPr>
+        <a:xfrm>
+          <a:off x="0" y="0"/>
+          <a:ext cx="0" cy="0"/>
+          <a:chOff x="0" y="0"/>
+          <a:chExt cx="0" cy="0"/>
+        </a:xfrm>
+      </p:grpSpPr>
+      <p:sp>
+        <p:nvSpPr>
+          <p:cNvPr id="2" name="Title 1"/>
+          <p:cNvSpPr>
+            <a:spLocks noGrp="1"/>
+          </p:cNvSpPr>
+          <p:nvPr>
+            <p:ph type="title"/>
+          </p:nvPr>
+        </p:nvSpPr>
+        <p:spPr/>
+        <p:txBody>
+          <a:bodyPr/>
+          <a:lstStyle/>
+          <a:p>
+            <a:r>
+              <a:rPr lang="en-US" dirty="0" smtClean="0"/>
               <a:t>Current situation :: DESKTOP</a:t>
             </a:r>
             <a:endParaRPr lang="en-US" dirty="0"/>
@@ -17195,7 +21996,7 @@
 </p:sld>
 </file>
 
-<file path=ppt/slides/slide6.xml><?xml version="1.0" encoding="utf-8"?>
+<file path=ppt/slides/slide9.xml><?xml version="1.0" encoding="utf-8"?>
 <p:sld xmlns:a="http://schemas.openxmlformats.org/drawingml/2006/main" xmlns:r="http://schemas.openxmlformats.org/officeDocument/2006/relationships" xmlns:p="http://schemas.openxmlformats.org/presentationml/2006/main">
   <p:cSld>
     <p:spTree>
@@ -17510,264 +22311,6 @@
             </p:seq>
           </p:childTnLst>
         </p:cTn>
-      </p:par>
-    </p:tnLst>
-  </p:timing>
-</p:sld>
-</file>
-
-<file path=ppt/slides/slide7.xml><?xml version="1.0" encoding="utf-8"?>
-<p:sld xmlns:a="http://schemas.openxmlformats.org/drawingml/2006/main" xmlns:r="http://schemas.openxmlformats.org/officeDocument/2006/relationships" xmlns:p="http://schemas.openxmlformats.org/presentationml/2006/main">
-  <p:cSld>
-    <p:spTree>
-      <p:nvGrpSpPr>
-        <p:cNvPr id="1" name=""/>
-        <p:cNvGrpSpPr/>
-        <p:nvPr/>
-      </p:nvGrpSpPr>
-      <p:grpSpPr>
-        <a:xfrm>
-          <a:off x="0" y="0"/>
-          <a:ext cx="0" cy="0"/>
-          <a:chOff x="0" y="0"/>
-          <a:chExt cx="0" cy="0"/>
-        </a:xfrm>
-      </p:grpSpPr>
-      <p:sp>
-        <p:nvSpPr>
-          <p:cNvPr id="2" name="Title 1"/>
-          <p:cNvSpPr>
-            <a:spLocks noGrp="1"/>
-          </p:cNvSpPr>
-          <p:nvPr>
-            <p:ph type="title"/>
-          </p:nvPr>
-        </p:nvSpPr>
-        <p:spPr/>
-        <p:txBody>
-          <a:bodyPr/>
-          <a:lstStyle/>
-          <a:p>
-            <a:r>
-              <a:rPr lang="en-US" dirty="0" smtClean="0"/>
-              <a:t>SEPTEMBER 22 – DECEMBER 16, 2011</a:t>
-            </a:r>
-            <a:endParaRPr lang="en-US" dirty="0"/>
-          </a:p>
-        </p:txBody>
-      </p:sp>
-      <p:sp>
-        <p:nvSpPr>
-          <p:cNvPr id="3" name="Content Placeholder 2"/>
-          <p:cNvSpPr>
-            <a:spLocks noGrp="1"/>
-          </p:cNvSpPr>
-          <p:nvPr>
-            <p:ph idx="1"/>
-          </p:nvPr>
-        </p:nvSpPr>
-        <p:spPr/>
-        <p:txBody>
-          <a:bodyPr/>
-          <a:lstStyle/>
-          <a:p>
-            <a:r>
-              <a:rPr lang="en-US" dirty="0" smtClean="0"/>
-              <a:t>Group meeting: 5:30PM, Sundays</a:t>
-            </a:r>
-          </a:p>
-          <a:p>
-            <a:pPr lvl="1"/>
-            <a:r>
-              <a:rPr lang="en-US" dirty="0" smtClean="0"/>
-              <a:t>Paper critique</a:t>
-            </a:r>
-          </a:p>
-          <a:p>
-            <a:pPr lvl="2"/>
-            <a:r>
-              <a:rPr lang="en-US" dirty="0" smtClean="0"/>
-              <a:t>Assignment on Basecamp</a:t>
-            </a:r>
-          </a:p>
-          <a:p>
-            <a:r>
-              <a:rPr lang="en-US" dirty="0" smtClean="0"/>
-              <a:t>12 Sundays</a:t>
-            </a:r>
-            <a:endParaRPr lang="en-US" dirty="0"/>
-          </a:p>
-        </p:txBody>
-      </p:sp>
-    </p:spTree>
-    <p:extLst>
-      <p:ext uri="{BB962C8B-B14F-4D97-AF65-F5344CB8AC3E}">
-        <p14:creationId xmlns:p14="http://schemas.microsoft.com/office/powerpoint/2010/main" val="1367654254"/>
-      </p:ext>
-    </p:extLst>
-  </p:cSld>
-  <p:clrMapOvr>
-    <a:masterClrMapping/>
-  </p:clrMapOvr>
-  <p:timing>
-    <p:tnLst>
-      <p:par>
-        <p:cTn id="1" dur="indefinite" restart="never" nodeType="tmRoot"/>
-      </p:par>
-    </p:tnLst>
-  </p:timing>
-</p:sld>
-</file>
-
-<file path=ppt/slides/slide8.xml><?xml version="1.0" encoding="utf-8"?>
-<p:sld xmlns:a="http://schemas.openxmlformats.org/drawingml/2006/main" xmlns:r="http://schemas.openxmlformats.org/officeDocument/2006/relationships" xmlns:p="http://schemas.openxmlformats.org/presentationml/2006/main">
-  <p:cSld>
-    <p:spTree>
-      <p:nvGrpSpPr>
-        <p:cNvPr id="1" name=""/>
-        <p:cNvGrpSpPr/>
-        <p:nvPr/>
-      </p:nvGrpSpPr>
-      <p:grpSpPr>
-        <a:xfrm>
-          <a:off x="0" y="0"/>
-          <a:ext cx="0" cy="0"/>
-          <a:chOff x="0" y="0"/>
-          <a:chExt cx="0" cy="0"/>
-        </a:xfrm>
-      </p:grpSpPr>
-      <p:sp>
-        <p:nvSpPr>
-          <p:cNvPr id="2" name="Title 1"/>
-          <p:cNvSpPr>
-            <a:spLocks noGrp="1"/>
-          </p:cNvSpPr>
-          <p:nvPr>
-            <p:ph type="title"/>
-          </p:nvPr>
-        </p:nvSpPr>
-        <p:spPr/>
-        <p:txBody>
-          <a:bodyPr/>
-          <a:lstStyle/>
-          <a:p>
-            <a:r>
-              <a:rPr lang="en-US" dirty="0" err="1" smtClean="0"/>
-              <a:t>GitHub</a:t>
-            </a:r>
-            <a:r>
-              <a:rPr lang="en-US" dirty="0" smtClean="0"/>
-              <a:t>: Getting Started</a:t>
-            </a:r>
-            <a:endParaRPr lang="en-US" dirty="0"/>
-          </a:p>
-        </p:txBody>
-      </p:sp>
-      <p:sp>
-        <p:nvSpPr>
-          <p:cNvPr id="3" name="Content Placeholder 2"/>
-          <p:cNvSpPr>
-            <a:spLocks noGrp="1"/>
-          </p:cNvSpPr>
-          <p:nvPr>
-            <p:ph idx="1"/>
-          </p:nvPr>
-        </p:nvSpPr>
-        <p:spPr/>
-        <p:txBody>
-          <a:bodyPr/>
-          <a:lstStyle/>
-          <a:p>
-            <a:r>
-              <a:rPr lang="en-US" dirty="0" smtClean="0"/>
-              <a:t>What is </a:t>
-            </a:r>
-            <a:r>
-              <a:rPr lang="en-US" dirty="0" err="1" smtClean="0"/>
-              <a:t>GitHub</a:t>
-            </a:r>
-            <a:r>
-              <a:rPr lang="en-US" dirty="0" smtClean="0"/>
-              <a:t>?</a:t>
-            </a:r>
-          </a:p>
-          <a:p>
-            <a:r>
-              <a:rPr lang="en-US" dirty="0" smtClean="0"/>
-              <a:t>What is </a:t>
-            </a:r>
-            <a:r>
-              <a:rPr lang="en-US" dirty="0" err="1" smtClean="0"/>
-              <a:t>Git</a:t>
-            </a:r>
-            <a:r>
-              <a:rPr lang="en-US" dirty="0"/>
-              <a:t>? </a:t>
-            </a:r>
-            <a:r>
-              <a:rPr lang="en-US" dirty="0">
-                <a:hlinkClick r:id="rId2"/>
-              </a:rPr>
-              <a:t>http://</a:t>
-            </a:r>
-            <a:r>
-              <a:rPr lang="en-US" dirty="0" smtClean="0">
-                <a:hlinkClick r:id="rId2"/>
-              </a:rPr>
-              <a:t>progit.org/book/ch1-3.html</a:t>
-            </a:r>
-            <a:endParaRPr lang="en-US" dirty="0"/>
-          </a:p>
-          <a:p>
-            <a:r>
-              <a:rPr lang="en-US" dirty="0" smtClean="0"/>
-              <a:t>Set up an account: </a:t>
-            </a:r>
-            <a:r>
-              <a:rPr lang="en-US" dirty="0">
-                <a:hlinkClick r:id="rId3"/>
-              </a:rPr>
-              <a:t>https://</a:t>
-            </a:r>
-            <a:r>
-              <a:rPr lang="en-US" dirty="0" smtClean="0">
-                <a:hlinkClick r:id="rId3"/>
-              </a:rPr>
-              <a:t>github.com/signup/free</a:t>
-            </a:r>
-            <a:endParaRPr lang="en-US" dirty="0"/>
-          </a:p>
-          <a:p>
-            <a:r>
-              <a:rPr lang="en-US" dirty="0" smtClean="0"/>
-              <a:t>Install </a:t>
-            </a:r>
-            <a:r>
-              <a:rPr lang="en-US" dirty="0" err="1" smtClean="0"/>
-              <a:t>Git</a:t>
-            </a:r>
-            <a:r>
-              <a:rPr lang="en-US" dirty="0" smtClean="0"/>
-              <a:t>:</a:t>
-            </a:r>
-            <a:endParaRPr lang="en-US" dirty="0"/>
-          </a:p>
-        </p:txBody>
-      </p:sp>
-    </p:spTree>
-    <p:extLst>
-      <p:ext uri="{BB962C8B-B14F-4D97-AF65-F5344CB8AC3E}">
-        <p14:creationId xmlns:p14="http://schemas.microsoft.com/office/powerpoint/2010/main" val="2742056742"/>
-      </p:ext>
-    </p:extLst>
-  </p:cSld>
-  <p:clrMapOvr>
-    <a:masterClrMapping/>
-  </p:clrMapOvr>
-  <p:timing>
-    <p:tnLst>
-      <p:par>
-        <p:cTn id="1" dur="indefinite" restart="never" nodeType="tmRoot"/>
       </p:par>
     </p:tnLst>
   </p:timing>
